--- a/Вадим презентация.pptx
+++ b/Вадим презентация.pptx
@@ -2,12 +2,18 @@
 <file path=ppt/presentation.xml><?xml version="1.0" encoding="utf-8"?>
 <p:presentation xmlns:a="http://schemas.openxmlformats.org/drawingml/2006/main" xmlns:r="http://schemas.openxmlformats.org/officeDocument/2006/relationships" xmlns:p="http://schemas.openxmlformats.org/presentationml/2006/main" autoCompressPictures="0">
   <p:sldMasterIdLst>
-    <p:sldMasterId id="2147483648" r:id="rId1"/>
+    <p:sldMasterId id="2147483660" r:id="rId1"/>
   </p:sldMasterIdLst>
   <p:sldIdLst>
     <p:sldId id="256" r:id="rId2"/>
     <p:sldId id="257" r:id="rId3"/>
     <p:sldId id="259" r:id="rId4"/>
+    <p:sldId id="260" r:id="rId5"/>
+    <p:sldId id="261" r:id="rId6"/>
+    <p:sldId id="262" r:id="rId7"/>
+    <p:sldId id="263" r:id="rId8"/>
+    <p:sldId id="264" r:id="rId9"/>
+    <p:sldId id="265" r:id="rId10"/>
   </p:sldIdLst>
   <p:sldSz cx="12192000" cy="6858000"/>
   <p:notesSz cx="6858000" cy="9144000"/>
@@ -106,6 +112,32 @@
       </a:defRPr>
     </a:lvl9pPr>
   </p:defaultTextStyle>
+  <p:extLst>
+    <p:ext uri="{521415D9-36F7-43E2-AB2F-B90AF26B5E84}">
+      <p14:sectionLst xmlns:p14="http://schemas.microsoft.com/office/powerpoint/2010/main">
+        <p14:section name="Раздел по умолчанию" id="{F5F4C956-5D60-4207-BBE3-AD4AF3251B2F}">
+          <p14:sldIdLst>
+            <p14:sldId id="256"/>
+            <p14:sldId id="257"/>
+            <p14:sldId id="259"/>
+            <p14:sldId id="260"/>
+            <p14:sldId id="261"/>
+            <p14:sldId id="262"/>
+          </p14:sldIdLst>
+        </p14:section>
+        <p14:section name="Раздел без заголовка" id="{1AF8E218-D754-44E6-8947-8ABC5F00CFE9}">
+          <p14:sldIdLst>
+            <p14:sldId id="263"/>
+            <p14:sldId id="264"/>
+            <p14:sldId id="265"/>
+          </p14:sldIdLst>
+        </p14:section>
+      </p14:sectionLst>
+    </p:ext>
+    <p:ext uri="{EFAFB233-063F-42B5-8137-9DF3F51BA10A}">
+      <p15:sldGuideLst xmlns:p15="http://schemas.microsoft.com/office/powerpoint/2012/main"/>
+    </p:ext>
+  </p:extLst>
 </p:presentation>
 </file>
 
@@ -247,8 +279,8 @@
           <a:lstStyle/>
           <a:p>
             <a:fld id="{48A87A34-81AB-432B-8DAE-1953F412C126}" type="datetimeFigureOut">
-              <a:rPr lang="en-US" dirty="0"/>
-              <a:t>10/13/2021</a:t>
+              <a:rPr lang="en-US" smtClean="0"/>
+              <a:t>10/14/2021</a:t>
             </a:fld>
             <a:endParaRPr lang="en-US" dirty="0"/>
           </a:p>
@@ -299,7 +331,7 @@
           <a:lstStyle/>
           <a:p>
             <a:fld id="{6D22F896-40B5-4ADD-8801-0D06FADFA095}" type="slidenum">
-              <a:rPr lang="en-US" dirty="0"/>
+              <a:rPr lang="en-US" smtClean="0"/>
               <a:t>‹#›</a:t>
             </a:fld>
             <a:endParaRPr lang="en-US" dirty="0"/>
@@ -338,6 +370,11 @@
         </p:style>
       </p:cxnSp>
     </p:spTree>
+    <p:extLst>
+      <p:ext uri="{BB962C8B-B14F-4D97-AF65-F5344CB8AC3E}">
+        <p14:creationId xmlns:p14="http://schemas.microsoft.com/office/powerpoint/2010/main" val="2732981267"/>
+      </p:ext>
+    </p:extLst>
   </p:cSld>
   <p:clrMapOvr>
     <a:masterClrMapping/>
@@ -453,8 +490,8 @@
           <a:lstStyle/>
           <a:p>
             <a:fld id="{48A87A34-81AB-432B-8DAE-1953F412C126}" type="datetimeFigureOut">
-              <a:rPr lang="en-US" dirty="0"/>
-              <a:t>10/13/2021</a:t>
+              <a:rPr lang="en-US" smtClean="0"/>
+              <a:t>10/14/2021</a:t>
             </a:fld>
             <a:endParaRPr lang="en-US" dirty="0"/>
           </a:p>
@@ -495,7 +532,7 @@
           <a:lstStyle/>
           <a:p>
             <a:fld id="{6D22F896-40B5-4ADD-8801-0D06FADFA095}" type="slidenum">
-              <a:rPr lang="en-US" dirty="0"/>
+              <a:rPr lang="en-US" smtClean="0"/>
               <a:t>‹#›</a:t>
             </a:fld>
             <a:endParaRPr lang="en-US" dirty="0"/>
@@ -534,6 +571,11 @@
         </p:style>
       </p:cxnSp>
     </p:spTree>
+    <p:extLst>
+      <p:ext uri="{BB962C8B-B14F-4D97-AF65-F5344CB8AC3E}">
+        <p14:creationId xmlns:p14="http://schemas.microsoft.com/office/powerpoint/2010/main" val="4183097706"/>
+      </p:ext>
+    </p:extLst>
   </p:cSld>
   <p:clrMapOvr>
     <a:masterClrMapping/>
@@ -663,8 +705,8 @@
           <a:lstStyle/>
           <a:p>
             <a:fld id="{48A87A34-81AB-432B-8DAE-1953F412C126}" type="datetimeFigureOut">
-              <a:rPr lang="en-US" dirty="0"/>
-              <a:t>10/13/2021</a:t>
+              <a:rPr lang="en-US" smtClean="0"/>
+              <a:t>10/14/2021</a:t>
             </a:fld>
             <a:endParaRPr lang="en-US" dirty="0"/>
           </a:p>
@@ -705,7 +747,7 @@
           <a:lstStyle/>
           <a:p>
             <a:fld id="{6D22F896-40B5-4ADD-8801-0D06FADFA095}" type="slidenum">
-              <a:rPr lang="en-US" dirty="0"/>
+              <a:rPr lang="en-US" smtClean="0"/>
               <a:t>‹#›</a:t>
             </a:fld>
             <a:endParaRPr lang="en-US" dirty="0"/>
@@ -744,6 +786,11 @@
         </p:style>
       </p:cxnSp>
     </p:spTree>
+    <p:extLst>
+      <p:ext uri="{BB962C8B-B14F-4D97-AF65-F5344CB8AC3E}">
+        <p14:creationId xmlns:p14="http://schemas.microsoft.com/office/powerpoint/2010/main" val="3337748044"/>
+      </p:ext>
+    </p:extLst>
   </p:cSld>
   <p:clrMapOvr>
     <a:masterClrMapping/>
@@ -859,8 +906,8 @@
           <a:lstStyle/>
           <a:p>
             <a:fld id="{48A87A34-81AB-432B-8DAE-1953F412C126}" type="datetimeFigureOut">
-              <a:rPr lang="en-US" dirty="0"/>
-              <a:t>10/13/2021</a:t>
+              <a:rPr lang="en-US" smtClean="0"/>
+              <a:t>10/14/2021</a:t>
             </a:fld>
             <a:endParaRPr lang="en-US" dirty="0"/>
           </a:p>
@@ -901,7 +948,7 @@
           <a:lstStyle/>
           <a:p>
             <a:fld id="{6D22F896-40B5-4ADD-8801-0D06FADFA095}" type="slidenum">
-              <a:rPr lang="en-US" dirty="0"/>
+              <a:rPr lang="en-US" smtClean="0"/>
               <a:t>‹#›</a:t>
             </a:fld>
             <a:endParaRPr lang="en-US" dirty="0"/>
@@ -940,6 +987,11 @@
         </p:style>
       </p:cxnSp>
     </p:spTree>
+    <p:extLst>
+      <p:ext uri="{BB962C8B-B14F-4D97-AF65-F5344CB8AC3E}">
+        <p14:creationId xmlns:p14="http://schemas.microsoft.com/office/powerpoint/2010/main" val="1347229275"/>
+      </p:ext>
+    </p:extLst>
   </p:cSld>
   <p:clrMapOvr>
     <a:masterClrMapping/>
@@ -1133,8 +1185,8 @@
           <a:lstStyle/>
           <a:p>
             <a:fld id="{48A87A34-81AB-432B-8DAE-1953F412C126}" type="datetimeFigureOut">
-              <a:rPr lang="en-US" dirty="0"/>
-              <a:t>10/13/2021</a:t>
+              <a:rPr lang="en-US" smtClean="0"/>
+              <a:t>10/14/2021</a:t>
             </a:fld>
             <a:endParaRPr lang="en-US" dirty="0"/>
           </a:p>
@@ -1175,7 +1227,7 @@
           <a:lstStyle/>
           <a:p>
             <a:fld id="{6D22F896-40B5-4ADD-8801-0D06FADFA095}" type="slidenum">
-              <a:rPr lang="en-US" dirty="0"/>
+              <a:rPr lang="en-US" smtClean="0"/>
               <a:t>‹#›</a:t>
             </a:fld>
             <a:endParaRPr lang="en-US" dirty="0"/>
@@ -1214,6 +1266,11 @@
         </p:style>
       </p:cxnSp>
     </p:spTree>
+    <p:extLst>
+      <p:ext uri="{BB962C8B-B14F-4D97-AF65-F5344CB8AC3E}">
+        <p14:creationId xmlns:p14="http://schemas.microsoft.com/office/powerpoint/2010/main" val="3541844414"/>
+      </p:ext>
+    </p:extLst>
   </p:cSld>
   <p:clrMapOvr>
     <a:masterClrMapping/>
@@ -1396,8 +1453,8 @@
           <a:lstStyle/>
           <a:p>
             <a:fld id="{48A87A34-81AB-432B-8DAE-1953F412C126}" type="datetimeFigureOut">
-              <a:rPr lang="en-US" dirty="0"/>
-              <a:t>10/13/2021</a:t>
+              <a:rPr lang="en-US" smtClean="0"/>
+              <a:t>10/14/2021</a:t>
             </a:fld>
             <a:endParaRPr lang="en-US" dirty="0"/>
           </a:p>
@@ -1438,7 +1495,7 @@
           <a:lstStyle/>
           <a:p>
             <a:fld id="{6D22F896-40B5-4ADD-8801-0D06FADFA095}" type="slidenum">
-              <a:rPr lang="en-US" dirty="0"/>
+              <a:rPr lang="en-US" smtClean="0"/>
               <a:t>‹#›</a:t>
             </a:fld>
             <a:endParaRPr lang="en-US" dirty="0"/>
@@ -1477,6 +1534,11 @@
         </p:style>
       </p:cxnSp>
     </p:spTree>
+    <p:extLst>
+      <p:ext uri="{BB962C8B-B14F-4D97-AF65-F5344CB8AC3E}">
+        <p14:creationId xmlns:p14="http://schemas.microsoft.com/office/powerpoint/2010/main" val="4092253096"/>
+      </p:ext>
+    </p:extLst>
   </p:cSld>
   <p:clrMapOvr>
     <a:masterClrMapping/>
@@ -1807,8 +1869,8 @@
           <a:lstStyle/>
           <a:p>
             <a:fld id="{48A87A34-81AB-432B-8DAE-1953F412C126}" type="datetimeFigureOut">
-              <a:rPr lang="en-US" dirty="0"/>
-              <a:t>10/13/2021</a:t>
+              <a:rPr lang="en-US" smtClean="0"/>
+              <a:t>10/14/2021</a:t>
             </a:fld>
             <a:endParaRPr lang="en-US" dirty="0"/>
           </a:p>
@@ -1849,7 +1911,7 @@
           <a:lstStyle/>
           <a:p>
             <a:fld id="{6D22F896-40B5-4ADD-8801-0D06FADFA095}" type="slidenum">
-              <a:rPr lang="en-US" dirty="0"/>
+              <a:rPr lang="en-US" smtClean="0"/>
               <a:t>‹#›</a:t>
             </a:fld>
             <a:endParaRPr lang="en-US" dirty="0"/>
@@ -1888,6 +1950,11 @@
         </p:style>
       </p:cxnSp>
     </p:spTree>
+    <p:extLst>
+      <p:ext uri="{BB962C8B-B14F-4D97-AF65-F5344CB8AC3E}">
+        <p14:creationId xmlns:p14="http://schemas.microsoft.com/office/powerpoint/2010/main" val="3964525342"/>
+      </p:ext>
+    </p:extLst>
   </p:cSld>
   <p:clrMapOvr>
     <a:masterClrMapping/>
@@ -1951,8 +2018,8 @@
           <a:lstStyle/>
           <a:p>
             <a:fld id="{48A87A34-81AB-432B-8DAE-1953F412C126}" type="datetimeFigureOut">
-              <a:rPr lang="en-US" dirty="0"/>
-              <a:t>10/13/2021</a:t>
+              <a:rPr lang="en-US" smtClean="0"/>
+              <a:t>10/14/2021</a:t>
             </a:fld>
             <a:endParaRPr lang="en-US" dirty="0"/>
           </a:p>
@@ -1993,7 +2060,7 @@
           <a:lstStyle/>
           <a:p>
             <a:fld id="{6D22F896-40B5-4ADD-8801-0D06FADFA095}" type="slidenum">
-              <a:rPr lang="en-US" dirty="0"/>
+              <a:rPr lang="en-US" smtClean="0"/>
               <a:t>‹#›</a:t>
             </a:fld>
             <a:endParaRPr lang="en-US" dirty="0"/>
@@ -2032,6 +2099,11 @@
         </p:style>
       </p:cxnSp>
     </p:spTree>
+    <p:extLst>
+      <p:ext uri="{BB962C8B-B14F-4D97-AF65-F5344CB8AC3E}">
+        <p14:creationId xmlns:p14="http://schemas.microsoft.com/office/powerpoint/2010/main" val="3667724095"/>
+      </p:ext>
+    </p:extLst>
   </p:cSld>
   <p:clrMapOvr>
     <a:masterClrMapping/>
@@ -2072,8 +2144,8 @@
           <a:lstStyle/>
           <a:p>
             <a:fld id="{48A87A34-81AB-432B-8DAE-1953F412C126}" type="datetimeFigureOut">
-              <a:rPr lang="en-US" dirty="0"/>
-              <a:t>10/13/2021</a:t>
+              <a:rPr lang="en-US" smtClean="0"/>
+              <a:t>10/14/2021</a:t>
             </a:fld>
             <a:endParaRPr lang="en-US" dirty="0"/>
           </a:p>
@@ -2114,7 +2186,7 @@
           <a:lstStyle/>
           <a:p>
             <a:fld id="{6D22F896-40B5-4ADD-8801-0D06FADFA095}" type="slidenum">
-              <a:rPr lang="en-US" dirty="0"/>
+              <a:rPr lang="en-US" smtClean="0"/>
               <a:t>‹#›</a:t>
             </a:fld>
             <a:endParaRPr lang="en-US" dirty="0"/>
@@ -2122,6 +2194,11 @@
         </p:txBody>
       </p:sp>
     </p:spTree>
+    <p:extLst>
+      <p:ext uri="{BB962C8B-B14F-4D97-AF65-F5344CB8AC3E}">
+        <p14:creationId xmlns:p14="http://schemas.microsoft.com/office/powerpoint/2010/main" val="607134465"/>
+      </p:ext>
+    </p:extLst>
   </p:cSld>
   <p:clrMapOvr>
     <a:masterClrMapping/>
@@ -2318,8 +2395,8 @@
           <a:lstStyle/>
           <a:p>
             <a:fld id="{48A87A34-81AB-432B-8DAE-1953F412C126}" type="datetimeFigureOut">
-              <a:rPr lang="en-US" dirty="0"/>
-              <a:t>10/13/2021</a:t>
+              <a:rPr lang="en-US" smtClean="0"/>
+              <a:t>10/14/2021</a:t>
             </a:fld>
             <a:endParaRPr lang="en-US" dirty="0"/>
           </a:p>
@@ -2360,7 +2437,7 @@
           <a:lstStyle/>
           <a:p>
             <a:fld id="{6D22F896-40B5-4ADD-8801-0D06FADFA095}" type="slidenum">
-              <a:rPr lang="en-US" dirty="0"/>
+              <a:rPr lang="en-US" smtClean="0"/>
               <a:t>‹#›</a:t>
             </a:fld>
             <a:endParaRPr lang="en-US" dirty="0"/>
@@ -2399,6 +2476,11 @@
         </p:style>
       </p:cxnSp>
     </p:spTree>
+    <p:extLst>
+      <p:ext uri="{BB962C8B-B14F-4D97-AF65-F5344CB8AC3E}">
+        <p14:creationId xmlns:p14="http://schemas.microsoft.com/office/powerpoint/2010/main" val="887191472"/>
+      </p:ext>
+    </p:extLst>
   </p:cSld>
   <p:clrMapOvr>
     <a:masterClrMapping/>
@@ -2758,9 +2840,9 @@
           </a:lstStyle>
           <a:p>
             <a:fld id="{48A87A34-81AB-432B-8DAE-1953F412C126}" type="datetimeFigureOut">
-              <a:rPr lang="en-US" dirty="0"/>
+              <a:rPr lang="en-US" smtClean="0"/>
               <a:pPr/>
-              <a:t>10/13/2021</a:t>
+              <a:t>10/14/2021</a:t>
             </a:fld>
             <a:endParaRPr lang="en-US" dirty="0"/>
           </a:p>
@@ -2806,7 +2888,7 @@
           <a:lstStyle/>
           <a:p>
             <a:fld id="{6D22F896-40B5-4ADD-8801-0D06FADFA095}" type="slidenum">
-              <a:rPr lang="en-US" dirty="0"/>
+              <a:rPr lang="en-US" smtClean="0"/>
               <a:t>‹#›</a:t>
             </a:fld>
             <a:endParaRPr lang="en-US" dirty="0"/>
@@ -2845,6 +2927,11 @@
         </p:style>
       </p:cxnSp>
     </p:spTree>
+    <p:extLst>
+      <p:ext uri="{BB962C8B-B14F-4D97-AF65-F5344CB8AC3E}">
+        <p14:creationId xmlns:p14="http://schemas.microsoft.com/office/powerpoint/2010/main" val="2079277058"/>
+      </p:ext>
+    </p:extLst>
   </p:cSld>
   <p:clrMapOvr>
     <a:masterClrMapping/>
@@ -3080,9 +3167,9 @@
           </a:lstStyle>
           <a:p>
             <a:fld id="{48A87A34-81AB-432B-8DAE-1953F412C126}" type="datetimeFigureOut">
-              <a:rPr lang="en-US" dirty="0"/>
+              <a:rPr lang="en-US" smtClean="0"/>
               <a:pPr/>
-              <a:t>10/13/2021</a:t>
+              <a:t>10/14/2021</a:t>
             </a:fld>
             <a:endParaRPr lang="en-US" dirty="0"/>
           </a:p>
@@ -3157,7 +3244,7 @@
           </a:lstStyle>
           <a:p>
             <a:fld id="{6D22F896-40B5-4ADD-8801-0D06FADFA095}" type="slidenum">
-              <a:rPr lang="en-US" dirty="0"/>
+              <a:rPr lang="en-US" smtClean="0"/>
               <a:pPr/>
               <a:t>‹#›</a:t>
             </a:fld>
@@ -3203,20 +3290,25 @@
         </p:style>
       </p:cxnSp>
     </p:spTree>
+    <p:extLst>
+      <p:ext uri="{BB962C8B-B14F-4D97-AF65-F5344CB8AC3E}">
+        <p14:creationId xmlns:p14="http://schemas.microsoft.com/office/powerpoint/2010/main" val="1113851009"/>
+      </p:ext>
+    </p:extLst>
   </p:cSld>
   <p:clrMap bg1="lt1" tx1="dk1" bg2="lt2" tx2="dk2" accent1="accent1" accent2="accent2" accent3="accent3" accent4="accent4" accent5="accent5" accent6="accent6" hlink="hlink" folHlink="folHlink"/>
   <p:sldLayoutIdLst>
-    <p:sldLayoutId id="2147483649" r:id="rId1"/>
-    <p:sldLayoutId id="2147483650" r:id="rId2"/>
-    <p:sldLayoutId id="2147483651" r:id="rId3"/>
-    <p:sldLayoutId id="2147483652" r:id="rId4"/>
-    <p:sldLayoutId id="2147483653" r:id="rId5"/>
-    <p:sldLayoutId id="2147483654" r:id="rId6"/>
-    <p:sldLayoutId id="2147483655" r:id="rId7"/>
-    <p:sldLayoutId id="2147483656" r:id="rId8"/>
-    <p:sldLayoutId id="2147483657" r:id="rId9"/>
-    <p:sldLayoutId id="2147483658" r:id="rId10"/>
-    <p:sldLayoutId id="2147483659" r:id="rId11"/>
+    <p:sldLayoutId id="2147483661" r:id="rId1"/>
+    <p:sldLayoutId id="2147483662" r:id="rId2"/>
+    <p:sldLayoutId id="2147483663" r:id="rId3"/>
+    <p:sldLayoutId id="2147483664" r:id="rId4"/>
+    <p:sldLayoutId id="2147483665" r:id="rId5"/>
+    <p:sldLayoutId id="2147483666" r:id="rId6"/>
+    <p:sldLayoutId id="2147483667" r:id="rId7"/>
+    <p:sldLayoutId id="2147483668" r:id="rId8"/>
+    <p:sldLayoutId id="2147483669" r:id="rId9"/>
+    <p:sldLayoutId id="2147483670" r:id="rId10"/>
+    <p:sldLayoutId id="2147483671" r:id="rId11"/>
   </p:sldLayoutIdLst>
   <p:txStyles>
     <p:titleStyle>
@@ -3706,17 +3798,27 @@
         </p:nvSpPr>
         <p:spPr>
           <a:xfrm>
-            <a:off x="67112" y="882473"/>
+            <a:off x="989901" y="991530"/>
             <a:ext cx="12013035" cy="5241490"/>
           </a:xfrm>
         </p:spPr>
         <p:txBody>
-          <a:bodyPr/>
-          <a:lstStyle/>
-          <a:p>
-            <a:r>
-              <a:rPr lang="ru-RU" dirty="0"/>
-              <a:t>                                         Тест программирования </a:t>
+          <a:bodyPr>
+            <a:normAutofit/>
+          </a:bodyPr>
+          <a:lstStyle/>
+          <a:p>
+            <a:r>
+              <a:rPr lang="ru-RU" dirty="0"/>
+              <a:t>                                        </a:t>
+            </a:r>
+            <a:r>
+              <a:rPr lang="en-US" dirty="0"/>
+              <a:t>      </a:t>
+            </a:r>
+            <a:r>
+              <a:rPr lang="ru-RU" dirty="0"/>
+              <a:t> Тест программирования </a:t>
             </a:r>
             <a:r>
               <a:rPr lang="en-US" dirty="0"/>
@@ -3735,18 +3837,123 @@
               <a:rPr lang="en-US" dirty="0"/>
               <a:t>?     </a:t>
             </a:r>
-            <a:r>
-              <a:rPr lang="ru-RU" dirty="0"/>
-              <a:t>а. да        б. нет</a:t>
-            </a:r>
+          </a:p>
+          <a:p>
+            <a:r>
+              <a:rPr lang="en-US" dirty="0"/>
+              <a:t>(</a:t>
+            </a:r>
+            <a:r>
+              <a:rPr lang="ru-RU" dirty="0"/>
+              <a:t>а. да        б. Нет</a:t>
+            </a:r>
+            <a:r>
+              <a:rPr lang="en-US" dirty="0"/>
+              <a:t>)</a:t>
+            </a:r>
+            <a:endParaRPr lang="ru-RU" dirty="0"/>
+          </a:p>
+          <a:p>
+            <a:r>
+              <a:rPr lang="en-US" dirty="0">
+                <a:solidFill>
+                  <a:srgbClr val="C00000"/>
+                </a:solidFill>
+              </a:rPr>
+              <a:t>2</a:t>
+            </a:r>
+            <a:r>
+              <a:rPr lang="en-US" dirty="0"/>
+              <a:t>. </a:t>
+            </a:r>
+            <a:r>
+              <a:rPr lang="ru-RU" dirty="0"/>
+              <a:t>Что вы делаете, когда сталкиваетесь с проблемами технического характера</a:t>
+            </a:r>
+            <a:r>
+              <a:rPr lang="en-US" dirty="0"/>
+              <a:t>?</a:t>
+            </a:r>
+          </a:p>
+          <a:p>
+            <a:r>
+              <a:rPr lang="ru-RU" dirty="0"/>
+              <a:t> </a:t>
+            </a:r>
+            <a:r>
+              <a:rPr lang="en-US" dirty="0"/>
+              <a:t>(</a:t>
+            </a:r>
+            <a:r>
+              <a:rPr lang="ru-RU" dirty="0"/>
+              <a:t>а. </a:t>
+            </a:r>
+            <a:r>
+              <a:rPr lang="en-US" dirty="0"/>
+              <a:t> </a:t>
+            </a:r>
+            <a:r>
+              <a:rPr lang="ru-RU" dirty="0"/>
+              <a:t>до последнего решаю задачу сам. </a:t>
+            </a:r>
+            <a:r>
+              <a:rPr lang="en-US" dirty="0"/>
+              <a:t>Google </a:t>
+            </a:r>
+            <a:r>
+              <a:rPr lang="ru-RU" dirty="0"/>
+              <a:t>мой лучший друг.     б. иду за помощью к друзьям</a:t>
+            </a:r>
+            <a:r>
+              <a:rPr lang="en-US" dirty="0"/>
+              <a:t>)</a:t>
+            </a:r>
+            <a:endParaRPr lang="ru-RU" dirty="0"/>
+          </a:p>
+          <a:p>
+            <a:r>
+              <a:rPr lang="en-US" dirty="0">
+                <a:solidFill>
+                  <a:srgbClr val="C00000"/>
+                </a:solidFill>
+              </a:rPr>
+              <a:t>3</a:t>
+            </a:r>
+            <a:r>
+              <a:rPr lang="en-US" dirty="0"/>
+              <a:t>. </a:t>
+            </a:r>
+            <a:r>
+              <a:rPr lang="ru-RU" dirty="0"/>
+              <a:t>Умеете ли вы концентрироваться на задаче</a:t>
+            </a:r>
+            <a:r>
+              <a:rPr lang="en-US" dirty="0"/>
+              <a:t>? </a:t>
+            </a:r>
+          </a:p>
+          <a:p>
+            <a:r>
+              <a:rPr lang="en-US" dirty="0"/>
+              <a:t>(</a:t>
+            </a:r>
+            <a:r>
+              <a:rPr lang="ru-RU" dirty="0"/>
+              <a:t>а. да      б. Нет</a:t>
+            </a:r>
+            <a:r>
+              <a:rPr lang="en-US" dirty="0"/>
+              <a:t>)</a:t>
+            </a:r>
+            <a:endParaRPr lang="ru-RU" dirty="0"/>
           </a:p>
           <a:p>
             <a:pPr marL="342900" indent="-342900">
-              <a:buAutoNum type="arabicPeriod"/>
+              <a:buAutoNum type="arabicPeriod" startAt="4"/>
             </a:pPr>
             <a:r>
               <a:rPr lang="ru-RU" dirty="0"/>
-              <a:t>Что вы делаете, когда сталкиваетесь с проблемами технического характера</a:t>
+              <a:t>Нравилось ли вам логические задачи, шахматы, головоломки</a:t>
             </a:r>
             <a:r>
               <a:rPr lang="en-US" dirty="0"/>
@@ -3755,55 +3962,17 @@
           </a:p>
           <a:p>
             <a:r>
-              <a:rPr lang="ru-RU" dirty="0"/>
-              <a:t> а. </a:t>
-            </a:r>
-            <a:r>
-              <a:rPr lang="en-US" dirty="0"/>
-              <a:t> </a:t>
-            </a:r>
-            <a:r>
-              <a:rPr lang="ru-RU" dirty="0"/>
-              <a:t>до последнего решаю задачу сам. </a:t>
-            </a:r>
-            <a:r>
-              <a:rPr lang="en-US" dirty="0"/>
-              <a:t>Google </a:t>
-            </a:r>
-            <a:r>
-              <a:rPr lang="ru-RU" dirty="0"/>
-              <a:t>мой лучший друг.     б. иду за помощью к друзьям</a:t>
-            </a:r>
-          </a:p>
-          <a:p>
-            <a:r>
-              <a:rPr lang="ru-RU" dirty="0"/>
-              <a:t>3.  Умеете ли вы концентрироваться на задаче</a:t>
-            </a:r>
-            <a:r>
-              <a:rPr lang="en-US" dirty="0"/>
-              <a:t>?     </a:t>
-            </a:r>
-            <a:r>
-              <a:rPr lang="ru-RU" dirty="0"/>
-              <a:t>а. да      б. нет</a:t>
-            </a:r>
-          </a:p>
-          <a:p>
-            <a:r>
-              <a:rPr lang="ru-RU" dirty="0"/>
-              <a:t>4.  Нравилось ли вам логические задачи, шахматы, головоломки</a:t>
-            </a:r>
-            <a:r>
-              <a:rPr lang="en-US" dirty="0"/>
-              <a:t>?   </a:t>
-            </a:r>
-            <a:r>
-              <a:rPr lang="ru-RU" dirty="0"/>
-              <a:t>  а. да      б. нет</a:t>
-            </a:r>
-          </a:p>
-          <a:p>
+              <a:rPr lang="en-US" dirty="0"/>
+              <a:t>(</a:t>
+            </a:r>
+            <a:r>
+              <a:rPr lang="ru-RU" dirty="0"/>
+              <a:t>а. да      б. Нет</a:t>
+            </a:r>
+            <a:r>
+              <a:rPr lang="en-US" dirty="0"/>
+              <a:t>)</a:t>
+            </a:r>
             <a:endParaRPr lang="ru-RU" dirty="0"/>
           </a:p>
           <a:p>
@@ -3812,8 +3981,24 @@
             </a:pPr>
             <a:r>
               <a:rPr lang="ru-RU" dirty="0"/>
-              <a:t>Вы – перфекционист-зануда       а. да     б. нет     в. Вопрос некорректный</a:t>
-            </a:r>
+              <a:t>Вы – перфекционист-зануда  </a:t>
+            </a:r>
+            <a:endParaRPr lang="en-US" dirty="0"/>
+          </a:p>
+          <a:p>
+            <a:r>
+              <a:rPr lang="en-US" dirty="0"/>
+              <a:t>(</a:t>
+            </a:r>
+            <a:r>
+              <a:rPr lang="ru-RU" dirty="0"/>
+              <a:t>а. да     б. нет     в. Вопрос некорректный</a:t>
+            </a:r>
+            <a:r>
+              <a:rPr lang="en-US" dirty="0"/>
+              <a:t>)</a:t>
+            </a:r>
+            <a:endParaRPr lang="ru-RU" dirty="0"/>
           </a:p>
           <a:p>
             <a:pPr marL="342900" indent="-342900">
@@ -4071,10 +4256,1290 @@
 </p:sld>
 </file>
 
+<file path=ppt/slides/slide4.xml><?xml version="1.0" encoding="utf-8"?>
+<p:sld xmlns:a="http://schemas.openxmlformats.org/drawingml/2006/main" xmlns:r="http://schemas.openxmlformats.org/officeDocument/2006/relationships" xmlns:p="http://schemas.openxmlformats.org/presentationml/2006/main">
+  <p:cSld>
+    <p:spTree>
+      <p:nvGrpSpPr>
+        <p:cNvPr id="1" name=""/>
+        <p:cNvGrpSpPr/>
+        <p:nvPr/>
+      </p:nvGrpSpPr>
+      <p:grpSpPr>
+        <a:xfrm>
+          <a:off x="0" y="0"/>
+          <a:ext cx="0" cy="0"/>
+          <a:chOff x="0" y="0"/>
+          <a:chExt cx="0" cy="0"/>
+        </a:xfrm>
+      </p:grpSpPr>
+      <p:sp>
+        <p:nvSpPr>
+          <p:cNvPr id="2" name="Заголовок 1">
+            <a:extLst>
+              <a:ext uri="{FF2B5EF4-FFF2-40B4-BE49-F238E27FC236}">
+                <a16:creationId xmlns:a16="http://schemas.microsoft.com/office/drawing/2014/main" id="{BA3C45EF-5595-4975-A579-D0D70E7B05B9}"/>
+              </a:ext>
+            </a:extLst>
+          </p:cNvPr>
+          <p:cNvSpPr>
+            <a:spLocks noGrp="1"/>
+          </p:cNvSpPr>
+          <p:nvPr>
+            <p:ph type="title"/>
+          </p:nvPr>
+        </p:nvSpPr>
+        <p:spPr/>
+        <p:txBody>
+          <a:bodyPr/>
+          <a:lstStyle/>
+          <a:p>
+            <a:r>
+              <a:rPr lang="ru-RU" dirty="0"/>
+              <a:t>Итоги теста</a:t>
+            </a:r>
+          </a:p>
+        </p:txBody>
+      </p:sp>
+      <p:sp>
+        <p:nvSpPr>
+          <p:cNvPr id="3" name="Объект 2">
+            <a:extLst>
+              <a:ext uri="{FF2B5EF4-FFF2-40B4-BE49-F238E27FC236}">
+                <a16:creationId xmlns:a16="http://schemas.microsoft.com/office/drawing/2014/main" id="{7B4A674A-94BF-463A-8CA9-1DC1190169A2}"/>
+              </a:ext>
+            </a:extLst>
+          </p:cNvPr>
+          <p:cNvSpPr>
+            <a:spLocks noGrp="1"/>
+          </p:cNvSpPr>
+          <p:nvPr>
+            <p:ph idx="1"/>
+          </p:nvPr>
+        </p:nvSpPr>
+        <p:spPr/>
+        <p:txBody>
+          <a:bodyPr/>
+          <a:lstStyle/>
+          <a:p>
+            <a:r>
+              <a:rPr lang="ru-RU" dirty="0"/>
+              <a:t>Если у вас совпадают 4-5 ответов, то вы можете продвигаться в этой сфере.</a:t>
+            </a:r>
+          </a:p>
+          <a:p>
+            <a:pPr marL="0" indent="0">
+              <a:buNone/>
+            </a:pPr>
+            <a:r>
+              <a:rPr lang="ru-RU" dirty="0"/>
+              <a:t>   Если 3 и меньше, стоит задуматься, идти по этой специальности или нет.</a:t>
+            </a:r>
+          </a:p>
+        </p:txBody>
+      </p:sp>
+    </p:spTree>
+    <p:extLst>
+      <p:ext uri="{BB962C8B-B14F-4D97-AF65-F5344CB8AC3E}">
+        <p14:creationId xmlns:p14="http://schemas.microsoft.com/office/powerpoint/2010/main" val="3859723715"/>
+      </p:ext>
+    </p:extLst>
+  </p:cSld>
+  <p:clrMapOvr>
+    <a:masterClrMapping/>
+  </p:clrMapOvr>
+</p:sld>
+</file>
+
+<file path=ppt/slides/slide5.xml><?xml version="1.0" encoding="utf-8"?>
+<p:sld xmlns:a="http://schemas.openxmlformats.org/drawingml/2006/main" xmlns:r="http://schemas.openxmlformats.org/officeDocument/2006/relationships" xmlns:p="http://schemas.openxmlformats.org/presentationml/2006/main">
+  <p:cSld>
+    <p:spTree>
+      <p:nvGrpSpPr>
+        <p:cNvPr id="1" name=""/>
+        <p:cNvGrpSpPr/>
+        <p:nvPr/>
+      </p:nvGrpSpPr>
+      <p:grpSpPr>
+        <a:xfrm>
+          <a:off x="0" y="0"/>
+          <a:ext cx="0" cy="0"/>
+          <a:chOff x="0" y="0"/>
+          <a:chExt cx="0" cy="0"/>
+        </a:xfrm>
+      </p:grpSpPr>
+      <p:sp>
+        <p:nvSpPr>
+          <p:cNvPr id="2" name="Заголовок 1">
+            <a:extLst>
+              <a:ext uri="{FF2B5EF4-FFF2-40B4-BE49-F238E27FC236}">
+                <a16:creationId xmlns:a16="http://schemas.microsoft.com/office/drawing/2014/main" id="{826F2EF7-8357-463F-8EB9-CA4085E979A6}"/>
+              </a:ext>
+            </a:extLst>
+          </p:cNvPr>
+          <p:cNvSpPr>
+            <a:spLocks noGrp="1"/>
+          </p:cNvSpPr>
+          <p:nvPr>
+            <p:ph type="title"/>
+          </p:nvPr>
+        </p:nvSpPr>
+        <p:spPr/>
+        <p:txBody>
+          <a:bodyPr/>
+          <a:lstStyle/>
+          <a:p>
+            <a:r>
+              <a:rPr lang="ru-RU" dirty="0"/>
+              <a:t>Что нужно знать?</a:t>
+            </a:r>
+          </a:p>
+        </p:txBody>
+      </p:sp>
+      <p:sp>
+        <p:nvSpPr>
+          <p:cNvPr id="3" name="Объект 2">
+            <a:extLst>
+              <a:ext uri="{FF2B5EF4-FFF2-40B4-BE49-F238E27FC236}">
+                <a16:creationId xmlns:a16="http://schemas.microsoft.com/office/drawing/2014/main" id="{29A4475D-A516-4E11-9580-E51F20A1B20C}"/>
+              </a:ext>
+            </a:extLst>
+          </p:cNvPr>
+          <p:cNvSpPr>
+            <a:spLocks noGrp="1"/>
+          </p:cNvSpPr>
+          <p:nvPr>
+            <p:ph sz="half" idx="1"/>
+          </p:nvPr>
+        </p:nvSpPr>
+        <p:spPr/>
+        <p:txBody>
+          <a:bodyPr/>
+          <a:lstStyle/>
+          <a:p>
+            <a:r>
+              <a:rPr lang="ru-RU" dirty="0"/>
+              <a:t>Нужна ли математика? </a:t>
+            </a:r>
+          </a:p>
+          <a:p>
+            <a:r>
+              <a:rPr lang="ru-RU" dirty="0"/>
+              <a:t>Нужен ли английский язык?</a:t>
+            </a:r>
+          </a:p>
+          <a:p>
+            <a:r>
+              <a:rPr lang="ru-RU" dirty="0"/>
+              <a:t>Сколько учиться?</a:t>
+            </a:r>
+          </a:p>
+          <a:p>
+            <a:r>
+              <a:rPr lang="ru-RU" dirty="0"/>
+              <a:t>в каком возрасте можно начинать?</a:t>
+            </a:r>
+          </a:p>
+        </p:txBody>
+      </p:sp>
+      <p:sp>
+        <p:nvSpPr>
+          <p:cNvPr id="4" name="Объект 3">
+            <a:extLst>
+              <a:ext uri="{FF2B5EF4-FFF2-40B4-BE49-F238E27FC236}">
+                <a16:creationId xmlns:a16="http://schemas.microsoft.com/office/drawing/2014/main" id="{2721FFBE-41ED-443D-BE2D-792A00DBB859}"/>
+              </a:ext>
+            </a:extLst>
+          </p:cNvPr>
+          <p:cNvSpPr>
+            <a:spLocks noGrp="1"/>
+          </p:cNvSpPr>
+          <p:nvPr>
+            <p:ph sz="half" idx="2"/>
+          </p:nvPr>
+        </p:nvSpPr>
+        <p:spPr/>
+        <p:txBody>
+          <a:bodyPr/>
+          <a:lstStyle/>
+          <a:p>
+            <a:r>
+              <a:rPr lang="ru-RU" dirty="0"/>
+              <a:t>Нет</a:t>
+            </a:r>
+          </a:p>
+          <a:p>
+            <a:r>
+              <a:rPr lang="ru-RU" dirty="0"/>
+              <a:t>Технический</a:t>
+            </a:r>
+          </a:p>
+          <a:p>
+            <a:r>
+              <a:rPr lang="ru-RU" dirty="0"/>
+              <a:t>Несколько лет</a:t>
+            </a:r>
+          </a:p>
+          <a:p>
+            <a:r>
+              <a:rPr lang="ru-RU" dirty="0"/>
+              <a:t>В любом. Чем раньше – тем лучше</a:t>
+            </a:r>
+          </a:p>
+          <a:p>
+            <a:pPr marL="0" indent="0">
+              <a:buNone/>
+            </a:pPr>
+            <a:r>
+              <a:rPr lang="ru-RU" dirty="0"/>
+              <a:t>  </a:t>
+            </a:r>
+          </a:p>
+        </p:txBody>
+      </p:sp>
+    </p:spTree>
+    <p:extLst>
+      <p:ext uri="{BB962C8B-B14F-4D97-AF65-F5344CB8AC3E}">
+        <p14:creationId xmlns:p14="http://schemas.microsoft.com/office/powerpoint/2010/main" val="279037906"/>
+      </p:ext>
+    </p:extLst>
+  </p:cSld>
+  <p:clrMapOvr>
+    <a:masterClrMapping/>
+  </p:clrMapOvr>
+</p:sld>
+</file>
+
+<file path=ppt/slides/slide6.xml><?xml version="1.0" encoding="utf-8"?>
+<p:sld xmlns:a="http://schemas.openxmlformats.org/drawingml/2006/main" xmlns:r="http://schemas.openxmlformats.org/officeDocument/2006/relationships" xmlns:p="http://schemas.openxmlformats.org/presentationml/2006/main">
+  <p:cSld>
+    <p:spTree>
+      <p:nvGrpSpPr>
+        <p:cNvPr id="1" name=""/>
+        <p:cNvGrpSpPr/>
+        <p:nvPr/>
+      </p:nvGrpSpPr>
+      <p:grpSpPr>
+        <a:xfrm>
+          <a:off x="0" y="0"/>
+          <a:ext cx="0" cy="0"/>
+          <a:chOff x="0" y="0"/>
+          <a:chExt cx="0" cy="0"/>
+        </a:xfrm>
+      </p:grpSpPr>
+      <p:sp>
+        <p:nvSpPr>
+          <p:cNvPr id="2" name="Заголовок 1">
+            <a:extLst>
+              <a:ext uri="{FF2B5EF4-FFF2-40B4-BE49-F238E27FC236}">
+                <a16:creationId xmlns:a16="http://schemas.microsoft.com/office/drawing/2014/main" id="{6470CD64-90E4-4D21-ADAC-BE5610E6447C}"/>
+              </a:ext>
+            </a:extLst>
+          </p:cNvPr>
+          <p:cNvSpPr>
+            <a:spLocks noGrp="1"/>
+          </p:cNvSpPr>
+          <p:nvPr>
+            <p:ph type="title"/>
+          </p:nvPr>
+        </p:nvSpPr>
+        <p:spPr>
+          <a:xfrm>
+            <a:off x="1441531" y="-81059"/>
+            <a:ext cx="8643154" cy="1887950"/>
+          </a:xfrm>
+        </p:spPr>
+        <p:txBody>
+          <a:bodyPr/>
+          <a:lstStyle/>
+          <a:p>
+            <a:r>
+              <a:rPr lang="ru-RU" dirty="0"/>
+              <a:t>В программировании нужно все записывать до мелочей чтобы было понятно</a:t>
+            </a:r>
+          </a:p>
+        </p:txBody>
+      </p:sp>
+      <p:sp>
+        <p:nvSpPr>
+          <p:cNvPr id="3" name="Текст 2">
+            <a:extLst>
+              <a:ext uri="{FF2B5EF4-FFF2-40B4-BE49-F238E27FC236}">
+                <a16:creationId xmlns:a16="http://schemas.microsoft.com/office/drawing/2014/main" id="{C2BDCF5C-8D6F-43C1-88E2-FCB56FD815CF}"/>
+              </a:ext>
+            </a:extLst>
+          </p:cNvPr>
+          <p:cNvSpPr>
+            <a:spLocks noGrp="1"/>
+          </p:cNvSpPr>
+          <p:nvPr>
+            <p:ph type="body" idx="1"/>
+          </p:nvPr>
+        </p:nvSpPr>
+        <p:spPr>
+          <a:xfrm>
+            <a:off x="1255497" y="1692168"/>
+            <a:ext cx="9015222" cy="4154959"/>
+          </a:xfrm>
+        </p:spPr>
+        <p:txBody>
+          <a:bodyPr>
+            <a:normAutofit/>
+          </a:bodyPr>
+          <a:lstStyle/>
+          <a:p>
+            <a:r>
+              <a:rPr lang="en-US" dirty="0"/>
+              <a:t>                                              </a:t>
+            </a:r>
+            <a:r>
+              <a:rPr lang="ru-RU" dirty="0"/>
+              <a:t> Пример</a:t>
+            </a:r>
+            <a:r>
+              <a:rPr lang="en-US" dirty="0"/>
+              <a:t>: </a:t>
+            </a:r>
+            <a:r>
+              <a:rPr lang="ru-RU" dirty="0"/>
+              <a:t> рецепт яичницы</a:t>
+            </a:r>
+            <a:endParaRPr lang="en-US" dirty="0"/>
+          </a:p>
+          <a:p>
+            <a:r>
+              <a:rPr lang="ru-RU" dirty="0"/>
+              <a:t>Если точно не указать сколько сыпать специй, не указать сколько яиц нужно разбивать или понять когда блюдо готово, то может получиться омлет, а нам оно не надо.</a:t>
+            </a:r>
+          </a:p>
+          <a:p>
+            <a:r>
+              <a:rPr lang="ru-RU" dirty="0"/>
+              <a:t>Поэтому мы четко пишем все действия</a:t>
+            </a:r>
+            <a:r>
+              <a:rPr lang="en-US" dirty="0"/>
+              <a:t>:</a:t>
+            </a:r>
+          </a:p>
+          <a:p>
+            <a:endParaRPr lang="en-US" dirty="0"/>
+          </a:p>
+          <a:p>
+            <a:pPr marL="285750" indent="-285750">
+              <a:buFontTx/>
+              <a:buChar char="-"/>
+            </a:pPr>
+            <a:r>
+              <a:rPr lang="ru-RU" dirty="0"/>
+              <a:t>Разбить 3 яйца на сковородку</a:t>
+            </a:r>
+            <a:r>
+              <a:rPr lang="en-US" dirty="0"/>
+              <a:t> ;</a:t>
+            </a:r>
+            <a:endParaRPr lang="ru-RU" dirty="0"/>
+          </a:p>
+          <a:p>
+            <a:pPr marL="285750" indent="-285750">
+              <a:buFontTx/>
+              <a:buChar char="-"/>
+            </a:pPr>
+            <a:r>
+              <a:rPr lang="ru-RU" dirty="0"/>
+              <a:t>Добавить ¼ чайной ложки соли</a:t>
+            </a:r>
+            <a:r>
+              <a:rPr lang="en-US" dirty="0"/>
+              <a:t> ;</a:t>
+            </a:r>
+            <a:endParaRPr lang="ru-RU" dirty="0"/>
+          </a:p>
+          <a:p>
+            <a:pPr marL="285750" indent="-285750">
+              <a:buFontTx/>
+              <a:buChar char="-"/>
+            </a:pPr>
+            <a:r>
+              <a:rPr lang="ru-RU" dirty="0"/>
+              <a:t>Жарить на медленном огне 6 минут.</a:t>
+            </a:r>
+          </a:p>
+        </p:txBody>
+      </p:sp>
+    </p:spTree>
+    <p:extLst>
+      <p:ext uri="{BB962C8B-B14F-4D97-AF65-F5344CB8AC3E}">
+        <p14:creationId xmlns:p14="http://schemas.microsoft.com/office/powerpoint/2010/main" val="488665709"/>
+      </p:ext>
+    </p:extLst>
+  </p:cSld>
+  <p:clrMapOvr>
+    <a:masterClrMapping/>
+  </p:clrMapOvr>
+</p:sld>
+</file>
+
+<file path=ppt/slides/slide7.xml><?xml version="1.0" encoding="utf-8"?>
+<p:sld xmlns:a="http://schemas.openxmlformats.org/drawingml/2006/main" xmlns:r="http://schemas.openxmlformats.org/officeDocument/2006/relationships" xmlns:p="http://schemas.openxmlformats.org/presentationml/2006/main">
+  <p:cSld>
+    <p:spTree>
+      <p:nvGrpSpPr>
+        <p:cNvPr id="1" name=""/>
+        <p:cNvGrpSpPr/>
+        <p:nvPr/>
+      </p:nvGrpSpPr>
+      <p:grpSpPr>
+        <a:xfrm>
+          <a:off x="0" y="0"/>
+          <a:ext cx="0" cy="0"/>
+          <a:chOff x="0" y="0"/>
+          <a:chExt cx="0" cy="0"/>
+        </a:xfrm>
+      </p:grpSpPr>
+      <p:sp>
+        <p:nvSpPr>
+          <p:cNvPr id="2" name="Заголовок 1">
+            <a:extLst>
+              <a:ext uri="{FF2B5EF4-FFF2-40B4-BE49-F238E27FC236}">
+                <a16:creationId xmlns:a16="http://schemas.microsoft.com/office/drawing/2014/main" id="{18AC1EC8-2572-411F-8702-5FBD112D3248}"/>
+              </a:ext>
+            </a:extLst>
+          </p:cNvPr>
+          <p:cNvSpPr>
+            <a:spLocks noGrp="1"/>
+          </p:cNvSpPr>
+          <p:nvPr>
+            <p:ph type="title"/>
+          </p:nvPr>
+        </p:nvSpPr>
+        <p:spPr>
+          <a:xfrm>
+            <a:off x="75501" y="-19771"/>
+            <a:ext cx="11489965" cy="909269"/>
+          </a:xfrm>
+        </p:spPr>
+        <p:txBody>
+          <a:bodyPr/>
+          <a:lstStyle/>
+          <a:p>
+            <a:r>
+              <a:rPr lang="ru-RU"/>
+              <a:t>                          Алгоритм / программа </a:t>
+            </a:r>
+            <a:endParaRPr lang="ru-RU" dirty="0"/>
+          </a:p>
+        </p:txBody>
+      </p:sp>
+      <p:sp>
+        <p:nvSpPr>
+          <p:cNvPr id="3" name="Текст 2">
+            <a:extLst>
+              <a:ext uri="{FF2B5EF4-FFF2-40B4-BE49-F238E27FC236}">
+                <a16:creationId xmlns:a16="http://schemas.microsoft.com/office/drawing/2014/main" id="{E14A56BC-41F1-441F-A4BF-45352289F735}"/>
+              </a:ext>
+            </a:extLst>
+          </p:cNvPr>
+          <p:cNvSpPr>
+            <a:spLocks noGrp="1"/>
+          </p:cNvSpPr>
+          <p:nvPr>
+            <p:ph type="body" idx="1"/>
+          </p:nvPr>
+        </p:nvSpPr>
+        <p:spPr>
+          <a:xfrm>
+            <a:off x="1160625" y="923054"/>
+            <a:ext cx="8630446" cy="2505945"/>
+          </a:xfrm>
+        </p:spPr>
+        <p:txBody>
+          <a:bodyPr/>
+          <a:lstStyle/>
+          <a:p>
+            <a:r>
+              <a:rPr lang="ru-RU" dirty="0"/>
+              <a:t>Программа – набор инструкций для компьютера, описывающих порядок действий для достижения результата решения задачи за конечное число действий.</a:t>
+            </a:r>
+          </a:p>
+          <a:p>
+            <a:r>
+              <a:rPr lang="ru-RU" dirty="0"/>
+              <a:t> </a:t>
+            </a:r>
+          </a:p>
+          <a:p>
+            <a:endParaRPr lang="ru-RU" dirty="0"/>
+          </a:p>
+          <a:p>
+            <a:endParaRPr lang="ru-RU" dirty="0"/>
+          </a:p>
+        </p:txBody>
+      </p:sp>
+      <p:sp>
+        <p:nvSpPr>
+          <p:cNvPr id="6" name="Прямоугольник 5">
+            <a:extLst>
+              <a:ext uri="{FF2B5EF4-FFF2-40B4-BE49-F238E27FC236}">
+                <a16:creationId xmlns:a16="http://schemas.microsoft.com/office/drawing/2014/main" id="{80726888-3933-4218-8BA5-D539A7CE41E4}"/>
+              </a:ext>
+            </a:extLst>
+          </p:cNvPr>
+          <p:cNvSpPr/>
+          <p:nvPr/>
+        </p:nvSpPr>
+        <p:spPr>
+          <a:xfrm>
+            <a:off x="1253035" y="1891718"/>
+            <a:ext cx="2449586" cy="562062"/>
+          </a:xfrm>
+          <a:prstGeom prst="rect">
+            <a:avLst/>
+          </a:prstGeom>
+          <a:solidFill>
+            <a:schemeClr val="tx2">
+              <a:lumMod val="40000"/>
+              <a:lumOff val="60000"/>
+            </a:schemeClr>
+          </a:solidFill>
+        </p:spPr>
+        <p:style>
+          <a:lnRef idx="2">
+            <a:schemeClr val="accent1">
+              <a:shade val="50000"/>
+            </a:schemeClr>
+          </a:lnRef>
+          <a:fillRef idx="1">
+            <a:schemeClr val="accent1"/>
+          </a:fillRef>
+          <a:effectRef idx="0">
+            <a:schemeClr val="accent1"/>
+          </a:effectRef>
+          <a:fontRef idx="minor">
+            <a:schemeClr val="lt1"/>
+          </a:fontRef>
+        </p:style>
+        <p:txBody>
+          <a:bodyPr rtlCol="0" anchor="ctr"/>
+          <a:lstStyle/>
+          <a:p>
+            <a:pPr algn="ctr"/>
+            <a:r>
+              <a:rPr lang="ru-RU" dirty="0">
+                <a:solidFill>
+                  <a:schemeClr val="tx1"/>
+                </a:solidFill>
+              </a:rPr>
+              <a:t>Входные данные</a:t>
+            </a:r>
+          </a:p>
+        </p:txBody>
+      </p:sp>
+      <p:sp>
+        <p:nvSpPr>
+          <p:cNvPr id="7" name="Прямоугольник 6">
+            <a:extLst>
+              <a:ext uri="{FF2B5EF4-FFF2-40B4-BE49-F238E27FC236}">
+                <a16:creationId xmlns:a16="http://schemas.microsoft.com/office/drawing/2014/main" id="{D8572FED-C462-42CC-ADF6-7C12792E0174}"/>
+              </a:ext>
+            </a:extLst>
+          </p:cNvPr>
+          <p:cNvSpPr/>
+          <p:nvPr/>
+        </p:nvSpPr>
+        <p:spPr>
+          <a:xfrm>
+            <a:off x="4213304" y="1891718"/>
+            <a:ext cx="2449586" cy="562062"/>
+          </a:xfrm>
+          <a:prstGeom prst="rect">
+            <a:avLst/>
+          </a:prstGeom>
+          <a:solidFill>
+            <a:schemeClr val="tx2">
+              <a:lumMod val="60000"/>
+              <a:lumOff val="40000"/>
+            </a:schemeClr>
+          </a:solidFill>
+        </p:spPr>
+        <p:style>
+          <a:lnRef idx="2">
+            <a:schemeClr val="accent1">
+              <a:shade val="50000"/>
+            </a:schemeClr>
+          </a:lnRef>
+          <a:fillRef idx="1">
+            <a:schemeClr val="accent1"/>
+          </a:fillRef>
+          <a:effectRef idx="0">
+            <a:schemeClr val="accent1"/>
+          </a:effectRef>
+          <a:fontRef idx="minor">
+            <a:schemeClr val="lt1"/>
+          </a:fontRef>
+        </p:style>
+        <p:txBody>
+          <a:bodyPr rtlCol="0" anchor="ctr"/>
+          <a:lstStyle/>
+          <a:p>
+            <a:pPr algn="ctr"/>
+            <a:r>
+              <a:rPr lang="ru-RU" dirty="0">
+                <a:solidFill>
+                  <a:schemeClr val="tx1"/>
+                </a:solidFill>
+              </a:rPr>
+              <a:t>Алгоритм (программа)</a:t>
+            </a:r>
+          </a:p>
+        </p:txBody>
+      </p:sp>
+      <p:sp>
+        <p:nvSpPr>
+          <p:cNvPr id="8" name="Прямоугольник 7">
+            <a:extLst>
+              <a:ext uri="{FF2B5EF4-FFF2-40B4-BE49-F238E27FC236}">
+                <a16:creationId xmlns:a16="http://schemas.microsoft.com/office/drawing/2014/main" id="{576A25F1-76FE-48A4-887C-1214F2DB678C}"/>
+              </a:ext>
+            </a:extLst>
+          </p:cNvPr>
+          <p:cNvSpPr/>
+          <p:nvPr/>
+        </p:nvSpPr>
+        <p:spPr>
+          <a:xfrm>
+            <a:off x="7173573" y="1891718"/>
+            <a:ext cx="2449586" cy="562062"/>
+          </a:xfrm>
+          <a:prstGeom prst="rect">
+            <a:avLst/>
+          </a:prstGeom>
+          <a:solidFill>
+            <a:schemeClr val="tx2">
+              <a:lumMod val="60000"/>
+              <a:lumOff val="40000"/>
+            </a:schemeClr>
+          </a:solidFill>
+        </p:spPr>
+        <p:style>
+          <a:lnRef idx="2">
+            <a:schemeClr val="accent1">
+              <a:shade val="50000"/>
+            </a:schemeClr>
+          </a:lnRef>
+          <a:fillRef idx="1">
+            <a:schemeClr val="accent1"/>
+          </a:fillRef>
+          <a:effectRef idx="0">
+            <a:schemeClr val="accent1"/>
+          </a:effectRef>
+          <a:fontRef idx="minor">
+            <a:schemeClr val="lt1"/>
+          </a:fontRef>
+        </p:style>
+        <p:txBody>
+          <a:bodyPr rtlCol="0" anchor="ctr"/>
+          <a:lstStyle/>
+          <a:p>
+            <a:pPr algn="ctr"/>
+            <a:r>
+              <a:rPr lang="ru-RU" dirty="0"/>
+              <a:t>  </a:t>
+            </a:r>
+            <a:r>
+              <a:rPr lang="ru-RU" dirty="0">
+                <a:solidFill>
+                  <a:schemeClr val="tx1"/>
+                </a:solidFill>
+              </a:rPr>
+              <a:t>выходные данные</a:t>
+            </a:r>
+          </a:p>
+        </p:txBody>
+      </p:sp>
+      <p:cxnSp>
+        <p:nvCxnSpPr>
+          <p:cNvPr id="16" name="Прямая соединительная линия 15">
+            <a:extLst>
+              <a:ext uri="{FF2B5EF4-FFF2-40B4-BE49-F238E27FC236}">
+                <a16:creationId xmlns:a16="http://schemas.microsoft.com/office/drawing/2014/main" id="{7ECCD414-28EB-46CB-A3FD-E6EFB9B5F6D1}"/>
+              </a:ext>
+            </a:extLst>
+          </p:cNvPr>
+          <p:cNvCxnSpPr>
+            <a:stCxn id="6" idx="3"/>
+            <a:endCxn id="7" idx="1"/>
+          </p:cNvCxnSpPr>
+          <p:nvPr/>
+        </p:nvCxnSpPr>
+        <p:spPr>
+          <a:xfrm>
+            <a:off x="3702621" y="2172749"/>
+            <a:ext cx="510683" cy="0"/>
+          </a:xfrm>
+          <a:prstGeom prst="line">
+            <a:avLst/>
+          </a:prstGeom>
+          <a:ln w="12700"/>
+        </p:spPr>
+        <p:style>
+          <a:lnRef idx="1">
+            <a:schemeClr val="accent1"/>
+          </a:lnRef>
+          <a:fillRef idx="0">
+            <a:schemeClr val="accent1"/>
+          </a:fillRef>
+          <a:effectRef idx="0">
+            <a:schemeClr val="accent1"/>
+          </a:effectRef>
+          <a:fontRef idx="minor">
+            <a:schemeClr val="tx1"/>
+          </a:fontRef>
+        </p:style>
+      </p:cxnSp>
+      <p:cxnSp>
+        <p:nvCxnSpPr>
+          <p:cNvPr id="18" name="Прямая соединительная линия 17">
+            <a:extLst>
+              <a:ext uri="{FF2B5EF4-FFF2-40B4-BE49-F238E27FC236}">
+                <a16:creationId xmlns:a16="http://schemas.microsoft.com/office/drawing/2014/main" id="{FFD3C85E-D78D-44E2-A41E-E35C3B0ADF05}"/>
+              </a:ext>
+            </a:extLst>
+          </p:cNvPr>
+          <p:cNvCxnSpPr>
+            <a:stCxn id="7" idx="3"/>
+            <a:endCxn id="8" idx="1"/>
+          </p:cNvCxnSpPr>
+          <p:nvPr/>
+        </p:nvCxnSpPr>
+        <p:spPr>
+          <a:xfrm>
+            <a:off x="6662890" y="2172749"/>
+            <a:ext cx="510683" cy="0"/>
+          </a:xfrm>
+          <a:prstGeom prst="line">
+            <a:avLst/>
+          </a:prstGeom>
+          <a:ln w="19050"/>
+        </p:spPr>
+        <p:style>
+          <a:lnRef idx="1">
+            <a:schemeClr val="accent1"/>
+          </a:lnRef>
+          <a:fillRef idx="0">
+            <a:schemeClr val="accent1"/>
+          </a:fillRef>
+          <a:effectRef idx="0">
+            <a:schemeClr val="accent1"/>
+          </a:effectRef>
+          <a:fontRef idx="minor">
+            <a:schemeClr val="tx1"/>
+          </a:fontRef>
+        </p:style>
+      </p:cxnSp>
+    </p:spTree>
+    <p:extLst>
+      <p:ext uri="{BB962C8B-B14F-4D97-AF65-F5344CB8AC3E}">
+        <p14:creationId xmlns:p14="http://schemas.microsoft.com/office/powerpoint/2010/main" val="3089539672"/>
+      </p:ext>
+    </p:extLst>
+  </p:cSld>
+  <p:clrMapOvr>
+    <a:masterClrMapping/>
+  </p:clrMapOvr>
+</p:sld>
+</file>
+
+<file path=ppt/slides/slide8.xml><?xml version="1.0" encoding="utf-8"?>
+<p:sld xmlns:a="http://schemas.openxmlformats.org/drawingml/2006/main" xmlns:r="http://schemas.openxmlformats.org/officeDocument/2006/relationships" xmlns:p="http://schemas.openxmlformats.org/presentationml/2006/main">
+  <p:cSld>
+    <p:spTree>
+      <p:nvGrpSpPr>
+        <p:cNvPr id="1" name=""/>
+        <p:cNvGrpSpPr/>
+        <p:nvPr/>
+      </p:nvGrpSpPr>
+      <p:grpSpPr>
+        <a:xfrm>
+          <a:off x="0" y="0"/>
+          <a:ext cx="0" cy="0"/>
+          <a:chOff x="0" y="0"/>
+          <a:chExt cx="0" cy="0"/>
+        </a:xfrm>
+      </p:grpSpPr>
+      <p:sp>
+        <p:nvSpPr>
+          <p:cNvPr id="2" name="Заголовок 1">
+            <a:extLst>
+              <a:ext uri="{FF2B5EF4-FFF2-40B4-BE49-F238E27FC236}">
+                <a16:creationId xmlns:a16="http://schemas.microsoft.com/office/drawing/2014/main" id="{06D79306-400F-4E4C-B629-B474165A92EC}"/>
+              </a:ext>
+            </a:extLst>
+          </p:cNvPr>
+          <p:cNvSpPr>
+            <a:spLocks noGrp="1"/>
+          </p:cNvSpPr>
+          <p:nvPr>
+            <p:ph type="title"/>
+          </p:nvPr>
+        </p:nvSpPr>
+        <p:spPr>
+          <a:xfrm>
+            <a:off x="1361960" y="-109057"/>
+            <a:ext cx="8643154" cy="800212"/>
+          </a:xfrm>
+        </p:spPr>
+        <p:txBody>
+          <a:bodyPr/>
+          <a:lstStyle/>
+          <a:p>
+            <a:r>
+              <a:rPr lang="ru-RU" dirty="0"/>
+              <a:t>                         практика</a:t>
+            </a:r>
+          </a:p>
+        </p:txBody>
+      </p:sp>
+      <p:sp>
+        <p:nvSpPr>
+          <p:cNvPr id="3" name="Текст 2">
+            <a:extLst>
+              <a:ext uri="{FF2B5EF4-FFF2-40B4-BE49-F238E27FC236}">
+                <a16:creationId xmlns:a16="http://schemas.microsoft.com/office/drawing/2014/main" id="{F393ED95-59F3-44C9-8AB1-AE5C407B906A}"/>
+              </a:ext>
+            </a:extLst>
+          </p:cNvPr>
+          <p:cNvSpPr>
+            <a:spLocks noGrp="1"/>
+          </p:cNvSpPr>
+          <p:nvPr>
+            <p:ph type="body" idx="1"/>
+          </p:nvPr>
+        </p:nvSpPr>
+        <p:spPr>
+          <a:xfrm>
+            <a:off x="780177" y="694415"/>
+            <a:ext cx="10981189" cy="3307134"/>
+          </a:xfrm>
+        </p:spPr>
+        <p:txBody>
+          <a:bodyPr>
+            <a:normAutofit fontScale="85000" lnSpcReduction="10000"/>
+          </a:bodyPr>
+          <a:lstStyle/>
+          <a:p>
+            <a:r>
+              <a:rPr lang="ru-RU" dirty="0"/>
+              <a:t>Чтобы написать первую программу на языка </a:t>
+            </a:r>
+            <a:r>
+              <a:rPr lang="en-US" dirty="0"/>
+              <a:t>Java script </a:t>
+            </a:r>
+            <a:r>
+              <a:rPr lang="ru-RU" dirty="0"/>
+              <a:t>можно использовать стандартный блокнот. Но лучше использовать более продвинутые текстовые редакторы, такой, как </a:t>
+            </a:r>
+            <a:r>
+              <a:rPr lang="ru-RU" dirty="0" err="1"/>
+              <a:t>саблайм</a:t>
+            </a:r>
+            <a:r>
+              <a:rPr lang="ru-RU" dirty="0"/>
+              <a:t> текст. </a:t>
+            </a:r>
+          </a:p>
+          <a:p>
+            <a:r>
+              <a:rPr lang="ru-RU" dirty="0"/>
+              <a:t>Любая программа на языке </a:t>
+            </a:r>
+            <a:r>
+              <a:rPr lang="en-US" dirty="0"/>
+              <a:t>Java script</a:t>
+            </a:r>
+            <a:r>
+              <a:rPr lang="ru-RU" dirty="0"/>
+              <a:t> начинается с ключевого слова</a:t>
+            </a:r>
+            <a:r>
+              <a:rPr lang="en-US" dirty="0"/>
+              <a:t> &lt;script&gt; </a:t>
+            </a:r>
+            <a:r>
+              <a:rPr lang="ru-RU" dirty="0"/>
+              <a:t>и называется тегом.</a:t>
+            </a:r>
+          </a:p>
+          <a:p>
+            <a:r>
+              <a:rPr lang="ru-RU" dirty="0"/>
+              <a:t>Заканчивается программа</a:t>
+            </a:r>
+            <a:r>
+              <a:rPr lang="en-US" dirty="0"/>
+              <a:t> - &lt;/script&gt; </a:t>
+            </a:r>
+            <a:r>
+              <a:rPr lang="ru-RU" dirty="0"/>
+              <a:t>называется закрывающимся тегом.</a:t>
+            </a:r>
+          </a:p>
+          <a:p>
+            <a:r>
+              <a:rPr lang="ru-RU" dirty="0"/>
+              <a:t>Дадим компьютеру команду, чтобы он вывел на экран сообщение </a:t>
+            </a:r>
+            <a:r>
+              <a:rPr lang="en-US" dirty="0"/>
+              <a:t>“</a:t>
+            </a:r>
+            <a:r>
+              <a:rPr lang="ru-RU" dirty="0"/>
+              <a:t>Привет мир</a:t>
+            </a:r>
+            <a:r>
+              <a:rPr lang="en-US" dirty="0"/>
+              <a:t>” </a:t>
+            </a:r>
+            <a:r>
+              <a:rPr lang="ru-RU" dirty="0"/>
+              <a:t>команда называется  </a:t>
+            </a:r>
+            <a:r>
+              <a:rPr lang="en-US" dirty="0"/>
+              <a:t>alert </a:t>
+            </a:r>
+            <a:r>
+              <a:rPr lang="ru-RU" dirty="0"/>
+              <a:t>и пишем сообщение (</a:t>
+            </a:r>
+            <a:r>
+              <a:rPr lang="en-US" dirty="0"/>
+              <a:t>“</a:t>
+            </a:r>
+            <a:r>
+              <a:rPr lang="ru-RU" dirty="0"/>
+              <a:t>Привет мир</a:t>
+            </a:r>
+            <a:r>
+              <a:rPr lang="en-US" dirty="0"/>
+              <a:t>”</a:t>
+            </a:r>
+            <a:r>
+              <a:rPr lang="ru-RU" dirty="0"/>
+              <a:t>) </a:t>
+            </a:r>
+          </a:p>
+          <a:p>
+            <a:endParaRPr lang="en-US" dirty="0"/>
+          </a:p>
+          <a:p>
+            <a:r>
+              <a:rPr lang="ru-RU" dirty="0"/>
+              <a:t>Затем запускаем нашу программу в файле котором сохранили, запускаем в браузере в итоге написана надпись </a:t>
+            </a:r>
+            <a:r>
+              <a:rPr lang="en-US" dirty="0"/>
+              <a:t>“</a:t>
+            </a:r>
+            <a:r>
+              <a:rPr lang="ru-RU" dirty="0"/>
+              <a:t>Привет мир</a:t>
+            </a:r>
+            <a:r>
+              <a:rPr lang="en-US" dirty="0"/>
+              <a:t>”</a:t>
+            </a:r>
+          </a:p>
+          <a:p>
+            <a:r>
+              <a:rPr lang="ru-RU" dirty="0"/>
+              <a:t>Чтобы застраховать от проблемы в кодировке в браузере напишем тег </a:t>
+            </a:r>
+            <a:r>
+              <a:rPr lang="en-US" dirty="0"/>
+              <a:t>–</a:t>
+            </a:r>
+            <a:r>
+              <a:rPr lang="ru-RU" dirty="0"/>
+              <a:t> </a:t>
+            </a:r>
+            <a:r>
+              <a:rPr lang="en-US" dirty="0"/>
+              <a:t>&lt;meta charset=“utf-8”&gt;</a:t>
+            </a:r>
+          </a:p>
+          <a:p>
+            <a:endParaRPr lang="en-US" dirty="0"/>
+          </a:p>
+        </p:txBody>
+      </p:sp>
+    </p:spTree>
+    <p:extLst>
+      <p:ext uri="{BB962C8B-B14F-4D97-AF65-F5344CB8AC3E}">
+        <p14:creationId xmlns:p14="http://schemas.microsoft.com/office/powerpoint/2010/main" val="2379359197"/>
+      </p:ext>
+    </p:extLst>
+  </p:cSld>
+  <p:clrMapOvr>
+    <a:masterClrMapping/>
+  </p:clrMapOvr>
+</p:sld>
+</file>
+
+<file path=ppt/slides/slide9.xml><?xml version="1.0" encoding="utf-8"?>
+<p:sld xmlns:a="http://schemas.openxmlformats.org/drawingml/2006/main" xmlns:r="http://schemas.openxmlformats.org/officeDocument/2006/relationships" xmlns:p="http://schemas.openxmlformats.org/presentationml/2006/main">
+  <p:cSld>
+    <p:spTree>
+      <p:nvGrpSpPr>
+        <p:cNvPr id="1" name=""/>
+        <p:cNvGrpSpPr/>
+        <p:nvPr/>
+      </p:nvGrpSpPr>
+      <p:grpSpPr>
+        <a:xfrm>
+          <a:off x="0" y="0"/>
+          <a:ext cx="0" cy="0"/>
+          <a:chOff x="0" y="0"/>
+          <a:chExt cx="0" cy="0"/>
+        </a:xfrm>
+      </p:grpSpPr>
+      <p:sp>
+        <p:nvSpPr>
+          <p:cNvPr id="2" name="Заголовок 1">
+            <a:extLst>
+              <a:ext uri="{FF2B5EF4-FFF2-40B4-BE49-F238E27FC236}">
+                <a16:creationId xmlns:a16="http://schemas.microsoft.com/office/drawing/2014/main" id="{231F903B-9C51-4CED-B563-01159A4BC9B6}"/>
+              </a:ext>
+            </a:extLst>
+          </p:cNvPr>
+          <p:cNvSpPr>
+            <a:spLocks noGrp="1"/>
+          </p:cNvSpPr>
+          <p:nvPr>
+            <p:ph type="title"/>
+          </p:nvPr>
+        </p:nvSpPr>
+        <p:spPr>
+          <a:xfrm>
+            <a:off x="1622019" y="-100668"/>
+            <a:ext cx="8643154" cy="867324"/>
+          </a:xfrm>
+        </p:spPr>
+        <p:txBody>
+          <a:bodyPr/>
+          <a:lstStyle/>
+          <a:p>
+            <a:r>
+              <a:rPr lang="ru-RU" dirty="0"/>
+              <a:t>             практика, переменные</a:t>
+            </a:r>
+          </a:p>
+        </p:txBody>
+      </p:sp>
+      <p:sp>
+        <p:nvSpPr>
+          <p:cNvPr id="3" name="Текст 2">
+            <a:extLst>
+              <a:ext uri="{FF2B5EF4-FFF2-40B4-BE49-F238E27FC236}">
+                <a16:creationId xmlns:a16="http://schemas.microsoft.com/office/drawing/2014/main" id="{C8954B59-2105-48D0-8714-764B3136D3E6}"/>
+              </a:ext>
+            </a:extLst>
+          </p:cNvPr>
+          <p:cNvSpPr>
+            <a:spLocks noGrp="1"/>
+          </p:cNvSpPr>
+          <p:nvPr>
+            <p:ph type="body" idx="1"/>
+          </p:nvPr>
+        </p:nvSpPr>
+        <p:spPr>
+          <a:xfrm>
+            <a:off x="796953" y="766658"/>
+            <a:ext cx="10284904" cy="5374084"/>
+          </a:xfrm>
+        </p:spPr>
+        <p:txBody>
+          <a:bodyPr>
+            <a:normAutofit lnSpcReduction="10000"/>
+          </a:bodyPr>
+          <a:lstStyle/>
+          <a:p>
+            <a:r>
+              <a:rPr lang="ru-RU" dirty="0"/>
+              <a:t>Чтобы создать новую переменную пишем слово </a:t>
+            </a:r>
+            <a:r>
+              <a:rPr lang="en-US" dirty="0"/>
+              <a:t>var</a:t>
+            </a:r>
+            <a:r>
+              <a:rPr lang="ru-RU" dirty="0"/>
+              <a:t>, потом пишем имя переменной </a:t>
+            </a:r>
+            <a:r>
+              <a:rPr lang="en-US" dirty="0"/>
+              <a:t>massage </a:t>
+            </a:r>
+            <a:r>
+              <a:rPr lang="ru-RU" dirty="0"/>
+              <a:t>затем пишем оператор = и указываем значение, которое мы хотим туда положить </a:t>
+            </a:r>
+            <a:r>
+              <a:rPr lang="en-US" dirty="0"/>
+              <a:t>“</a:t>
+            </a:r>
+            <a:r>
+              <a:rPr lang="ru-RU" dirty="0"/>
+              <a:t>привет мир</a:t>
+            </a:r>
+            <a:r>
+              <a:rPr lang="en-US" dirty="0"/>
+              <a:t>”</a:t>
+            </a:r>
+            <a:endParaRPr lang="ru-RU" dirty="0"/>
+          </a:p>
+          <a:p>
+            <a:r>
+              <a:rPr lang="en-US" dirty="0"/>
+              <a:t>Var massage = “</a:t>
+            </a:r>
+            <a:r>
+              <a:rPr lang="ru-RU" dirty="0"/>
+              <a:t>Привет мир</a:t>
+            </a:r>
+            <a:r>
+              <a:rPr lang="en-US" dirty="0"/>
+              <a:t>”;</a:t>
+            </a:r>
+          </a:p>
+          <a:p>
+            <a:r>
+              <a:rPr lang="ru-RU" dirty="0"/>
+              <a:t>Оператор = это присваивание. Теперь вместо Привет мир пишем </a:t>
+            </a:r>
+            <a:r>
+              <a:rPr lang="en-US" dirty="0"/>
+              <a:t>(massage</a:t>
+            </a:r>
+            <a:r>
+              <a:rPr lang="ru-RU" dirty="0"/>
+              <a:t>)</a:t>
+            </a:r>
+          </a:p>
+          <a:p>
+            <a:r>
+              <a:rPr lang="ru-RU" dirty="0"/>
+              <a:t>Теперь запишем программу которая запрашивает у пользователя имя, а потом приветствует пользователя .</a:t>
+            </a:r>
+          </a:p>
+          <a:p>
+            <a:r>
+              <a:rPr lang="ru-RU" dirty="0"/>
+              <a:t>Пишем новую переменную, которая будет хранить имя пользователя</a:t>
+            </a:r>
+            <a:r>
+              <a:rPr lang="en-US" dirty="0"/>
+              <a:t> var name =</a:t>
+            </a:r>
+            <a:r>
+              <a:rPr lang="ru-RU" dirty="0"/>
+              <a:t>,</a:t>
+            </a:r>
+            <a:r>
+              <a:rPr lang="en-US" dirty="0"/>
+              <a:t> </a:t>
+            </a:r>
+            <a:r>
+              <a:rPr lang="ru-RU" dirty="0"/>
+              <a:t>теперь нужно запросить у пользователя его имя, для этого пишем команду </a:t>
+            </a:r>
+            <a:r>
+              <a:rPr lang="en-US" dirty="0"/>
+              <a:t>prompt (“</a:t>
+            </a:r>
+            <a:r>
+              <a:rPr lang="ru-RU" dirty="0"/>
+              <a:t>Пожалуйста, введите свое имя</a:t>
+            </a:r>
+            <a:r>
+              <a:rPr lang="en-US" dirty="0"/>
+              <a:t>”)</a:t>
+            </a:r>
+          </a:p>
+          <a:p>
+            <a:r>
+              <a:rPr lang="en-US" dirty="0"/>
+              <a:t>Var name = prompt(“</a:t>
+            </a:r>
+            <a:r>
+              <a:rPr lang="ru-RU" dirty="0"/>
+              <a:t>Пожалуйста, введите свое имя</a:t>
+            </a:r>
+            <a:r>
+              <a:rPr lang="en-US" dirty="0"/>
+              <a:t>”);</a:t>
+            </a:r>
+          </a:p>
+          <a:p>
+            <a:r>
+              <a:rPr lang="ru-RU" dirty="0"/>
+              <a:t>И выведем его на экран. </a:t>
+            </a:r>
+            <a:r>
+              <a:rPr lang="en-US" dirty="0"/>
+              <a:t> alert(name);</a:t>
+            </a:r>
+          </a:p>
+          <a:p>
+            <a:r>
+              <a:rPr lang="ru-RU" dirty="0"/>
+              <a:t>Если мы хотим добавить приветствие к своему имени, то можно склеить 2 строчки с помощью оператора + </a:t>
+            </a:r>
+          </a:p>
+          <a:p>
+            <a:r>
+              <a:rPr lang="ru-RU" dirty="0"/>
+              <a:t>Получается –</a:t>
+            </a:r>
+            <a:r>
+              <a:rPr lang="en-US" dirty="0"/>
+              <a:t> alert(  “</a:t>
+            </a:r>
+            <a:r>
+              <a:rPr lang="ru-RU" dirty="0"/>
+              <a:t>Привет, </a:t>
+            </a:r>
+            <a:r>
+              <a:rPr lang="en-US" dirty="0"/>
+              <a:t>“ + name); </a:t>
+            </a:r>
+            <a:r>
+              <a:rPr lang="ru-RU" dirty="0"/>
+              <a:t> и запускаем программу.</a:t>
+            </a:r>
+            <a:endParaRPr lang="en-US" dirty="0"/>
+          </a:p>
+        </p:txBody>
+      </p:sp>
+    </p:spTree>
+    <p:extLst>
+      <p:ext uri="{BB962C8B-B14F-4D97-AF65-F5344CB8AC3E}">
+        <p14:creationId xmlns:p14="http://schemas.microsoft.com/office/powerpoint/2010/main" val="3226514917"/>
+      </p:ext>
+    </p:extLst>
+  </p:cSld>
+  <p:clrMapOvr>
+    <a:masterClrMapping/>
+  </p:clrMapOvr>
+</p:sld>
+</file>
+
 <file path=ppt/theme/theme1.xml><?xml version="1.0" encoding="utf-8"?>
 <a:theme xmlns:a="http://schemas.openxmlformats.org/drawingml/2006/main" name="Галерея">
   <a:themeElements>
-    <a:clrScheme name="Gallery">
+    <a:clrScheme name="Галерея">
       <a:dk1>
         <a:sysClr val="windowText" lastClr="000000"/>
       </a:dk1>
@@ -4112,7 +5577,7 @@
         <a:srgbClr val="BC658E"/>
       </a:folHlink>
     </a:clrScheme>
-    <a:fontScheme name="Gallery">
+    <a:fontScheme name="Галерея">
       <a:majorFont>
         <a:latin typeface="Gill Sans MT" panose="020B0502020104020203"/>
         <a:ea typeface=""/>
@@ -4184,7 +5649,7 @@
         <a:font script="Geor" typeface="Sylfaen"/>
       </a:minorFont>
     </a:fontScheme>
-    <a:fmtScheme name="Gallery">
+    <a:fmtScheme name="Галерея">
       <a:fillStyleLst>
         <a:solidFill>
           <a:schemeClr val="phClr"/>
@@ -4308,7 +5773,7 @@
             </a:gs>
           </a:gsLst>
           <a:path path="circle">
-            <a:fillToRect l="50000" t="50000" r="50000" b="50000"/>
+            <a:fillToRect l="43000" r="43000" b="100000"/>
           </a:path>
         </a:gradFill>
       </a:bgFillStyleLst>

--- a/Вадим презентация.pptx
+++ b/Вадим презентация.pptx
@@ -2,7 +2,7 @@
 <file path=ppt/presentation.xml><?xml version="1.0" encoding="utf-8"?>
 <p:presentation xmlns:a="http://schemas.openxmlformats.org/drawingml/2006/main" xmlns:r="http://schemas.openxmlformats.org/officeDocument/2006/relationships" xmlns:p="http://schemas.openxmlformats.org/presentationml/2006/main" autoCompressPictures="0">
   <p:sldMasterIdLst>
-    <p:sldMasterId id="2147483660" r:id="rId1"/>
+    <p:sldMasterId id="2147483868" r:id="rId1"/>
   </p:sldMasterIdLst>
   <p:sldIdLst>
     <p:sldId id="256" r:id="rId2"/>
@@ -14,6 +14,8 @@
     <p:sldId id="263" r:id="rId8"/>
     <p:sldId id="264" r:id="rId9"/>
     <p:sldId id="265" r:id="rId10"/>
+    <p:sldId id="266" r:id="rId11"/>
+    <p:sldId id="267" r:id="rId12"/>
   </p:sldIdLst>
   <p:sldSz cx="12192000" cy="6858000"/>
   <p:notesSz cx="6858000" cy="9144000"/>
@@ -130,6 +132,8 @@
             <p14:sldId id="263"/>
             <p14:sldId id="264"/>
             <p14:sldId id="265"/>
+            <p14:sldId id="266"/>
+            <p14:sldId id="267"/>
           </p14:sldIdLst>
         </p14:section>
       </p14:sectionLst>
@@ -142,8 +146,18 @@
 </file>
 
 <file path=ppt/slideLayouts/slideLayout1.xml><?xml version="1.0" encoding="utf-8"?>
-<p:sldLayout xmlns:a="http://schemas.openxmlformats.org/drawingml/2006/main" xmlns:r="http://schemas.openxmlformats.org/officeDocument/2006/relationships" xmlns:p="http://schemas.openxmlformats.org/presentationml/2006/main" type="title" preserve="1">
+<p:sldLayout xmlns:a="http://schemas.openxmlformats.org/drawingml/2006/main" xmlns:r="http://schemas.openxmlformats.org/officeDocument/2006/relationships" xmlns:p="http://schemas.openxmlformats.org/presentationml/2006/main" showMasterSp="0" type="title" preserve="1">
   <p:cSld name="Титульный слайд">
+    <p:bg>
+      <p:bgPr>
+        <a:solidFill>
+          <a:schemeClr val="bg2">
+            <a:lumMod val="75000"/>
+          </a:schemeClr>
+        </a:solidFill>
+        <a:effectLst/>
+      </p:bgPr>
+    </p:bg>
     <p:spTree>
       <p:nvGrpSpPr>
         <p:cNvPr id="1" name=""/>
@@ -170,88 +184,97 @@
         </p:nvSpPr>
         <p:spPr>
           <a:xfrm>
-            <a:off x="2417779" y="802298"/>
-            <a:ext cx="8637073" cy="2541431"/>
+            <a:off x="1261872" y="758952"/>
+            <a:ext cx="9418320" cy="4041648"/>
           </a:xfrm>
         </p:spPr>
         <p:txBody>
-          <a:bodyPr bIns="0" anchor="b">
+          <a:bodyPr anchor="b">
             <a:normAutofit/>
           </a:bodyPr>
           <a:lstStyle>
             <a:lvl1pPr algn="l">
-              <a:defRPr sz="6600"/>
-            </a:lvl1pPr>
-          </a:lstStyle>
-          <a:p>
-            <a:r>
-              <a:rPr lang="ru-RU"/>
-              <a:t>Образец заголовка</a:t>
-            </a:r>
-            <a:endParaRPr lang="en-US" dirty="0"/>
-          </a:p>
-        </p:txBody>
-      </p:sp>
-      <p:sp>
-        <p:nvSpPr>
-          <p:cNvPr id="3" name="Subtitle 2"/>
-          <p:cNvSpPr>
-            <a:spLocks noGrp="1"/>
-          </p:cNvSpPr>
-          <p:nvPr>
-            <p:ph type="subTitle" idx="1"/>
-          </p:nvPr>
-        </p:nvSpPr>
-        <p:spPr>
-          <a:xfrm>
-            <a:off x="2417780" y="3531204"/>
-            <a:ext cx="8637072" cy="977621"/>
-          </a:xfrm>
-        </p:spPr>
-        <p:txBody>
-          <a:bodyPr tIns="91440" bIns="91440">
-            <a:normAutofit/>
-          </a:bodyPr>
-          <a:lstStyle>
-            <a:lvl1pPr marL="0" indent="0" algn="l">
-              <a:buNone/>
-              <a:defRPr sz="1800" b="0" cap="all" baseline="0">
+              <a:lnSpc>
+                <a:spcPct val="85000"/>
+              </a:lnSpc>
+              <a:defRPr sz="7200" baseline="0">
                 <a:solidFill>
                   <a:schemeClr val="tx1"/>
                 </a:solidFill>
               </a:defRPr>
             </a:lvl1pPr>
+          </a:lstStyle>
+          <a:p>
+            <a:r>
+              <a:rPr lang="ru-RU"/>
+              <a:t>Образец заголовка</a:t>
+            </a:r>
+            <a:endParaRPr lang="en-US" dirty="0"/>
+          </a:p>
+        </p:txBody>
+      </p:sp>
+      <p:sp>
+        <p:nvSpPr>
+          <p:cNvPr id="3" name="Subtitle 2"/>
+          <p:cNvSpPr>
+            <a:spLocks noGrp="1"/>
+          </p:cNvSpPr>
+          <p:nvPr>
+            <p:ph type="subTitle" idx="1"/>
+          </p:nvPr>
+        </p:nvSpPr>
+        <p:spPr>
+          <a:xfrm>
+            <a:off x="1261872" y="4800600"/>
+            <a:ext cx="9418320" cy="1691640"/>
+          </a:xfrm>
+        </p:spPr>
+        <p:txBody>
+          <a:bodyPr>
+            <a:normAutofit/>
+          </a:bodyPr>
+          <a:lstStyle>
+            <a:lvl1pPr marL="0" indent="0" algn="l">
+              <a:buNone/>
+              <a:defRPr sz="2200" baseline="0">
+                <a:solidFill>
+                  <a:schemeClr val="tx1">
+                    <a:lumMod val="75000"/>
+                  </a:schemeClr>
+                </a:solidFill>
+              </a:defRPr>
+            </a:lvl1pPr>
             <a:lvl2pPr marL="457200" indent="0" algn="ctr">
               <a:buNone/>
-              <a:defRPr sz="1800"/>
+              <a:defRPr sz="2200"/>
             </a:lvl2pPr>
             <a:lvl3pPr marL="914400" indent="0" algn="ctr">
               <a:buNone/>
-              <a:defRPr sz="1800"/>
+              <a:defRPr sz="2200"/>
             </a:lvl3pPr>
             <a:lvl4pPr marL="1371600" indent="0" algn="ctr">
               <a:buNone/>
-              <a:defRPr sz="1600"/>
+              <a:defRPr sz="2000"/>
             </a:lvl4pPr>
             <a:lvl5pPr marL="1828800" indent="0" algn="ctr">
               <a:buNone/>
-              <a:defRPr sz="1600"/>
+              <a:defRPr sz="2000"/>
             </a:lvl5pPr>
             <a:lvl6pPr marL="2286000" indent="0" algn="ctr">
               <a:buNone/>
-              <a:defRPr sz="1600"/>
+              <a:defRPr sz="2000"/>
             </a:lvl6pPr>
             <a:lvl7pPr marL="2743200" indent="0" algn="ctr">
               <a:buNone/>
-              <a:defRPr sz="1600"/>
+              <a:defRPr sz="2000"/>
             </a:lvl7pPr>
             <a:lvl8pPr marL="3200400" indent="0" algn="ctr">
               <a:buNone/>
-              <a:defRPr sz="1600"/>
+              <a:defRPr sz="2000"/>
             </a:lvl8pPr>
             <a:lvl9pPr marL="3657600" indent="0" algn="ctr">
               <a:buNone/>
-              <a:defRPr sz="1600"/>
+              <a:defRPr sz="2000"/>
             </a:lvl9pPr>
           </a:lstStyle>
           <a:p>
@@ -276,11 +299,21 @@
         <p:spPr/>
         <p:txBody>
           <a:bodyPr/>
-          <a:lstStyle/>
+          <a:lstStyle>
+            <a:lvl1pPr>
+              <a:defRPr>
+                <a:solidFill>
+                  <a:schemeClr val="tx1">
+                    <a:lumMod val="50000"/>
+                  </a:schemeClr>
+                </a:solidFill>
+              </a:defRPr>
+            </a:lvl1pPr>
+          </a:lstStyle>
           <a:p>
             <a:fld id="{48A87A34-81AB-432B-8DAE-1953F412C126}" type="datetimeFigureOut">
               <a:rPr lang="en-US" smtClean="0"/>
-              <a:t>10/14/2021</a:t>
+              <a:t>10/18/2021</a:t>
             </a:fld>
             <a:endParaRPr lang="en-US" dirty="0"/>
           </a:p>
@@ -296,15 +329,20 @@
             <p:ph type="ftr" sz="quarter" idx="11"/>
           </p:nvPr>
         </p:nvSpPr>
-        <p:spPr>
-          <a:xfrm>
-            <a:off x="2416500" y="329307"/>
-            <a:ext cx="4973915" cy="309201"/>
-          </a:xfrm>
-        </p:spPr>
+        <p:spPr/>
         <p:txBody>
           <a:bodyPr/>
-          <a:lstStyle/>
+          <a:lstStyle>
+            <a:lvl1pPr>
+              <a:defRPr>
+                <a:solidFill>
+                  <a:schemeClr val="tx1">
+                    <a:lumMod val="65000"/>
+                  </a:schemeClr>
+                </a:solidFill>
+              </a:defRPr>
+            </a:lvl1pPr>
+          </a:lstStyle>
           <a:p>
             <a:endParaRPr lang="en-US" dirty="0"/>
           </a:p>
@@ -320,15 +358,20 @@
             <p:ph type="sldNum" sz="quarter" idx="12"/>
           </p:nvPr>
         </p:nvSpPr>
-        <p:spPr>
-          <a:xfrm>
-            <a:off x="1437664" y="798973"/>
-            <a:ext cx="811019" cy="503578"/>
-          </a:xfrm>
-        </p:spPr>
+        <p:spPr/>
         <p:txBody>
           <a:bodyPr/>
-          <a:lstStyle/>
+          <a:lstStyle>
+            <a:lvl1pPr>
+              <a:defRPr>
+                <a:solidFill>
+                  <a:schemeClr val="tx1">
+                    <a:lumMod val="65000"/>
+                  </a:schemeClr>
+                </a:solidFill>
+              </a:defRPr>
+            </a:lvl1pPr>
+          </a:lstStyle>
           <a:p>
             <a:fld id="{6D22F896-40B5-4ADD-8801-0D06FADFA095}" type="slidenum">
               <a:rPr lang="en-US" smtClean="0"/>
@@ -338,46 +381,53 @@
           </a:p>
         </p:txBody>
       </p:sp>
-      <p:cxnSp>
-        <p:nvCxnSpPr>
-          <p:cNvPr id="15" name="Straight Connector 14"/>
-          <p:cNvCxnSpPr/>
+      <p:sp>
+        <p:nvSpPr>
+          <p:cNvPr id="7" name="Rectangle 6"/>
+          <p:cNvSpPr/>
           <p:nvPr/>
-        </p:nvCxnSpPr>
+        </p:nvSpPr>
         <p:spPr>
           <a:xfrm>
-            <a:off x="2417780" y="3528542"/>
-            <a:ext cx="8637072" cy="0"/>
+            <a:off x="0" y="0"/>
+            <a:ext cx="457200" cy="6858000"/>
           </a:xfrm>
-          <a:prstGeom prst="line">
+          <a:prstGeom prst="rect">
             <a:avLst/>
           </a:prstGeom>
-          <a:ln w="31750"/>
+          <a:solidFill>
+            <a:schemeClr val="accent1"/>
+          </a:solidFill>
+          <a:ln>
+            <a:noFill/>
+          </a:ln>
         </p:spPr>
         <p:style>
-          <a:lnRef idx="3">
-            <a:schemeClr val="accent1"/>
+          <a:lnRef idx="2">
+            <a:schemeClr val="accent1">
+              <a:shade val="50000"/>
+            </a:schemeClr>
           </a:lnRef>
-          <a:fillRef idx="0">
+          <a:fillRef idx="1">
             <a:schemeClr val="accent1"/>
           </a:fillRef>
-          <a:effectRef idx="2">
+          <a:effectRef idx="0">
             <a:schemeClr val="accent1"/>
           </a:effectRef>
           <a:fontRef idx="minor">
-            <a:schemeClr val="tx1"/>
+            <a:schemeClr val="lt1"/>
           </a:fontRef>
         </p:style>
-      </p:cxnSp>
+      </p:sp>
     </p:spTree>
     <p:extLst>
       <p:ext uri="{BB962C8B-B14F-4D97-AF65-F5344CB8AC3E}">
-        <p14:creationId xmlns:p14="http://schemas.microsoft.com/office/powerpoint/2010/main" val="2732981267"/>
+        <p14:creationId xmlns:p14="http://schemas.microsoft.com/office/powerpoint/2010/main" val="3930483870"/>
       </p:ext>
     </p:extLst>
   </p:cSld>
   <p:clrMapOvr>
-    <a:masterClrMapping/>
+    <a:overrideClrMapping bg1="dk1" tx1="lt1" bg2="dk2" tx2="lt2" accent1="accent1" accent2="accent2" accent3="accent3" accent4="accent4" accent5="accent5" accent6="accent6" hlink="hlink" folHlink="folHlink"/>
   </p:clrMapOvr>
 </p:sldLayout>
 </file>
@@ -491,7 +541,7 @@
           <a:p>
             <a:fld id="{48A87A34-81AB-432B-8DAE-1953F412C126}" type="datetimeFigureOut">
               <a:rPr lang="en-US" smtClean="0"/>
-              <a:t>10/14/2021</a:t>
+              <a:t>10/18/2021</a:t>
             </a:fld>
             <a:endParaRPr lang="en-US" dirty="0"/>
           </a:p>
@@ -539,41 +589,10 @@
           </a:p>
         </p:txBody>
       </p:sp>
-      <p:cxnSp>
-        <p:nvCxnSpPr>
-          <p:cNvPr id="26" name="Straight Connector 25"/>
-          <p:cNvCxnSpPr/>
-          <p:nvPr/>
-        </p:nvCxnSpPr>
-        <p:spPr>
-          <a:xfrm>
-            <a:off x="1453896" y="1847088"/>
-            <a:ext cx="9607522" cy="0"/>
-          </a:xfrm>
-          <a:prstGeom prst="line">
-            <a:avLst/>
-          </a:prstGeom>
-          <a:ln w="31750"/>
-        </p:spPr>
-        <p:style>
-          <a:lnRef idx="3">
-            <a:schemeClr val="accent1"/>
-          </a:lnRef>
-          <a:fillRef idx="0">
-            <a:schemeClr val="accent1"/>
-          </a:fillRef>
-          <a:effectRef idx="2">
-            <a:schemeClr val="accent1"/>
-          </a:effectRef>
-          <a:fontRef idx="minor">
-            <a:schemeClr val="tx1"/>
-          </a:fontRef>
-        </p:style>
-      </p:cxnSp>
     </p:spTree>
     <p:extLst>
       <p:ext uri="{BB962C8B-B14F-4D97-AF65-F5344CB8AC3E}">
-        <p14:creationId xmlns:p14="http://schemas.microsoft.com/office/powerpoint/2010/main" val="4183097706"/>
+        <p14:creationId xmlns:p14="http://schemas.microsoft.com/office/powerpoint/2010/main" val="3925192863"/>
       </p:ext>
     </p:extLst>
   </p:cSld>
@@ -612,17 +631,13 @@
         </p:nvSpPr>
         <p:spPr>
           <a:xfrm>
-            <a:off x="9439111" y="798973"/>
-            <a:ext cx="1615742" cy="4659889"/>
+            <a:off x="8648700" y="381000"/>
+            <a:ext cx="2476500" cy="5897562"/>
           </a:xfrm>
         </p:spPr>
         <p:txBody>
           <a:bodyPr vert="eaVert"/>
-          <a:lstStyle>
-            <a:lvl1pPr algn="l">
-              <a:defRPr/>
-            </a:lvl1pPr>
-          </a:lstStyle>
+          <a:lstStyle/>
           <a:p>
             <a:r>
               <a:rPr lang="ru-RU"/>
@@ -644,8 +659,8 @@
         </p:nvSpPr>
         <p:spPr>
           <a:xfrm>
-            <a:off x="1444672" y="798973"/>
-            <a:ext cx="7828830" cy="4659889"/>
+            <a:off x="762000" y="381000"/>
+            <a:ext cx="7734300" cy="5897562"/>
           </a:xfrm>
         </p:spPr>
         <p:txBody>
@@ -706,7 +721,7 @@
           <a:p>
             <a:fld id="{48A87A34-81AB-432B-8DAE-1953F412C126}" type="datetimeFigureOut">
               <a:rPr lang="en-US" smtClean="0"/>
-              <a:t>10/14/2021</a:t>
+              <a:t>10/18/2021</a:t>
             </a:fld>
             <a:endParaRPr lang="en-US" dirty="0"/>
           </a:p>
@@ -754,41 +769,10 @@
           </a:p>
         </p:txBody>
       </p:sp>
-      <p:cxnSp>
-        <p:nvCxnSpPr>
-          <p:cNvPr id="15" name="Straight Connector 14"/>
-          <p:cNvCxnSpPr/>
-          <p:nvPr/>
-        </p:nvCxnSpPr>
-        <p:spPr>
-          <a:xfrm>
-            <a:off x="9439111" y="798973"/>
-            <a:ext cx="0" cy="4659889"/>
-          </a:xfrm>
-          <a:prstGeom prst="line">
-            <a:avLst/>
-          </a:prstGeom>
-          <a:ln w="31750"/>
-        </p:spPr>
-        <p:style>
-          <a:lnRef idx="3">
-            <a:schemeClr val="accent1"/>
-          </a:lnRef>
-          <a:fillRef idx="0">
-            <a:schemeClr val="accent1"/>
-          </a:fillRef>
-          <a:effectRef idx="2">
-            <a:schemeClr val="accent1"/>
-          </a:effectRef>
-          <a:fontRef idx="minor">
-            <a:schemeClr val="tx1"/>
-          </a:fontRef>
-        </p:style>
-      </p:cxnSp>
     </p:spTree>
     <p:extLst>
       <p:ext uri="{BB962C8B-B14F-4D97-AF65-F5344CB8AC3E}">
-        <p14:creationId xmlns:p14="http://schemas.microsoft.com/office/powerpoint/2010/main" val="3337748044"/>
+        <p14:creationId xmlns:p14="http://schemas.microsoft.com/office/powerpoint/2010/main" val="2431732432"/>
       </p:ext>
     </p:extLst>
   </p:cSld>
@@ -850,7 +834,7 @@
         </p:nvSpPr>
         <p:spPr/>
         <p:txBody>
-          <a:bodyPr anchor="t"/>
+          <a:bodyPr/>
           <a:lstStyle/>
           <a:p>
             <a:pPr lvl="0"/>
@@ -907,7 +891,7 @@
           <a:p>
             <a:fld id="{48A87A34-81AB-432B-8DAE-1953F412C126}" type="datetimeFigureOut">
               <a:rPr lang="en-US" smtClean="0"/>
-              <a:t>10/14/2021</a:t>
+              <a:t>10/18/2021</a:t>
             </a:fld>
             <a:endParaRPr lang="en-US" dirty="0"/>
           </a:p>
@@ -955,41 +939,10 @@
           </a:p>
         </p:txBody>
       </p:sp>
-      <p:cxnSp>
-        <p:nvCxnSpPr>
-          <p:cNvPr id="33" name="Straight Connector 32"/>
-          <p:cNvCxnSpPr/>
-          <p:nvPr/>
-        </p:nvCxnSpPr>
-        <p:spPr>
-          <a:xfrm>
-            <a:off x="1453896" y="1847088"/>
-            <a:ext cx="9607522" cy="0"/>
-          </a:xfrm>
-          <a:prstGeom prst="line">
-            <a:avLst/>
-          </a:prstGeom>
-          <a:ln w="31750"/>
-        </p:spPr>
-        <p:style>
-          <a:lnRef idx="3">
-            <a:schemeClr val="accent1"/>
-          </a:lnRef>
-          <a:fillRef idx="0">
-            <a:schemeClr val="accent1"/>
-          </a:fillRef>
-          <a:effectRef idx="2">
-            <a:schemeClr val="accent1"/>
-          </a:effectRef>
-          <a:fontRef idx="minor">
-            <a:schemeClr val="tx1"/>
-          </a:fontRef>
-        </p:style>
-      </p:cxnSp>
     </p:spTree>
     <p:extLst>
       <p:ext uri="{BB962C8B-B14F-4D97-AF65-F5344CB8AC3E}">
-        <p14:creationId xmlns:p14="http://schemas.microsoft.com/office/powerpoint/2010/main" val="1347229275"/>
+        <p14:creationId xmlns:p14="http://schemas.microsoft.com/office/powerpoint/2010/main" val="854836648"/>
       </p:ext>
     </p:extLst>
   </p:cSld>
@@ -1028,8 +981,8 @@
         </p:nvSpPr>
         <p:spPr>
           <a:xfrm>
-            <a:off x="1454239" y="1756130"/>
-            <a:ext cx="8643154" cy="1887950"/>
+            <a:off x="1261872" y="758952"/>
+            <a:ext cx="9418320" cy="4041648"/>
           </a:xfrm>
         </p:spPr>
         <p:txBody>
@@ -1037,8 +990,11 @@
             <a:normAutofit/>
           </a:bodyPr>
           <a:lstStyle>
-            <a:lvl1pPr algn="l">
-              <a:defRPr sz="3600"/>
+            <a:lvl1pPr>
+              <a:lnSpc>
+                <a:spcPct val="85000"/>
+              </a:lnSpc>
+              <a:defRPr sz="7200" b="0"/>
             </a:lvl1pPr>
           </a:lstStyle>
           <a:p>
@@ -1062,20 +1018,23 @@
         </p:nvSpPr>
         <p:spPr>
           <a:xfrm>
-            <a:off x="1454239" y="3806195"/>
-            <a:ext cx="8630446" cy="1012929"/>
+            <a:off x="1261872" y="4800600"/>
+            <a:ext cx="9418320" cy="1691640"/>
           </a:xfrm>
         </p:spPr>
         <p:txBody>
-          <a:bodyPr tIns="91440">
+          <a:bodyPr anchor="t">
             <a:normAutofit/>
           </a:bodyPr>
           <a:lstStyle>
-            <a:lvl1pPr marL="0" indent="0" algn="l">
-              <a:buNone/>
-              <a:defRPr sz="1800">
+            <a:lvl1pPr marL="0" indent="0">
+              <a:buNone/>
+              <a:defRPr sz="2200">
                 <a:solidFill>
-                  <a:schemeClr val="tx1"/>
+                  <a:schemeClr val="tx1">
+                    <a:lumMod val="65000"/>
+                    <a:lumOff val="35000"/>
+                  </a:schemeClr>
                 </a:solidFill>
               </a:defRPr>
             </a:lvl1pPr>
@@ -1091,7 +1050,7 @@
             </a:lvl2pPr>
             <a:lvl3pPr marL="914400" indent="0">
               <a:buNone/>
-              <a:defRPr sz="1800">
+              <a:defRPr sz="1600">
                 <a:solidFill>
                   <a:schemeClr val="tx1">
                     <a:tint val="75000"/>
@@ -1101,7 +1060,7 @@
             </a:lvl3pPr>
             <a:lvl4pPr marL="1371600" indent="0">
               <a:buNone/>
-              <a:defRPr sz="1600">
+              <a:defRPr sz="1400">
                 <a:solidFill>
                   <a:schemeClr val="tx1">
                     <a:tint val="75000"/>
@@ -1111,7 +1070,7 @@
             </a:lvl4pPr>
             <a:lvl5pPr marL="1828800" indent="0">
               <a:buNone/>
-              <a:defRPr sz="1600">
+              <a:defRPr sz="1400">
                 <a:solidFill>
                   <a:schemeClr val="tx1">
                     <a:tint val="75000"/>
@@ -1121,7 +1080,7 @@
             </a:lvl5pPr>
             <a:lvl6pPr marL="2286000" indent="0">
               <a:buNone/>
-              <a:defRPr sz="1600">
+              <a:defRPr sz="1400">
                 <a:solidFill>
                   <a:schemeClr val="tx1">
                     <a:tint val="75000"/>
@@ -1131,7 +1090,7 @@
             </a:lvl6pPr>
             <a:lvl7pPr marL="2743200" indent="0">
               <a:buNone/>
-              <a:defRPr sz="1600">
+              <a:defRPr sz="1400">
                 <a:solidFill>
                   <a:schemeClr val="tx1">
                     <a:tint val="75000"/>
@@ -1141,7 +1100,7 @@
             </a:lvl7pPr>
             <a:lvl8pPr marL="3200400" indent="0">
               <a:buNone/>
-              <a:defRPr sz="1600">
+              <a:defRPr sz="1400">
                 <a:solidFill>
                   <a:schemeClr val="tx1">
                     <a:tint val="75000"/>
@@ -1151,7 +1110,7 @@
             </a:lvl8pPr>
             <a:lvl9pPr marL="3657600" indent="0">
               <a:buNone/>
-              <a:defRPr sz="1600">
+              <a:defRPr sz="1400">
                 <a:solidFill>
                   <a:schemeClr val="tx1">
                     <a:tint val="75000"/>
@@ -1186,7 +1145,7 @@
           <a:p>
             <a:fld id="{48A87A34-81AB-432B-8DAE-1953F412C126}" type="datetimeFigureOut">
               <a:rPr lang="en-US" smtClean="0"/>
-              <a:t>10/14/2021</a:t>
+              <a:t>10/18/2021</a:t>
             </a:fld>
             <a:endParaRPr lang="en-US" dirty="0"/>
           </a:p>
@@ -1234,41 +1193,48 @@
           </a:p>
         </p:txBody>
       </p:sp>
-      <p:cxnSp>
-        <p:nvCxnSpPr>
-          <p:cNvPr id="15" name="Straight Connector 14"/>
-          <p:cNvCxnSpPr/>
+      <p:sp>
+        <p:nvSpPr>
+          <p:cNvPr id="7" name="Rectangle 6"/>
+          <p:cNvSpPr/>
           <p:nvPr/>
-        </p:nvCxnSpPr>
+        </p:nvSpPr>
         <p:spPr>
           <a:xfrm>
-            <a:off x="1454239" y="3804985"/>
-            <a:ext cx="8630446" cy="0"/>
+            <a:off x="0" y="0"/>
+            <a:ext cx="457200" cy="6858000"/>
           </a:xfrm>
-          <a:prstGeom prst="line">
+          <a:prstGeom prst="rect">
             <a:avLst/>
           </a:prstGeom>
-          <a:ln w="31750"/>
+          <a:solidFill>
+            <a:schemeClr val="accent1"/>
+          </a:solidFill>
+          <a:ln>
+            <a:noFill/>
+          </a:ln>
         </p:spPr>
         <p:style>
-          <a:lnRef idx="3">
-            <a:schemeClr val="accent1"/>
+          <a:lnRef idx="2">
+            <a:schemeClr val="accent1">
+              <a:shade val="50000"/>
+            </a:schemeClr>
           </a:lnRef>
-          <a:fillRef idx="0">
+          <a:fillRef idx="1">
             <a:schemeClr val="accent1"/>
           </a:fillRef>
-          <a:effectRef idx="2">
+          <a:effectRef idx="0">
             <a:schemeClr val="accent1"/>
           </a:effectRef>
           <a:fontRef idx="minor">
-            <a:schemeClr val="tx1"/>
+            <a:schemeClr val="lt1"/>
           </a:fontRef>
         </p:style>
-      </p:cxnSp>
+      </p:sp>
     </p:spTree>
     <p:extLst>
       <p:ext uri="{BB962C8B-B14F-4D97-AF65-F5344CB8AC3E}">
-        <p14:creationId xmlns:p14="http://schemas.microsoft.com/office/powerpoint/2010/main" val="3541844414"/>
+        <p14:creationId xmlns:p14="http://schemas.microsoft.com/office/powerpoint/2010/main" val="1302459258"/>
       </p:ext>
     </p:extLst>
   </p:cSld>
@@ -1305,43 +1271,151 @@
             <p:ph type="title"/>
           </p:nvPr>
         </p:nvSpPr>
+        <p:spPr/>
+        <p:txBody>
+          <a:bodyPr/>
+          <a:lstStyle/>
+          <a:p>
+            <a:r>
+              <a:rPr lang="ru-RU"/>
+              <a:t>Образец заголовка</a:t>
+            </a:r>
+            <a:endParaRPr lang="en-US" dirty="0"/>
+          </a:p>
+        </p:txBody>
+      </p:sp>
+      <p:sp>
+        <p:nvSpPr>
+          <p:cNvPr id="3" name="Content Placeholder 2"/>
+          <p:cNvSpPr>
+            <a:spLocks noGrp="1"/>
+          </p:cNvSpPr>
+          <p:nvPr>
+            <p:ph sz="half" idx="1"/>
+          </p:nvPr>
+        </p:nvSpPr>
         <p:spPr>
           <a:xfrm>
-            <a:off x="1449217" y="804889"/>
-            <a:ext cx="9605635" cy="1059305"/>
+            <a:off x="1261872" y="1828800"/>
+            <a:ext cx="4480560" cy="4351337"/>
           </a:xfrm>
         </p:spPr>
         <p:txBody>
           <a:bodyPr/>
-          <a:lstStyle/>
-          <a:p>
+          <a:lstStyle>
+            <a:lvl1pPr>
+              <a:defRPr sz="1800"/>
+            </a:lvl1pPr>
+            <a:lvl2pPr>
+              <a:defRPr sz="1600"/>
+            </a:lvl2pPr>
+            <a:lvl3pPr>
+              <a:defRPr sz="1400"/>
+            </a:lvl3pPr>
+            <a:lvl4pPr>
+              <a:defRPr sz="1400"/>
+            </a:lvl4pPr>
+            <a:lvl5pPr>
+              <a:defRPr sz="1400"/>
+            </a:lvl5pPr>
+            <a:lvl6pPr>
+              <a:defRPr sz="1400"/>
+            </a:lvl6pPr>
+            <a:lvl7pPr>
+              <a:defRPr sz="1400"/>
+            </a:lvl7pPr>
+            <a:lvl8pPr>
+              <a:defRPr sz="1400"/>
+            </a:lvl8pPr>
+            <a:lvl9pPr>
+              <a:defRPr sz="1400"/>
+            </a:lvl9pPr>
+          </a:lstStyle>
+          <a:p>
+            <a:pPr lvl="0"/>
             <a:r>
               <a:rPr lang="ru-RU"/>
-              <a:t>Образец заголовка</a:t>
-            </a:r>
-            <a:endParaRPr lang="en-US" dirty="0"/>
-          </a:p>
-        </p:txBody>
-      </p:sp>
-      <p:sp>
-        <p:nvSpPr>
-          <p:cNvPr id="3" name="Content Placeholder 2"/>
-          <p:cNvSpPr>
-            <a:spLocks noGrp="1"/>
-          </p:cNvSpPr>
-          <p:nvPr>
-            <p:ph sz="half" idx="1"/>
+              <a:t>Образец текста</a:t>
+            </a:r>
+          </a:p>
+          <a:p>
+            <a:pPr lvl="1"/>
+            <a:r>
+              <a:rPr lang="ru-RU"/>
+              <a:t>Второй уровень</a:t>
+            </a:r>
+          </a:p>
+          <a:p>
+            <a:pPr lvl="2"/>
+            <a:r>
+              <a:rPr lang="ru-RU"/>
+              <a:t>Третий уровень</a:t>
+            </a:r>
+          </a:p>
+          <a:p>
+            <a:pPr lvl="3"/>
+            <a:r>
+              <a:rPr lang="ru-RU"/>
+              <a:t>Четвертый уровень</a:t>
+            </a:r>
+          </a:p>
+          <a:p>
+            <a:pPr lvl="4"/>
+            <a:r>
+              <a:rPr lang="ru-RU"/>
+              <a:t>Пятый уровень</a:t>
+            </a:r>
+            <a:endParaRPr lang="en-US" dirty="0"/>
+          </a:p>
+        </p:txBody>
+      </p:sp>
+      <p:sp>
+        <p:nvSpPr>
+          <p:cNvPr id="4" name="Content Placeholder 3"/>
+          <p:cNvSpPr>
+            <a:spLocks noGrp="1"/>
+          </p:cNvSpPr>
+          <p:nvPr>
+            <p:ph sz="half" idx="2"/>
           </p:nvPr>
         </p:nvSpPr>
         <p:spPr>
           <a:xfrm>
-            <a:off x="1447331" y="2010878"/>
-            <a:ext cx="4645152" cy="3448595"/>
+            <a:off x="6126480" y="1828800"/>
+            <a:ext cx="4480560" cy="4351337"/>
           </a:xfrm>
         </p:spPr>
         <p:txBody>
           <a:bodyPr/>
-          <a:lstStyle/>
+          <a:lstStyle>
+            <a:lvl1pPr>
+              <a:defRPr sz="1800"/>
+            </a:lvl1pPr>
+            <a:lvl2pPr>
+              <a:defRPr sz="1600"/>
+            </a:lvl2pPr>
+            <a:lvl3pPr>
+              <a:defRPr sz="1400"/>
+            </a:lvl3pPr>
+            <a:lvl4pPr>
+              <a:defRPr sz="1400"/>
+            </a:lvl4pPr>
+            <a:lvl5pPr>
+              <a:defRPr sz="1400"/>
+            </a:lvl5pPr>
+            <a:lvl6pPr>
+              <a:defRPr sz="1400"/>
+            </a:lvl6pPr>
+            <a:lvl7pPr>
+              <a:defRPr sz="1400"/>
+            </a:lvl7pPr>
+            <a:lvl8pPr>
+              <a:defRPr sz="1400"/>
+            </a:lvl8pPr>
+            <a:lvl9pPr>
+              <a:defRPr sz="1400"/>
+            </a:lvl9pPr>
+          </a:lstStyle>
           <a:p>
             <a:pPr lvl="0"/>
             <a:r>
@@ -1382,63 +1456,6 @@
       </p:sp>
       <p:sp>
         <p:nvSpPr>
-          <p:cNvPr id="4" name="Content Placeholder 3"/>
-          <p:cNvSpPr>
-            <a:spLocks noGrp="1"/>
-          </p:cNvSpPr>
-          <p:nvPr>
-            <p:ph sz="half" idx="2"/>
-          </p:nvPr>
-        </p:nvSpPr>
-        <p:spPr>
-          <a:xfrm>
-            <a:off x="6413771" y="2017343"/>
-            <a:ext cx="4645152" cy="3441520"/>
-          </a:xfrm>
-        </p:spPr>
-        <p:txBody>
-          <a:bodyPr/>
-          <a:lstStyle/>
-          <a:p>
-            <a:pPr lvl="0"/>
-            <a:r>
-              <a:rPr lang="ru-RU"/>
-              <a:t>Образец текста</a:t>
-            </a:r>
-          </a:p>
-          <a:p>
-            <a:pPr lvl="1"/>
-            <a:r>
-              <a:rPr lang="ru-RU"/>
-              <a:t>Второй уровень</a:t>
-            </a:r>
-          </a:p>
-          <a:p>
-            <a:pPr lvl="2"/>
-            <a:r>
-              <a:rPr lang="ru-RU"/>
-              <a:t>Третий уровень</a:t>
-            </a:r>
-          </a:p>
-          <a:p>
-            <a:pPr lvl="3"/>
-            <a:r>
-              <a:rPr lang="ru-RU"/>
-              <a:t>Четвертый уровень</a:t>
-            </a:r>
-          </a:p>
-          <a:p>
-            <a:pPr lvl="4"/>
-            <a:r>
-              <a:rPr lang="ru-RU"/>
-              <a:t>Пятый уровень</a:t>
-            </a:r>
-            <a:endParaRPr lang="en-US" dirty="0"/>
-          </a:p>
-        </p:txBody>
-      </p:sp>
-      <p:sp>
-        <p:nvSpPr>
           <p:cNvPr id="5" name="Date Placeholder 4"/>
           <p:cNvSpPr>
             <a:spLocks noGrp="1"/>
@@ -1454,7 +1471,7 @@
           <a:p>
             <a:fld id="{48A87A34-81AB-432B-8DAE-1953F412C126}" type="datetimeFigureOut">
               <a:rPr lang="en-US" smtClean="0"/>
-              <a:t>10/14/2021</a:t>
+              <a:t>10/18/2021</a:t>
             </a:fld>
             <a:endParaRPr lang="en-US" dirty="0"/>
           </a:p>
@@ -1502,41 +1519,10 @@
           </a:p>
         </p:txBody>
       </p:sp>
-      <p:cxnSp>
-        <p:nvCxnSpPr>
-          <p:cNvPr id="35" name="Straight Connector 34"/>
-          <p:cNvCxnSpPr/>
-          <p:nvPr/>
-        </p:nvCxnSpPr>
-        <p:spPr>
-          <a:xfrm>
-            <a:off x="1453896" y="1847088"/>
-            <a:ext cx="9607522" cy="0"/>
-          </a:xfrm>
-          <a:prstGeom prst="line">
-            <a:avLst/>
-          </a:prstGeom>
-          <a:ln w="31750"/>
-        </p:spPr>
-        <p:style>
-          <a:lnRef idx="3">
-            <a:schemeClr val="accent1"/>
-          </a:lnRef>
-          <a:fillRef idx="0">
-            <a:schemeClr val="accent1"/>
-          </a:fillRef>
-          <a:effectRef idx="2">
-            <a:schemeClr val="accent1"/>
-          </a:effectRef>
-          <a:fontRef idx="minor">
-            <a:schemeClr val="tx1"/>
-          </a:fontRef>
-        </p:style>
-      </p:cxnSp>
     </p:spTree>
     <p:extLst>
       <p:ext uri="{BB962C8B-B14F-4D97-AF65-F5344CB8AC3E}">
-        <p14:creationId xmlns:p14="http://schemas.microsoft.com/office/powerpoint/2010/main" val="4092253096"/>
+        <p14:creationId xmlns:p14="http://schemas.microsoft.com/office/powerpoint/2010/main" val="522176721"/>
       </p:ext>
     </p:extLst>
   </p:cSld>
@@ -1565,46 +1551,200 @@
       </p:grpSpPr>
       <p:sp>
         <p:nvSpPr>
-          <p:cNvPr id="2" name="Title 1"/>
+          <p:cNvPr id="10" name="Title 9"/>
           <p:cNvSpPr>
             <a:spLocks noGrp="1"/>
           </p:cNvSpPr>
           <p:nvPr>
             <p:ph type="title"/>
+          </p:nvPr>
+        </p:nvSpPr>
+        <p:spPr/>
+        <p:txBody>
+          <a:bodyPr/>
+          <a:lstStyle/>
+          <a:p>
+            <a:r>
+              <a:rPr lang="ru-RU"/>
+              <a:t>Образец заголовка</a:t>
+            </a:r>
+            <a:endParaRPr lang="en-US" dirty="0"/>
+          </a:p>
+        </p:txBody>
+      </p:sp>
+      <p:sp>
+        <p:nvSpPr>
+          <p:cNvPr id="3" name="Text Placeholder 2"/>
+          <p:cNvSpPr>
+            <a:spLocks noGrp="1"/>
+          </p:cNvSpPr>
+          <p:nvPr>
+            <p:ph type="body" idx="1"/>
           </p:nvPr>
         </p:nvSpPr>
         <p:spPr>
           <a:xfrm>
-            <a:off x="1447191" y="804163"/>
-            <a:ext cx="9607661" cy="1056319"/>
+            <a:off x="1261872" y="1713655"/>
+            <a:ext cx="4480560" cy="731520"/>
           </a:xfrm>
         </p:spPr>
         <p:txBody>
-          <a:bodyPr/>
-          <a:lstStyle/>
-          <a:p>
+          <a:bodyPr anchor="b">
+            <a:normAutofit/>
+          </a:bodyPr>
+          <a:lstStyle>
+            <a:lvl1pPr marL="0" indent="0">
+              <a:spcBef>
+                <a:spcPts val="0"/>
+              </a:spcBef>
+              <a:buNone/>
+              <a:defRPr sz="2000" b="0">
+                <a:solidFill>
+                  <a:schemeClr val="tx2"/>
+                </a:solidFill>
+              </a:defRPr>
+            </a:lvl1pPr>
+            <a:lvl2pPr marL="457200" indent="0">
+              <a:buNone/>
+              <a:defRPr sz="2000" b="1"/>
+            </a:lvl2pPr>
+            <a:lvl3pPr marL="914400" indent="0">
+              <a:buNone/>
+              <a:defRPr sz="1800" b="1"/>
+            </a:lvl3pPr>
+            <a:lvl4pPr marL="1371600" indent="0">
+              <a:buNone/>
+              <a:defRPr sz="1600" b="1"/>
+            </a:lvl4pPr>
+            <a:lvl5pPr marL="1828800" indent="0">
+              <a:buNone/>
+              <a:defRPr sz="1600" b="1"/>
+            </a:lvl5pPr>
+            <a:lvl6pPr marL="2286000" indent="0">
+              <a:buNone/>
+              <a:defRPr sz="1600" b="1"/>
+            </a:lvl6pPr>
+            <a:lvl7pPr marL="2743200" indent="0">
+              <a:buNone/>
+              <a:defRPr sz="1600" b="1"/>
+            </a:lvl7pPr>
+            <a:lvl8pPr marL="3200400" indent="0">
+              <a:buNone/>
+              <a:defRPr sz="1600" b="1"/>
+            </a:lvl8pPr>
+            <a:lvl9pPr marL="3657600" indent="0">
+              <a:buNone/>
+              <a:defRPr sz="1600" b="1"/>
+            </a:lvl9pPr>
+          </a:lstStyle>
+          <a:p>
+            <a:pPr lvl="0"/>
             <a:r>
               <a:rPr lang="ru-RU"/>
-              <a:t>Образец заголовка</a:t>
-            </a:r>
-            <a:endParaRPr lang="en-US" dirty="0"/>
-          </a:p>
-        </p:txBody>
-      </p:sp>
-      <p:sp>
-        <p:nvSpPr>
-          <p:cNvPr id="3" name="Text Placeholder 2"/>
-          <p:cNvSpPr>
-            <a:spLocks noGrp="1"/>
-          </p:cNvSpPr>
-          <p:nvPr>
-            <p:ph type="body" idx="1"/>
+              <a:t>Образец текста</a:t>
+            </a:r>
+          </a:p>
+        </p:txBody>
+      </p:sp>
+      <p:sp>
+        <p:nvSpPr>
+          <p:cNvPr id="4" name="Content Placeholder 3"/>
+          <p:cNvSpPr>
+            <a:spLocks noGrp="1"/>
+          </p:cNvSpPr>
+          <p:nvPr>
+            <p:ph sz="half" idx="2"/>
           </p:nvPr>
         </p:nvSpPr>
         <p:spPr>
           <a:xfrm>
-            <a:off x="1447191" y="2019549"/>
-            <a:ext cx="4645152" cy="801943"/>
+            <a:off x="1261872" y="2507550"/>
+            <a:ext cx="4480560" cy="3664650"/>
+          </a:xfrm>
+        </p:spPr>
+        <p:txBody>
+          <a:bodyPr/>
+          <a:lstStyle>
+            <a:lvl1pPr>
+              <a:defRPr sz="1800"/>
+            </a:lvl1pPr>
+            <a:lvl2pPr>
+              <a:defRPr sz="1600"/>
+            </a:lvl2pPr>
+            <a:lvl3pPr>
+              <a:defRPr sz="1400"/>
+            </a:lvl3pPr>
+            <a:lvl4pPr>
+              <a:defRPr sz="1400"/>
+            </a:lvl4pPr>
+            <a:lvl5pPr>
+              <a:defRPr sz="1400"/>
+            </a:lvl5pPr>
+            <a:lvl6pPr>
+              <a:defRPr sz="1400"/>
+            </a:lvl6pPr>
+            <a:lvl7pPr>
+              <a:defRPr sz="1400"/>
+            </a:lvl7pPr>
+            <a:lvl8pPr>
+              <a:defRPr sz="1400"/>
+            </a:lvl8pPr>
+            <a:lvl9pPr>
+              <a:defRPr sz="1400"/>
+            </a:lvl9pPr>
+          </a:lstStyle>
+          <a:p>
+            <a:pPr lvl="0"/>
+            <a:r>
+              <a:rPr lang="ru-RU"/>
+              <a:t>Образец текста</a:t>
+            </a:r>
+          </a:p>
+          <a:p>
+            <a:pPr lvl="1"/>
+            <a:r>
+              <a:rPr lang="ru-RU"/>
+              <a:t>Второй уровень</a:t>
+            </a:r>
+          </a:p>
+          <a:p>
+            <a:pPr lvl="2"/>
+            <a:r>
+              <a:rPr lang="ru-RU"/>
+              <a:t>Третий уровень</a:t>
+            </a:r>
+          </a:p>
+          <a:p>
+            <a:pPr lvl="3"/>
+            <a:r>
+              <a:rPr lang="ru-RU"/>
+              <a:t>Четвертый уровень</a:t>
+            </a:r>
+          </a:p>
+          <a:p>
+            <a:pPr lvl="4"/>
+            <a:r>
+              <a:rPr lang="ru-RU"/>
+              <a:t>Пятый уровень</a:t>
+            </a:r>
+            <a:endParaRPr lang="en-US" dirty="0"/>
+          </a:p>
+        </p:txBody>
+      </p:sp>
+      <p:sp>
+        <p:nvSpPr>
+          <p:cNvPr id="5" name="Text Placeholder 4"/>
+          <p:cNvSpPr>
+            <a:spLocks noGrp="1"/>
+          </p:cNvSpPr>
+          <p:nvPr>
+            <p:ph type="body" sz="quarter" idx="3"/>
+          </p:nvPr>
+        </p:nvSpPr>
+        <p:spPr>
+          <a:xfrm>
+            <a:off x="6126480" y="1713655"/>
+            <a:ext cx="4480560" cy="731520"/>
           </a:xfrm>
         </p:spPr>
         <p:txBody>
@@ -1614,13 +1754,19 @@
           <a:lstStyle>
             <a:lvl1pPr marL="0" indent="0">
               <a:lnSpc>
-                <a:spcPct val="100000"/>
+                <a:spcPct val="95000"/>
               </a:lnSpc>
-              <a:buNone/>
-              <a:defRPr sz="2200" b="0" cap="all" baseline="0">
+              <a:spcBef>
+                <a:spcPts val="0"/>
+              </a:spcBef>
+              <a:buNone/>
+              <a:defRPr lang="en-US" sz="2000" b="0" kern="1200" dirty="0">
                 <a:solidFill>
-                  <a:schemeClr val="accent1"/>
+                  <a:schemeClr val="tx2"/>
                 </a:solidFill>
+                <a:latin typeface="+mn-lt"/>
+                <a:ea typeface="+mn-ea"/>
+                <a:cs typeface="+mn-cs"/>
               </a:defRPr>
             </a:lvl1pPr>
             <a:lvl2pPr marL="457200" indent="0">
@@ -1657,7 +1803,16 @@
             </a:lvl9pPr>
           </a:lstStyle>
           <a:p>
-            <a:pPr lvl="0"/>
+            <a:pPr marL="0" lvl="0" indent="0" algn="l" defTabSz="914400" rtl="0" eaLnBrk="1" latinLnBrk="0" hangingPunct="1">
+              <a:lnSpc>
+                <a:spcPct val="90000"/>
+              </a:lnSpc>
+              <a:spcBef>
+                <a:spcPts val="2000"/>
+              </a:spcBef>
+              <a:buFontTx/>
+              <a:buNone/>
+            </a:pPr>
             <a:r>
               <a:rPr lang="ru-RU"/>
               <a:t>Образец текста</a:t>
@@ -1667,23 +1822,51 @@
       </p:sp>
       <p:sp>
         <p:nvSpPr>
-          <p:cNvPr id="4" name="Content Placeholder 3"/>
-          <p:cNvSpPr>
-            <a:spLocks noGrp="1"/>
-          </p:cNvSpPr>
-          <p:nvPr>
-            <p:ph sz="half" idx="2"/>
+          <p:cNvPr id="6" name="Content Placeholder 5"/>
+          <p:cNvSpPr>
+            <a:spLocks noGrp="1"/>
+          </p:cNvSpPr>
+          <p:nvPr>
+            <p:ph sz="quarter" idx="4"/>
           </p:nvPr>
         </p:nvSpPr>
         <p:spPr>
           <a:xfrm>
-            <a:off x="1447191" y="2824269"/>
-            <a:ext cx="4645152" cy="2644457"/>
+            <a:off x="6126480" y="2507550"/>
+            <a:ext cx="4480560" cy="3664650"/>
           </a:xfrm>
         </p:spPr>
         <p:txBody>
           <a:bodyPr/>
-          <a:lstStyle/>
+          <a:lstStyle>
+            <a:lvl1pPr>
+              <a:defRPr sz="1800"/>
+            </a:lvl1pPr>
+            <a:lvl2pPr>
+              <a:defRPr sz="1600"/>
+            </a:lvl2pPr>
+            <a:lvl3pPr>
+              <a:defRPr sz="1400"/>
+            </a:lvl3pPr>
+            <a:lvl4pPr>
+              <a:defRPr sz="1400"/>
+            </a:lvl4pPr>
+            <a:lvl5pPr>
+              <a:defRPr sz="1400"/>
+            </a:lvl5pPr>
+            <a:lvl6pPr>
+              <a:defRPr sz="1400"/>
+            </a:lvl6pPr>
+            <a:lvl7pPr>
+              <a:defRPr sz="1400"/>
+            </a:lvl7pPr>
+            <a:lvl8pPr>
+              <a:defRPr sz="1400"/>
+            </a:lvl8pPr>
+            <a:lvl9pPr>
+              <a:defRPr sz="1400"/>
+            </a:lvl9pPr>
+          </a:lstStyle>
           <a:p>
             <a:pPr lvl="0"/>
             <a:r>
@@ -1724,137 +1907,6 @@
       </p:sp>
       <p:sp>
         <p:nvSpPr>
-          <p:cNvPr id="5" name="Text Placeholder 4"/>
-          <p:cNvSpPr>
-            <a:spLocks noGrp="1"/>
-          </p:cNvSpPr>
-          <p:nvPr>
-            <p:ph type="body" sz="quarter" idx="3"/>
-          </p:nvPr>
-        </p:nvSpPr>
-        <p:spPr>
-          <a:xfrm>
-            <a:off x="6412362" y="2023003"/>
-            <a:ext cx="4645152" cy="802237"/>
-          </a:xfrm>
-        </p:spPr>
-        <p:txBody>
-          <a:bodyPr anchor="b">
-            <a:normAutofit/>
-          </a:bodyPr>
-          <a:lstStyle>
-            <a:lvl1pPr marL="0" indent="0">
-              <a:lnSpc>
-                <a:spcPct val="100000"/>
-              </a:lnSpc>
-              <a:buNone/>
-              <a:defRPr sz="2200" b="0" cap="all" baseline="0">
-                <a:solidFill>
-                  <a:schemeClr val="accent1"/>
-                </a:solidFill>
-              </a:defRPr>
-            </a:lvl1pPr>
-            <a:lvl2pPr marL="457200" indent="0">
-              <a:buNone/>
-              <a:defRPr sz="2000" b="1"/>
-            </a:lvl2pPr>
-            <a:lvl3pPr marL="914400" indent="0">
-              <a:buNone/>
-              <a:defRPr sz="1800" b="1"/>
-            </a:lvl3pPr>
-            <a:lvl4pPr marL="1371600" indent="0">
-              <a:buNone/>
-              <a:defRPr sz="1600" b="1"/>
-            </a:lvl4pPr>
-            <a:lvl5pPr marL="1828800" indent="0">
-              <a:buNone/>
-              <a:defRPr sz="1600" b="1"/>
-            </a:lvl5pPr>
-            <a:lvl6pPr marL="2286000" indent="0">
-              <a:buNone/>
-              <a:defRPr sz="1600" b="1"/>
-            </a:lvl6pPr>
-            <a:lvl7pPr marL="2743200" indent="0">
-              <a:buNone/>
-              <a:defRPr sz="1600" b="1"/>
-            </a:lvl7pPr>
-            <a:lvl8pPr marL="3200400" indent="0">
-              <a:buNone/>
-              <a:defRPr sz="1600" b="1"/>
-            </a:lvl8pPr>
-            <a:lvl9pPr marL="3657600" indent="0">
-              <a:buNone/>
-              <a:defRPr sz="1600" b="1"/>
-            </a:lvl9pPr>
-          </a:lstStyle>
-          <a:p>
-            <a:pPr lvl="0"/>
-            <a:r>
-              <a:rPr lang="ru-RU"/>
-              <a:t>Образец текста</a:t>
-            </a:r>
-          </a:p>
-        </p:txBody>
-      </p:sp>
-      <p:sp>
-        <p:nvSpPr>
-          <p:cNvPr id="6" name="Content Placeholder 5"/>
-          <p:cNvSpPr>
-            <a:spLocks noGrp="1"/>
-          </p:cNvSpPr>
-          <p:nvPr>
-            <p:ph sz="quarter" idx="4"/>
-          </p:nvPr>
-        </p:nvSpPr>
-        <p:spPr>
-          <a:xfrm>
-            <a:off x="6412362" y="2821491"/>
-            <a:ext cx="4645152" cy="2637371"/>
-          </a:xfrm>
-        </p:spPr>
-        <p:txBody>
-          <a:bodyPr/>
-          <a:lstStyle/>
-          <a:p>
-            <a:pPr lvl="0"/>
-            <a:r>
-              <a:rPr lang="ru-RU"/>
-              <a:t>Образец текста</a:t>
-            </a:r>
-          </a:p>
-          <a:p>
-            <a:pPr lvl="1"/>
-            <a:r>
-              <a:rPr lang="ru-RU"/>
-              <a:t>Второй уровень</a:t>
-            </a:r>
-          </a:p>
-          <a:p>
-            <a:pPr lvl="2"/>
-            <a:r>
-              <a:rPr lang="ru-RU"/>
-              <a:t>Третий уровень</a:t>
-            </a:r>
-          </a:p>
-          <a:p>
-            <a:pPr lvl="3"/>
-            <a:r>
-              <a:rPr lang="ru-RU"/>
-              <a:t>Четвертый уровень</a:t>
-            </a:r>
-          </a:p>
-          <a:p>
-            <a:pPr lvl="4"/>
-            <a:r>
-              <a:rPr lang="ru-RU"/>
-              <a:t>Пятый уровень</a:t>
-            </a:r>
-            <a:endParaRPr lang="en-US" dirty="0"/>
-          </a:p>
-        </p:txBody>
-      </p:sp>
-      <p:sp>
-        <p:nvSpPr>
           <p:cNvPr id="7" name="Date Placeholder 6"/>
           <p:cNvSpPr>
             <a:spLocks noGrp="1"/>
@@ -1870,7 +1922,7 @@
           <a:p>
             <a:fld id="{48A87A34-81AB-432B-8DAE-1953F412C126}" type="datetimeFigureOut">
               <a:rPr lang="en-US" smtClean="0"/>
-              <a:t>10/14/2021</a:t>
+              <a:t>10/18/2021</a:t>
             </a:fld>
             <a:endParaRPr lang="en-US" dirty="0"/>
           </a:p>
@@ -1918,41 +1970,10 @@
           </a:p>
         </p:txBody>
       </p:sp>
-      <p:cxnSp>
-        <p:nvCxnSpPr>
-          <p:cNvPr id="29" name="Straight Connector 28"/>
-          <p:cNvCxnSpPr/>
-          <p:nvPr/>
-        </p:nvCxnSpPr>
-        <p:spPr>
-          <a:xfrm>
-            <a:off x="1453896" y="1847088"/>
-            <a:ext cx="9607522" cy="0"/>
-          </a:xfrm>
-          <a:prstGeom prst="line">
-            <a:avLst/>
-          </a:prstGeom>
-          <a:ln w="31750"/>
-        </p:spPr>
-        <p:style>
-          <a:lnRef idx="3">
-            <a:schemeClr val="accent1"/>
-          </a:lnRef>
-          <a:fillRef idx="0">
-            <a:schemeClr val="accent1"/>
-          </a:fillRef>
-          <a:effectRef idx="2">
-            <a:schemeClr val="accent1"/>
-          </a:effectRef>
-          <a:fontRef idx="minor">
-            <a:schemeClr val="tx1"/>
-          </a:fontRef>
-        </p:style>
-      </p:cxnSp>
     </p:spTree>
     <p:extLst>
       <p:ext uri="{BB962C8B-B14F-4D97-AF65-F5344CB8AC3E}">
-        <p14:creationId xmlns:p14="http://schemas.microsoft.com/office/powerpoint/2010/main" val="3964525342"/>
+        <p14:creationId xmlns:p14="http://schemas.microsoft.com/office/powerpoint/2010/main" val="2495903150"/>
       </p:ext>
     </p:extLst>
   </p:cSld>
@@ -1981,7 +2002,7 @@
       </p:grpSpPr>
       <p:sp>
         <p:nvSpPr>
-          <p:cNvPr id="2" name="Title 1"/>
+          <p:cNvPr id="6" name="Title 5"/>
           <p:cNvSpPr>
             <a:spLocks noGrp="1"/>
           </p:cNvSpPr>
@@ -2019,7 +2040,7 @@
           <a:p>
             <a:fld id="{48A87A34-81AB-432B-8DAE-1953F412C126}" type="datetimeFigureOut">
               <a:rPr lang="en-US" smtClean="0"/>
-              <a:t>10/14/2021</a:t>
+              <a:t>10/18/2021</a:t>
             </a:fld>
             <a:endParaRPr lang="en-US" dirty="0"/>
           </a:p>
@@ -2067,41 +2088,10 @@
           </a:p>
         </p:txBody>
       </p:sp>
-      <p:cxnSp>
-        <p:nvCxnSpPr>
-          <p:cNvPr id="25" name="Straight Connector 24"/>
-          <p:cNvCxnSpPr/>
-          <p:nvPr/>
-        </p:nvCxnSpPr>
-        <p:spPr>
-          <a:xfrm>
-            <a:off x="1453896" y="1847088"/>
-            <a:ext cx="9607522" cy="0"/>
-          </a:xfrm>
-          <a:prstGeom prst="line">
-            <a:avLst/>
-          </a:prstGeom>
-          <a:ln w="31750"/>
-        </p:spPr>
-        <p:style>
-          <a:lnRef idx="3">
-            <a:schemeClr val="accent1"/>
-          </a:lnRef>
-          <a:fillRef idx="0">
-            <a:schemeClr val="accent1"/>
-          </a:fillRef>
-          <a:effectRef idx="2">
-            <a:schemeClr val="accent1"/>
-          </a:effectRef>
-          <a:fontRef idx="minor">
-            <a:schemeClr val="tx1"/>
-          </a:fontRef>
-        </p:style>
-      </p:cxnSp>
     </p:spTree>
     <p:extLst>
       <p:ext uri="{BB962C8B-B14F-4D97-AF65-F5344CB8AC3E}">
-        <p14:creationId xmlns:p14="http://schemas.microsoft.com/office/powerpoint/2010/main" val="3667724095"/>
+        <p14:creationId xmlns:p14="http://schemas.microsoft.com/office/powerpoint/2010/main" val="955543542"/>
       </p:ext>
     </p:extLst>
   </p:cSld>
@@ -2145,7 +2135,7 @@
           <a:p>
             <a:fld id="{48A87A34-81AB-432B-8DAE-1953F412C126}" type="datetimeFigureOut">
               <a:rPr lang="en-US" smtClean="0"/>
-              <a:t>10/14/2021</a:t>
+              <a:t>10/18/2021</a:t>
             </a:fld>
             <a:endParaRPr lang="en-US" dirty="0"/>
           </a:p>
@@ -2196,7 +2186,7 @@
     </p:spTree>
     <p:extLst>
       <p:ext uri="{BB962C8B-B14F-4D97-AF65-F5344CB8AC3E}">
-        <p14:creationId xmlns:p14="http://schemas.microsoft.com/office/powerpoint/2010/main" val="607134465"/>
+        <p14:creationId xmlns:p14="http://schemas.microsoft.com/office/powerpoint/2010/main" val="2451744497"/>
       </p:ext>
     </p:extLst>
   </p:cSld>
@@ -2235,8 +2225,8 @@
         </p:nvSpPr>
         <p:spPr>
           <a:xfrm>
-            <a:off x="1444671" y="798973"/>
-            <a:ext cx="3273099" cy="2247117"/>
+            <a:off x="841248" y="457200"/>
+            <a:ext cx="3200400" cy="1600197"/>
           </a:xfrm>
         </p:spPr>
         <p:txBody>
@@ -2244,8 +2234,8 @@
             <a:normAutofit/>
           </a:bodyPr>
           <a:lstStyle>
-            <a:lvl1pPr algn="l">
-              <a:defRPr sz="2400"/>
+            <a:lvl1pPr>
+              <a:defRPr sz="3200" b="0" baseline="0"/>
             </a:lvl1pPr>
           </a:lstStyle>
           <a:p>
@@ -2269,13 +2259,41 @@
         </p:nvSpPr>
         <p:spPr>
           <a:xfrm>
-            <a:off x="5043714" y="798974"/>
-            <a:ext cx="6012470" cy="4658826"/>
+            <a:off x="4504267" y="685800"/>
+            <a:ext cx="6079066" cy="5486400"/>
           </a:xfrm>
         </p:spPr>
         <p:txBody>
-          <a:bodyPr anchor="ctr"/>
-          <a:lstStyle/>
+          <a:bodyPr/>
+          <a:lstStyle>
+            <a:lvl1pPr>
+              <a:defRPr sz="2000"/>
+            </a:lvl1pPr>
+            <a:lvl2pPr>
+              <a:defRPr sz="1800"/>
+            </a:lvl2pPr>
+            <a:lvl3pPr>
+              <a:defRPr sz="1600"/>
+            </a:lvl3pPr>
+            <a:lvl4pPr>
+              <a:defRPr sz="1400"/>
+            </a:lvl4pPr>
+            <a:lvl5pPr>
+              <a:defRPr sz="1400"/>
+            </a:lvl5pPr>
+            <a:lvl6pPr>
+              <a:defRPr sz="1400"/>
+            </a:lvl6pPr>
+            <a:lvl7pPr>
+              <a:defRPr sz="1400"/>
+            </a:lvl7pPr>
+            <a:lvl8pPr>
+              <a:defRPr sz="1400"/>
+            </a:lvl8pPr>
+            <a:lvl9pPr>
+              <a:defRPr sz="1400"/>
+            </a:lvl9pPr>
+          </a:lstStyle>
           <a:p>
             <a:pPr lvl="0"/>
             <a:r>
@@ -2326,48 +2344,56 @@
         </p:nvSpPr>
         <p:spPr>
           <a:xfrm>
-            <a:off x="1444671" y="3205491"/>
-            <a:ext cx="3275013" cy="2248181"/>
+            <a:off x="841248" y="2099734"/>
+            <a:ext cx="3200400" cy="3810001"/>
           </a:xfrm>
         </p:spPr>
         <p:txBody>
-          <a:bodyPr/>
+          <a:bodyPr>
+            <a:normAutofit/>
+          </a:bodyPr>
           <a:lstStyle>
-            <a:lvl1pPr marL="0" indent="0" algn="l">
-              <a:buNone/>
-              <a:defRPr sz="1600"/>
+            <a:lvl1pPr marL="0" indent="0">
+              <a:lnSpc>
+                <a:spcPct val="114000"/>
+              </a:lnSpc>
+              <a:spcBef>
+                <a:spcPts val="800"/>
+              </a:spcBef>
+              <a:buNone/>
+              <a:defRPr sz="1300"/>
             </a:lvl1pPr>
             <a:lvl2pPr marL="457200" indent="0">
               <a:buNone/>
-              <a:defRPr sz="1400"/>
+              <a:defRPr sz="1200"/>
             </a:lvl2pPr>
             <a:lvl3pPr marL="914400" indent="0">
               <a:buNone/>
-              <a:defRPr sz="1200"/>
+              <a:defRPr sz="1000"/>
             </a:lvl3pPr>
             <a:lvl4pPr marL="1371600" indent="0">
               <a:buNone/>
-              <a:defRPr sz="1000"/>
+              <a:defRPr sz="900"/>
             </a:lvl4pPr>
             <a:lvl5pPr marL="1828800" indent="0">
               <a:buNone/>
-              <a:defRPr sz="1000"/>
+              <a:defRPr sz="900"/>
             </a:lvl5pPr>
             <a:lvl6pPr marL="2286000" indent="0">
               <a:buNone/>
-              <a:defRPr sz="1000"/>
+              <a:defRPr sz="900"/>
             </a:lvl6pPr>
             <a:lvl7pPr marL="2743200" indent="0">
               <a:buNone/>
-              <a:defRPr sz="1000"/>
+              <a:defRPr sz="900"/>
             </a:lvl7pPr>
             <a:lvl8pPr marL="3200400" indent="0">
               <a:buNone/>
-              <a:defRPr sz="1000"/>
+              <a:defRPr sz="900"/>
             </a:lvl8pPr>
             <a:lvl9pPr marL="3657600" indent="0">
               <a:buNone/>
-              <a:defRPr sz="1000"/>
+              <a:defRPr sz="900"/>
             </a:lvl9pPr>
           </a:lstStyle>
           <a:p>
@@ -2396,7 +2422,7 @@
           <a:p>
             <a:fld id="{48A87A34-81AB-432B-8DAE-1953F412C126}" type="datetimeFigureOut">
               <a:rPr lang="en-US" smtClean="0"/>
-              <a:t>10/14/2021</a:t>
+              <a:t>10/18/2021</a:t>
             </a:fld>
             <a:endParaRPr lang="en-US" dirty="0"/>
           </a:p>
@@ -2444,41 +2470,10 @@
           </a:p>
         </p:txBody>
       </p:sp>
-      <p:cxnSp>
-        <p:nvCxnSpPr>
-          <p:cNvPr id="17" name="Straight Connector 16"/>
-          <p:cNvCxnSpPr/>
-          <p:nvPr/>
-        </p:nvCxnSpPr>
-        <p:spPr>
-          <a:xfrm>
-            <a:off x="1448280" y="3205491"/>
-            <a:ext cx="3269490" cy="0"/>
-          </a:xfrm>
-          <a:prstGeom prst="line">
-            <a:avLst/>
-          </a:prstGeom>
-          <a:ln w="31750"/>
-        </p:spPr>
-        <p:style>
-          <a:lnRef idx="3">
-            <a:schemeClr val="accent1"/>
-          </a:lnRef>
-          <a:fillRef idx="0">
-            <a:schemeClr val="accent1"/>
-          </a:fillRef>
-          <a:effectRef idx="2">
-            <a:schemeClr val="accent1"/>
-          </a:effectRef>
-          <a:fontRef idx="minor">
-            <a:schemeClr val="tx1"/>
-          </a:fontRef>
-        </p:style>
-      </p:cxnSp>
     </p:spTree>
     <p:extLst>
       <p:ext uri="{BB962C8B-B14F-4D97-AF65-F5344CB8AC3E}">
-        <p14:creationId xmlns:p14="http://schemas.microsoft.com/office/powerpoint/2010/main" val="887191472"/>
+        <p14:creationId xmlns:p14="http://schemas.microsoft.com/office/powerpoint/2010/main" val="4285534653"/>
       </p:ext>
     </p:extLst>
   </p:cSld>
@@ -2505,462 +2500,6 @@
           <a:chExt cx="0" cy="0"/>
         </a:xfrm>
       </p:grpSpPr>
-      <p:grpSp>
-        <p:nvGrpSpPr>
-          <p:cNvPr id="8" name="Group 7"/>
-          <p:cNvGrpSpPr/>
-          <p:nvPr/>
-        </p:nvGrpSpPr>
-        <p:grpSpPr>
-          <a:xfrm>
-            <a:off x="7477387" y="482170"/>
-            <a:ext cx="4074533" cy="5149101"/>
-            <a:chOff x="7477387" y="482170"/>
-            <a:chExt cx="4074533" cy="5149101"/>
-          </a:xfrm>
-        </p:grpSpPr>
-        <p:sp>
-          <p:nvSpPr>
-            <p:cNvPr id="18" name="Rectangle 17"/>
-            <p:cNvSpPr/>
-            <p:nvPr/>
-          </p:nvSpPr>
-          <p:spPr bwMode="black">
-            <a:xfrm>
-              <a:off x="7477387" y="482170"/>
-              <a:ext cx="4074533" cy="5149101"/>
-            </a:xfrm>
-            <a:prstGeom prst="rect">
-              <a:avLst/>
-            </a:prstGeom>
-            <a:gradFill>
-              <a:gsLst>
-                <a:gs pos="0">
-                  <a:srgbClr val="000001"/>
-                </a:gs>
-                <a:gs pos="100000">
-                  <a:srgbClr val="191919"/>
-                </a:gs>
-              </a:gsLst>
-            </a:gradFill>
-            <a:ln w="76200" cmpd="sng">
-              <a:noFill/>
-              <a:miter lim="800000"/>
-            </a:ln>
-            <a:effectLst>
-              <a:outerShdw blurRad="127000" dist="228600" dir="4740000" sx="98000" sy="98000" algn="tl" rotWithShape="0">
-                <a:srgbClr val="000000">
-                  <a:alpha val="34000"/>
-                </a:srgbClr>
-              </a:outerShdw>
-            </a:effectLst>
-            <a:scene3d>
-              <a:camera prst="orthographicFront"/>
-              <a:lightRig rig="threePt" dir="t"/>
-            </a:scene3d>
-            <a:sp3d>
-              <a:bevelT w="152400" h="50800" prst="softRound"/>
-            </a:sp3d>
-          </p:spPr>
-          <p:style>
-            <a:lnRef idx="1">
-              <a:schemeClr val="accent1"/>
-            </a:lnRef>
-            <a:fillRef idx="3">
-              <a:schemeClr val="accent1"/>
-            </a:fillRef>
-            <a:effectRef idx="2">
-              <a:schemeClr val="accent1"/>
-            </a:effectRef>
-            <a:fontRef idx="minor">
-              <a:schemeClr val="lt1"/>
-            </a:fontRef>
-          </p:style>
-        </p:sp>
-        <p:sp>
-          <p:nvSpPr>
-            <p:cNvPr id="19" name="Rectangle 18"/>
-            <p:cNvSpPr/>
-            <p:nvPr/>
-          </p:nvSpPr>
-          <p:spPr bwMode="blackWhite">
-            <a:xfrm>
-              <a:off x="7790446" y="812506"/>
-              <a:ext cx="3450289" cy="4466452"/>
-            </a:xfrm>
-            <a:prstGeom prst="rect">
-              <a:avLst/>
-            </a:prstGeom>
-            <a:gradFill>
-              <a:gsLst>
-                <a:gs pos="0">
-                  <a:srgbClr val="DADADA"/>
-                </a:gs>
-                <a:gs pos="100000">
-                  <a:srgbClr val="FFFFFE"/>
-                </a:gs>
-              </a:gsLst>
-              <a:lin ang="16200000" scaled="0"/>
-            </a:gradFill>
-            <a:ln w="50800" cmpd="sng">
-              <a:solidFill>
-                <a:srgbClr val="191919"/>
-              </a:solidFill>
-              <a:miter lim="800000"/>
-            </a:ln>
-            <a:effectLst>
-              <a:innerShdw blurRad="63500" dist="88900" dir="14100000">
-                <a:srgbClr val="000000">
-                  <a:alpha val="30000"/>
-                </a:srgbClr>
-              </a:innerShdw>
-            </a:effectLst>
-            <a:scene3d>
-              <a:camera prst="orthographicFront"/>
-              <a:lightRig rig="threePt" dir="t"/>
-            </a:scene3d>
-            <a:sp3d>
-              <a:bevelT prst="relaxedInset"/>
-            </a:sp3d>
-          </p:spPr>
-          <p:style>
-            <a:lnRef idx="1">
-              <a:schemeClr val="accent1"/>
-            </a:lnRef>
-            <a:fillRef idx="3">
-              <a:schemeClr val="accent1"/>
-            </a:fillRef>
-            <a:effectRef idx="2">
-              <a:schemeClr val="accent1"/>
-            </a:effectRef>
-            <a:fontRef idx="minor">
-              <a:schemeClr val="lt1"/>
-            </a:fontRef>
-          </p:style>
-        </p:sp>
-      </p:grpSp>
-      <p:sp>
-        <p:nvSpPr>
-          <p:cNvPr id="2" name="Title 1"/>
-          <p:cNvSpPr>
-            <a:spLocks noGrp="1"/>
-          </p:cNvSpPr>
-          <p:nvPr>
-            <p:ph type="title"/>
-          </p:nvPr>
-        </p:nvSpPr>
-        <p:spPr>
-          <a:xfrm>
-            <a:off x="1451206" y="1129513"/>
-            <a:ext cx="5532328" cy="1830584"/>
-          </a:xfrm>
-        </p:spPr>
-        <p:txBody>
-          <a:bodyPr anchor="b">
-            <a:normAutofit/>
-          </a:bodyPr>
-          <a:lstStyle>
-            <a:lvl1pPr>
-              <a:defRPr sz="3200"/>
-            </a:lvl1pPr>
-          </a:lstStyle>
-          <a:p>
-            <a:r>
-              <a:rPr lang="ru-RU"/>
-              <a:t>Образец заголовка</a:t>
-            </a:r>
-            <a:endParaRPr lang="en-US" dirty="0"/>
-          </a:p>
-        </p:txBody>
-      </p:sp>
-      <p:sp>
-        <p:nvSpPr>
-          <p:cNvPr id="3" name="Picture Placeholder 2"/>
-          <p:cNvSpPr>
-            <a:spLocks noGrp="1" noChangeAspect="1"/>
-          </p:cNvSpPr>
-          <p:nvPr>
-            <p:ph type="pic" idx="1"/>
-          </p:nvPr>
-        </p:nvSpPr>
-        <p:spPr>
-          <a:xfrm>
-            <a:off x="8124389" y="1122542"/>
-            <a:ext cx="2791171" cy="3866327"/>
-          </a:xfrm>
-          <a:solidFill>
-            <a:schemeClr val="bg1">
-              <a:lumMod val="85000"/>
-            </a:schemeClr>
-          </a:solidFill>
-          <a:ln w="9525" cap="sq">
-            <a:noFill/>
-            <a:miter lim="800000"/>
-          </a:ln>
-          <a:effectLst/>
-        </p:spPr>
-        <p:txBody>
-          <a:bodyPr anchor="t"/>
-          <a:lstStyle>
-            <a:lvl1pPr marL="0" indent="0" algn="ctr">
-              <a:buNone/>
-              <a:defRPr sz="3200"/>
-            </a:lvl1pPr>
-            <a:lvl2pPr marL="457200" indent="0">
-              <a:buNone/>
-              <a:defRPr sz="2800"/>
-            </a:lvl2pPr>
-            <a:lvl3pPr marL="914400" indent="0">
-              <a:buNone/>
-              <a:defRPr sz="2400"/>
-            </a:lvl3pPr>
-            <a:lvl4pPr marL="1371600" indent="0">
-              <a:buNone/>
-              <a:defRPr sz="2000"/>
-            </a:lvl4pPr>
-            <a:lvl5pPr marL="1828800" indent="0">
-              <a:buNone/>
-              <a:defRPr sz="2000"/>
-            </a:lvl5pPr>
-            <a:lvl6pPr marL="2286000" indent="0">
-              <a:buNone/>
-              <a:defRPr sz="2000"/>
-            </a:lvl6pPr>
-            <a:lvl7pPr marL="2743200" indent="0">
-              <a:buNone/>
-              <a:defRPr sz="2000"/>
-            </a:lvl7pPr>
-            <a:lvl8pPr marL="3200400" indent="0">
-              <a:buNone/>
-              <a:defRPr sz="2000"/>
-            </a:lvl8pPr>
-            <a:lvl9pPr marL="3657600" indent="0">
-              <a:buNone/>
-              <a:defRPr sz="2000"/>
-            </a:lvl9pPr>
-          </a:lstStyle>
-          <a:p>
-            <a:r>
-              <a:rPr lang="ru-RU"/>
-              <a:t>Вставка рисунка</a:t>
-            </a:r>
-            <a:endParaRPr lang="en-US" dirty="0"/>
-          </a:p>
-        </p:txBody>
-      </p:sp>
-      <p:sp>
-        <p:nvSpPr>
-          <p:cNvPr id="4" name="Text Placeholder 3"/>
-          <p:cNvSpPr>
-            <a:spLocks noGrp="1"/>
-          </p:cNvSpPr>
-          <p:nvPr>
-            <p:ph type="body" sz="half" idx="2"/>
-          </p:nvPr>
-        </p:nvSpPr>
-        <p:spPr>
-          <a:xfrm>
-            <a:off x="1450329" y="3145992"/>
-            <a:ext cx="5524404" cy="2003742"/>
-          </a:xfrm>
-        </p:spPr>
-        <p:txBody>
-          <a:bodyPr>
-            <a:normAutofit/>
-          </a:bodyPr>
-          <a:lstStyle>
-            <a:lvl1pPr marL="0" indent="0" algn="l">
-              <a:buNone/>
-              <a:defRPr sz="1800"/>
-            </a:lvl1pPr>
-            <a:lvl2pPr marL="457200" indent="0">
-              <a:buNone/>
-              <a:defRPr sz="1400"/>
-            </a:lvl2pPr>
-            <a:lvl3pPr marL="914400" indent="0">
-              <a:buNone/>
-              <a:defRPr sz="1200"/>
-            </a:lvl3pPr>
-            <a:lvl4pPr marL="1371600" indent="0">
-              <a:buNone/>
-              <a:defRPr sz="1000"/>
-            </a:lvl4pPr>
-            <a:lvl5pPr marL="1828800" indent="0">
-              <a:buNone/>
-              <a:defRPr sz="1000"/>
-            </a:lvl5pPr>
-            <a:lvl6pPr marL="2286000" indent="0">
-              <a:buNone/>
-              <a:defRPr sz="1000"/>
-            </a:lvl6pPr>
-            <a:lvl7pPr marL="2743200" indent="0">
-              <a:buNone/>
-              <a:defRPr sz="1000"/>
-            </a:lvl7pPr>
-            <a:lvl8pPr marL="3200400" indent="0">
-              <a:buNone/>
-              <a:defRPr sz="1000"/>
-            </a:lvl8pPr>
-            <a:lvl9pPr marL="3657600" indent="0">
-              <a:buNone/>
-              <a:defRPr sz="1000"/>
-            </a:lvl9pPr>
-          </a:lstStyle>
-          <a:p>
-            <a:pPr lvl="0"/>
-            <a:r>
-              <a:rPr lang="ru-RU"/>
-              <a:t>Образец текста</a:t>
-            </a:r>
-          </a:p>
-        </p:txBody>
-      </p:sp>
-      <p:sp>
-        <p:nvSpPr>
-          <p:cNvPr id="5" name="Date Placeholder 4"/>
-          <p:cNvSpPr>
-            <a:spLocks noGrp="1"/>
-          </p:cNvSpPr>
-          <p:nvPr>
-            <p:ph type="dt" sz="half" idx="10"/>
-          </p:nvPr>
-        </p:nvSpPr>
-        <p:spPr>
-          <a:xfrm>
-            <a:off x="1447382" y="5469856"/>
-            <a:ext cx="5527351" cy="320123"/>
-          </a:xfrm>
-        </p:spPr>
-        <p:txBody>
-          <a:bodyPr/>
-          <a:lstStyle>
-            <a:lvl1pPr algn="l">
-              <a:defRPr/>
-            </a:lvl1pPr>
-          </a:lstStyle>
-          <a:p>
-            <a:fld id="{48A87A34-81AB-432B-8DAE-1953F412C126}" type="datetimeFigureOut">
-              <a:rPr lang="en-US" smtClean="0"/>
-              <a:pPr/>
-              <a:t>10/14/2021</a:t>
-            </a:fld>
-            <a:endParaRPr lang="en-US" dirty="0"/>
-          </a:p>
-        </p:txBody>
-      </p:sp>
-      <p:sp>
-        <p:nvSpPr>
-          <p:cNvPr id="6" name="Footer Placeholder 5"/>
-          <p:cNvSpPr>
-            <a:spLocks noGrp="1"/>
-          </p:cNvSpPr>
-          <p:nvPr>
-            <p:ph type="ftr" sz="quarter" idx="11"/>
-          </p:nvPr>
-        </p:nvSpPr>
-        <p:spPr>
-          <a:xfrm>
-            <a:off x="1447382" y="318640"/>
-            <a:ext cx="5541004" cy="320931"/>
-          </a:xfrm>
-        </p:spPr>
-        <p:txBody>
-          <a:bodyPr/>
-          <a:lstStyle/>
-          <a:p>
-            <a:endParaRPr lang="en-US" dirty="0"/>
-          </a:p>
-        </p:txBody>
-      </p:sp>
-      <p:sp>
-        <p:nvSpPr>
-          <p:cNvPr id="7" name="Slide Number Placeholder 6"/>
-          <p:cNvSpPr>
-            <a:spLocks noGrp="1"/>
-          </p:cNvSpPr>
-          <p:nvPr>
-            <p:ph type="sldNum" sz="quarter" idx="12"/>
-          </p:nvPr>
-        </p:nvSpPr>
-        <p:spPr/>
-        <p:txBody>
-          <a:bodyPr/>
-          <a:lstStyle/>
-          <a:p>
-            <a:fld id="{6D22F896-40B5-4ADD-8801-0D06FADFA095}" type="slidenum">
-              <a:rPr lang="en-US" smtClean="0"/>
-              <a:t>‹#›</a:t>
-            </a:fld>
-            <a:endParaRPr lang="en-US" dirty="0"/>
-          </a:p>
-        </p:txBody>
-      </p:sp>
-      <p:cxnSp>
-        <p:nvCxnSpPr>
-          <p:cNvPr id="31" name="Straight Connector 30"/>
-          <p:cNvCxnSpPr/>
-          <p:nvPr/>
-        </p:nvCxnSpPr>
-        <p:spPr>
-          <a:xfrm>
-            <a:off x="1447382" y="3143605"/>
-            <a:ext cx="5527351" cy="0"/>
-          </a:xfrm>
-          <a:prstGeom prst="line">
-            <a:avLst/>
-          </a:prstGeom>
-          <a:ln w="31750"/>
-        </p:spPr>
-        <p:style>
-          <a:lnRef idx="3">
-            <a:schemeClr val="accent1"/>
-          </a:lnRef>
-          <a:fillRef idx="0">
-            <a:schemeClr val="accent1"/>
-          </a:fillRef>
-          <a:effectRef idx="2">
-            <a:schemeClr val="accent1"/>
-          </a:effectRef>
-          <a:fontRef idx="minor">
-            <a:schemeClr val="tx1"/>
-          </a:fontRef>
-        </p:style>
-      </p:cxnSp>
-    </p:spTree>
-    <p:extLst>
-      <p:ext uri="{BB962C8B-B14F-4D97-AF65-F5344CB8AC3E}">
-        <p14:creationId xmlns:p14="http://schemas.microsoft.com/office/powerpoint/2010/main" val="2079277058"/>
-      </p:ext>
-    </p:extLst>
-  </p:cSld>
-  <p:clrMapOvr>
-    <a:masterClrMapping/>
-  </p:clrMapOvr>
-</p:sldLayout>
-</file>
-
-<file path=ppt/slideMasters/slideMaster1.xml><?xml version="1.0" encoding="utf-8"?>
-<p:sldMaster xmlns:a="http://schemas.openxmlformats.org/drawingml/2006/main" xmlns:r="http://schemas.openxmlformats.org/officeDocument/2006/relationships" xmlns:p="http://schemas.openxmlformats.org/presentationml/2006/main">
-  <p:cSld>
-    <p:bg>
-      <p:bgRef idx="1003">
-        <a:schemeClr val="bg2"/>
-      </p:bgRef>
-    </p:bg>
-    <p:spTree>
-      <p:nvGrpSpPr>
-        <p:cNvPr id="1" name=""/>
-        <p:cNvGrpSpPr/>
-        <p:nvPr/>
-      </p:nvGrpSpPr>
-      <p:grpSpPr>
-        <a:xfrm>
-          <a:off x="0" y="0"/>
-          <a:ext cx="0" cy="0"/>
-          <a:chOff x="0" y="0"/>
-          <a:chExt cx="0" cy="0"/>
-        </a:xfrm>
-      </p:grpSpPr>
       <p:sp>
         <p:nvSpPr>
           <p:cNvPr id="8" name="Rectangle 7"/>
@@ -2969,26 +2508,15 @@
         </p:nvSpPr>
         <p:spPr>
           <a:xfrm>
-            <a:off x="0" y="2019476"/>
-            <a:ext cx="12192000" cy="4105941"/>
+            <a:off x="0" y="5105400"/>
+            <a:ext cx="11292840" cy="1752600"/>
           </a:xfrm>
           <a:prstGeom prst="rect">
             <a:avLst/>
           </a:prstGeom>
-          <a:gradFill flip="none" rotWithShape="1">
-            <a:gsLst>
-              <a:gs pos="0">
-                <a:schemeClr val="bg2">
-                  <a:alpha val="0"/>
-                </a:schemeClr>
-              </a:gs>
-              <a:gs pos="100000">
-                <a:schemeClr val="bg2"/>
-              </a:gs>
-            </a:gsLst>
-            <a:lin ang="5400000" scaled="0"/>
-            <a:tileRect/>
-          </a:gradFill>
+          <a:solidFill>
+            <a:srgbClr val="000000"/>
+          </a:solidFill>
           <a:ln>
             <a:noFill/>
           </a:ln>
@@ -3010,305 +2538,577 @@
           </a:fontRef>
         </p:style>
       </p:sp>
-      <p:pic>
-        <p:nvPicPr>
-          <p:cNvPr id="7" name="Picture 6"/>
-          <p:cNvPicPr>
-            <a:picLocks noChangeAspect="1"/>
-          </p:cNvPicPr>
+      <p:sp>
+        <p:nvSpPr>
+          <p:cNvPr id="2" name="Title 1"/>
+          <p:cNvSpPr>
+            <a:spLocks noGrp="1"/>
+          </p:cNvSpPr>
+          <p:nvPr>
+            <p:ph type="title"/>
+          </p:nvPr>
+        </p:nvSpPr>
+        <p:spPr>
+          <a:xfrm>
+            <a:off x="914400" y="5257800"/>
+            <a:ext cx="9982200" cy="914400"/>
+          </a:xfrm>
+        </p:spPr>
+        <p:txBody>
+          <a:bodyPr anchor="b">
+            <a:normAutofit/>
+          </a:bodyPr>
+          <a:lstStyle>
+            <a:lvl1pPr>
+              <a:defRPr sz="2800" b="0">
+                <a:solidFill>
+                  <a:schemeClr val="bg1"/>
+                </a:solidFill>
+              </a:defRPr>
+            </a:lvl1pPr>
+          </a:lstStyle>
+          <a:p>
+            <a:r>
+              <a:rPr lang="ru-RU"/>
+              <a:t>Образец заголовка</a:t>
+            </a:r>
+            <a:endParaRPr lang="en-US" dirty="0"/>
+          </a:p>
+        </p:txBody>
+      </p:sp>
+      <p:sp>
+        <p:nvSpPr>
+          <p:cNvPr id="3" name="Picture Placeholder 2"/>
+          <p:cNvSpPr>
+            <a:spLocks noGrp="1" noChangeAspect="1"/>
+          </p:cNvSpPr>
+          <p:nvPr>
+            <p:ph type="pic" idx="1"/>
+          </p:nvPr>
+        </p:nvSpPr>
+        <p:spPr>
+          <a:xfrm>
+            <a:off x="0" y="0"/>
+            <a:ext cx="11292840" cy="5128923"/>
+          </a:xfrm>
+          <a:solidFill>
+            <a:schemeClr val="accent1"/>
+          </a:solidFill>
+        </p:spPr>
+        <p:txBody>
+          <a:bodyPr anchor="t"/>
+          <a:lstStyle>
+            <a:lvl1pPr marL="0" indent="0">
+              <a:buNone/>
+              <a:defRPr sz="3200">
+                <a:solidFill>
+                  <a:schemeClr val="bg1"/>
+                </a:solidFill>
+              </a:defRPr>
+            </a:lvl1pPr>
+            <a:lvl2pPr marL="457200" indent="0">
+              <a:buNone/>
+              <a:defRPr sz="2800"/>
+            </a:lvl2pPr>
+            <a:lvl3pPr marL="914400" indent="0">
+              <a:buNone/>
+              <a:defRPr sz="2400"/>
+            </a:lvl3pPr>
+            <a:lvl4pPr marL="1371600" indent="0">
+              <a:buNone/>
+              <a:defRPr sz="2000"/>
+            </a:lvl4pPr>
+            <a:lvl5pPr marL="1828800" indent="0">
+              <a:buNone/>
+              <a:defRPr sz="2000"/>
+            </a:lvl5pPr>
+            <a:lvl6pPr marL="2286000" indent="0">
+              <a:buNone/>
+              <a:defRPr sz="2000"/>
+            </a:lvl6pPr>
+            <a:lvl7pPr marL="2743200" indent="0">
+              <a:buNone/>
+              <a:defRPr sz="2000"/>
+            </a:lvl7pPr>
+            <a:lvl8pPr marL="3200400" indent="0">
+              <a:buNone/>
+              <a:defRPr sz="2000"/>
+            </a:lvl8pPr>
+            <a:lvl9pPr marL="3657600" indent="0">
+              <a:buNone/>
+              <a:defRPr sz="2000"/>
+            </a:lvl9pPr>
+          </a:lstStyle>
+          <a:p>
+            <a:r>
+              <a:rPr lang="ru-RU"/>
+              <a:t>Вставка рисунка</a:t>
+            </a:r>
+            <a:endParaRPr lang="en-US" dirty="0"/>
+          </a:p>
+        </p:txBody>
+      </p:sp>
+      <p:sp>
+        <p:nvSpPr>
+          <p:cNvPr id="4" name="Text Placeholder 3"/>
+          <p:cNvSpPr>
+            <a:spLocks noGrp="1"/>
+          </p:cNvSpPr>
+          <p:nvPr>
+            <p:ph type="body" sz="half" idx="2"/>
+          </p:nvPr>
+        </p:nvSpPr>
+        <p:spPr>
+          <a:xfrm>
+            <a:off x="914400" y="6108589"/>
+            <a:ext cx="9982200" cy="597011"/>
+          </a:xfrm>
+        </p:spPr>
+        <p:txBody>
+          <a:bodyPr>
+            <a:normAutofit/>
+          </a:bodyPr>
+          <a:lstStyle>
+            <a:lvl1pPr marL="0" indent="0">
+              <a:lnSpc>
+                <a:spcPct val="100000"/>
+              </a:lnSpc>
+              <a:spcBef>
+                <a:spcPts val="800"/>
+              </a:spcBef>
+              <a:buNone/>
+              <a:defRPr sz="1300">
+                <a:solidFill>
+                  <a:schemeClr val="bg1">
+                    <a:lumMod val="85000"/>
+                  </a:schemeClr>
+                </a:solidFill>
+              </a:defRPr>
+            </a:lvl1pPr>
+            <a:lvl2pPr marL="457200" indent="0">
+              <a:buNone/>
+              <a:defRPr sz="1200"/>
+            </a:lvl2pPr>
+            <a:lvl3pPr marL="914400" indent="0">
+              <a:buNone/>
+              <a:defRPr sz="1000"/>
+            </a:lvl3pPr>
+            <a:lvl4pPr marL="1371600" indent="0">
+              <a:buNone/>
+              <a:defRPr sz="900"/>
+            </a:lvl4pPr>
+            <a:lvl5pPr marL="1828800" indent="0">
+              <a:buNone/>
+              <a:defRPr sz="900"/>
+            </a:lvl5pPr>
+            <a:lvl6pPr marL="2286000" indent="0">
+              <a:buNone/>
+              <a:defRPr sz="900"/>
+            </a:lvl6pPr>
+            <a:lvl7pPr marL="2743200" indent="0">
+              <a:buNone/>
+              <a:defRPr sz="900"/>
+            </a:lvl7pPr>
+            <a:lvl8pPr marL="3200400" indent="0">
+              <a:buNone/>
+              <a:defRPr sz="900"/>
+            </a:lvl8pPr>
+            <a:lvl9pPr marL="3657600" indent="0">
+              <a:buNone/>
+              <a:defRPr sz="900"/>
+            </a:lvl9pPr>
+          </a:lstStyle>
+          <a:p>
+            <a:pPr lvl="0"/>
+            <a:r>
+              <a:rPr lang="ru-RU"/>
+              <a:t>Образец текста</a:t>
+            </a:r>
+          </a:p>
+        </p:txBody>
+      </p:sp>
+      <p:sp>
+        <p:nvSpPr>
+          <p:cNvPr id="5" name="Date Placeholder 4"/>
+          <p:cNvSpPr>
+            <a:spLocks noGrp="1"/>
+          </p:cNvSpPr>
+          <p:nvPr>
+            <p:ph type="dt" sz="half" idx="10"/>
+          </p:nvPr>
+        </p:nvSpPr>
+        <p:spPr/>
+        <p:txBody>
+          <a:bodyPr/>
+          <a:lstStyle/>
+          <a:p>
+            <a:fld id="{48A87A34-81AB-432B-8DAE-1953F412C126}" type="datetimeFigureOut">
+              <a:rPr lang="en-US" smtClean="0"/>
+              <a:pPr/>
+              <a:t>10/18/2021</a:t>
+            </a:fld>
+            <a:endParaRPr lang="en-US" dirty="0"/>
+          </a:p>
+        </p:txBody>
+      </p:sp>
+      <p:sp>
+        <p:nvSpPr>
+          <p:cNvPr id="6" name="Footer Placeholder 5"/>
+          <p:cNvSpPr>
+            <a:spLocks noGrp="1"/>
+          </p:cNvSpPr>
+          <p:nvPr>
+            <p:ph type="ftr" sz="quarter" idx="11"/>
+          </p:nvPr>
+        </p:nvSpPr>
+        <p:spPr/>
+        <p:txBody>
+          <a:bodyPr/>
+          <a:lstStyle/>
+          <a:p>
+            <a:endParaRPr lang="en-US" dirty="0"/>
+          </a:p>
+        </p:txBody>
+      </p:sp>
+      <p:sp>
+        <p:nvSpPr>
+          <p:cNvPr id="7" name="Slide Number Placeholder 6"/>
+          <p:cNvSpPr>
+            <a:spLocks noGrp="1"/>
+          </p:cNvSpPr>
+          <p:nvPr>
+            <p:ph type="sldNum" sz="quarter" idx="12"/>
+          </p:nvPr>
+        </p:nvSpPr>
+        <p:spPr/>
+        <p:txBody>
+          <a:bodyPr/>
+          <a:lstStyle/>
+          <a:p>
+            <a:fld id="{6D22F896-40B5-4ADD-8801-0D06FADFA095}" type="slidenum">
+              <a:rPr lang="en-US" smtClean="0"/>
+              <a:t>‹#›</a:t>
+            </a:fld>
+            <a:endParaRPr lang="en-US" dirty="0"/>
+          </a:p>
+        </p:txBody>
+      </p:sp>
+    </p:spTree>
+    <p:extLst>
+      <p:ext uri="{BB962C8B-B14F-4D97-AF65-F5344CB8AC3E}">
+        <p14:creationId xmlns:p14="http://schemas.microsoft.com/office/powerpoint/2010/main" val="4183148076"/>
+      </p:ext>
+    </p:extLst>
+  </p:cSld>
+  <p:clrMapOvr>
+    <a:masterClrMapping/>
+  </p:clrMapOvr>
+</p:sldLayout>
+</file>
+
+<file path=ppt/slideMasters/slideMaster1.xml><?xml version="1.0" encoding="utf-8"?>
+<p:sldMaster xmlns:a="http://schemas.openxmlformats.org/drawingml/2006/main" xmlns:r="http://schemas.openxmlformats.org/officeDocument/2006/relationships" xmlns:p="http://schemas.openxmlformats.org/presentationml/2006/main">
+  <p:cSld>
+    <p:bg>
+      <p:bgRef idx="1001">
+        <a:schemeClr val="bg1"/>
+      </p:bgRef>
+    </p:bg>
+    <p:spTree>
+      <p:nvGrpSpPr>
+        <p:cNvPr id="1" name=""/>
+        <p:cNvGrpSpPr/>
+        <p:nvPr/>
+      </p:nvGrpSpPr>
+      <p:grpSpPr>
+        <a:xfrm>
+          <a:off x="0" y="0"/>
+          <a:ext cx="0" cy="0"/>
+          <a:chOff x="0" y="0"/>
+          <a:chExt cx="0" cy="0"/>
+        </a:xfrm>
+      </p:grpSpPr>
+      <p:sp>
+        <p:nvSpPr>
+          <p:cNvPr id="7" name="Rectangle 6"/>
+          <p:cNvSpPr/>
           <p:nvPr/>
-        </p:nvPicPr>
-        <p:blipFill rotWithShape="1">
-          <a:blip r:embed="rId13">
-            <a:extLst>
-              <a:ext uri="{28A0092B-C50C-407E-A947-70E740481C1C}">
-                <a14:useLocalDpi xmlns:a14="http://schemas.microsoft.com/office/drawing/2010/main" val="0"/>
-              </a:ext>
-            </a:extLst>
-          </a:blip>
-          <a:srcRect t="1538" b="-1538"/>
-          <a:stretch/>
-        </p:blipFill>
-        <p:spPr bwMode="black">
+        </p:nvSpPr>
+        <p:spPr>
           <a:xfrm>
-            <a:off x="0" y="6126480"/>
-            <a:ext cx="12192000" cy="742950"/>
+            <a:off x="11292840" y="0"/>
+            <a:ext cx="914400" cy="6858000"/>
           </a:xfrm>
           <a:prstGeom prst="rect">
             <a:avLst/>
           </a:prstGeom>
-        </p:spPr>
-      </p:pic>
-      <p:sp>
-        <p:nvSpPr>
-          <p:cNvPr id="2" name="Title Placeholder 1"/>
-          <p:cNvSpPr>
-            <a:spLocks noGrp="1"/>
-          </p:cNvSpPr>
-          <p:nvPr>
-            <p:ph type="title"/>
-          </p:nvPr>
-        </p:nvSpPr>
-        <p:spPr>
-          <a:xfrm>
-            <a:off x="1451579" y="804519"/>
-            <a:ext cx="9603275" cy="1049235"/>
-          </a:xfrm>
-          <a:prstGeom prst="rect">
-            <a:avLst/>
-          </a:prstGeom>
-        </p:spPr>
-        <p:txBody>
-          <a:bodyPr vert="horz" lIns="91440" tIns="45720" rIns="91440" bIns="45720" rtlCol="0" anchor="t">
-            <a:normAutofit/>
-          </a:bodyPr>
-          <a:lstStyle/>
-          <a:p>
-            <a:r>
-              <a:rPr lang="ru-RU"/>
-              <a:t>Образец заголовка</a:t>
-            </a:r>
-            <a:endParaRPr lang="en-US" dirty="0"/>
-          </a:p>
-        </p:txBody>
-      </p:sp>
-      <p:sp>
-        <p:nvSpPr>
-          <p:cNvPr id="3" name="Text Placeholder 2"/>
-          <p:cNvSpPr>
-            <a:spLocks noGrp="1"/>
-          </p:cNvSpPr>
-          <p:nvPr>
-            <p:ph type="body" idx="1"/>
-          </p:nvPr>
-        </p:nvSpPr>
-        <p:spPr>
-          <a:xfrm>
-            <a:off x="1451579" y="2015732"/>
-            <a:ext cx="9603275" cy="3450613"/>
-          </a:xfrm>
-          <a:prstGeom prst="rect">
-            <a:avLst/>
-          </a:prstGeom>
-        </p:spPr>
-        <p:txBody>
-          <a:bodyPr vert="horz" lIns="91440" tIns="45720" rIns="91440" bIns="45720" rtlCol="0">
-            <a:normAutofit/>
-          </a:bodyPr>
-          <a:lstStyle/>
-          <a:p>
-            <a:pPr lvl="0"/>
-            <a:r>
-              <a:rPr lang="en-US" dirty="0"/>
-              <a:t>Edit Master text styles</a:t>
-            </a:r>
-          </a:p>
-          <a:p>
-            <a:pPr lvl="1"/>
-            <a:r>
-              <a:rPr lang="en-US" dirty="0"/>
-              <a:t>Second level</a:t>
-            </a:r>
-          </a:p>
-          <a:p>
-            <a:pPr lvl="2"/>
-            <a:r>
-              <a:rPr lang="en-US" dirty="0"/>
-              <a:t>Third level</a:t>
-            </a:r>
-          </a:p>
-          <a:p>
-            <a:pPr lvl="3"/>
-            <a:r>
-              <a:rPr lang="en-US" dirty="0"/>
-              <a:t>Fourth level</a:t>
-            </a:r>
-          </a:p>
-          <a:p>
-            <a:pPr lvl="4"/>
-            <a:r>
-              <a:rPr lang="en-US" dirty="0"/>
-              <a:t>Fifth level</a:t>
-            </a:r>
-          </a:p>
-        </p:txBody>
-      </p:sp>
-      <p:sp>
-        <p:nvSpPr>
-          <p:cNvPr id="4" name="Date Placeholder 3"/>
-          <p:cNvSpPr>
-            <a:spLocks noGrp="1"/>
-          </p:cNvSpPr>
-          <p:nvPr>
-            <p:ph type="dt" sz="half" idx="2"/>
-          </p:nvPr>
-        </p:nvSpPr>
-        <p:spPr>
-          <a:xfrm>
-            <a:off x="7554138" y="330370"/>
-            <a:ext cx="3500715" cy="309201"/>
-          </a:xfrm>
-          <a:prstGeom prst="rect">
-            <a:avLst/>
-          </a:prstGeom>
-        </p:spPr>
-        <p:txBody>
-          <a:bodyPr vert="horz" lIns="91440" tIns="45720" rIns="91440" bIns="45720" rtlCol="0" anchor="ctr"/>
-          <a:lstStyle>
-            <a:lvl1pPr algn="r">
-              <a:defRPr sz="1000">
-                <a:solidFill>
-                  <a:schemeClr val="tx1">
-                    <a:tint val="75000"/>
-                  </a:schemeClr>
-                </a:solidFill>
-              </a:defRPr>
-            </a:lvl1pPr>
-          </a:lstStyle>
-          <a:p>
-            <a:fld id="{48A87A34-81AB-432B-8DAE-1953F412C126}" type="datetimeFigureOut">
-              <a:rPr lang="en-US" smtClean="0"/>
-              <a:pPr/>
-              <a:t>10/14/2021</a:t>
-            </a:fld>
-            <a:endParaRPr lang="en-US" dirty="0"/>
-          </a:p>
-        </p:txBody>
-      </p:sp>
-      <p:sp>
-        <p:nvSpPr>
-          <p:cNvPr id="5" name="Footer Placeholder 4"/>
-          <p:cNvSpPr>
-            <a:spLocks noGrp="1"/>
-          </p:cNvSpPr>
-          <p:nvPr>
-            <p:ph type="ftr" sz="quarter" idx="3"/>
-          </p:nvPr>
-        </p:nvSpPr>
-        <p:spPr>
-          <a:xfrm>
-            <a:off x="1451579" y="329307"/>
-            <a:ext cx="5938836" cy="309201"/>
-          </a:xfrm>
-          <a:prstGeom prst="rect">
-            <a:avLst/>
-          </a:prstGeom>
-        </p:spPr>
-        <p:txBody>
-          <a:bodyPr vert="horz" lIns="91440" tIns="45720" rIns="91440" bIns="45720" rtlCol="0" anchor="ctr"/>
-          <a:lstStyle>
-            <a:lvl1pPr algn="l">
-              <a:defRPr sz="1000">
-                <a:solidFill>
-                  <a:schemeClr val="tx1">
-                    <a:tint val="75000"/>
-                  </a:schemeClr>
-                </a:solidFill>
-              </a:defRPr>
-            </a:lvl1pPr>
-          </a:lstStyle>
-          <a:p>
-            <a:endParaRPr lang="en-US" dirty="0"/>
-          </a:p>
-        </p:txBody>
-      </p:sp>
-      <p:sp>
-        <p:nvSpPr>
-          <p:cNvPr id="6" name="Slide Number Placeholder 5"/>
-          <p:cNvSpPr>
-            <a:spLocks noGrp="1"/>
-          </p:cNvSpPr>
-          <p:nvPr>
-            <p:ph type="sldNum" sz="quarter" idx="4"/>
-          </p:nvPr>
-        </p:nvSpPr>
-        <p:spPr>
-          <a:xfrm>
-            <a:off x="480060" y="798973"/>
-            <a:ext cx="811019" cy="503578"/>
-          </a:xfrm>
-          <a:prstGeom prst="rect">
-            <a:avLst/>
-          </a:prstGeom>
-        </p:spPr>
-        <p:txBody>
-          <a:bodyPr vert="horz" lIns="91440" tIns="45720" rIns="91440" bIns="45720" rtlCol="0" anchor="t"/>
-          <a:lstStyle>
-            <a:lvl1pPr algn="r">
-              <a:defRPr sz="2800">
-                <a:solidFill>
-                  <a:schemeClr val="accent1"/>
-                </a:solidFill>
-              </a:defRPr>
-            </a:lvl1pPr>
-          </a:lstStyle>
-          <a:p>
-            <a:fld id="{6D22F896-40B5-4ADD-8801-0D06FADFA095}" type="slidenum">
-              <a:rPr lang="en-US" smtClean="0"/>
-              <a:pPr/>
-              <a:t>‹#›</a:t>
-            </a:fld>
-            <a:endParaRPr lang="en-US" dirty="0"/>
-          </a:p>
-        </p:txBody>
-      </p:sp>
-      <p:cxnSp>
-        <p:nvCxnSpPr>
-          <p:cNvPr id="10" name="Straight Connector 9"/>
-          <p:cNvCxnSpPr/>
-          <p:nvPr/>
-        </p:nvCxnSpPr>
-        <p:spPr>
-          <a:xfrm>
-            <a:off x="0" y="6128413"/>
-            <a:ext cx="12192000" cy="0"/>
-          </a:xfrm>
-          <a:prstGeom prst="line">
-            <a:avLst/>
-          </a:prstGeom>
-          <a:ln w="12700">
-            <a:solidFill>
-              <a:srgbClr val="000001">
-                <a:alpha val="20000"/>
-              </a:srgbClr>
-            </a:solidFill>
+          <a:solidFill>
+            <a:schemeClr val="tx2">
+              <a:lumMod val="75000"/>
+            </a:schemeClr>
+          </a:solidFill>
+          <a:ln>
+            <a:noFill/>
           </a:ln>
         </p:spPr>
         <p:style>
-          <a:lnRef idx="1">
-            <a:schemeClr val="accent1"/>
+          <a:lnRef idx="2">
+            <a:schemeClr val="accent1">
+              <a:shade val="50000"/>
+            </a:schemeClr>
           </a:lnRef>
-          <a:fillRef idx="0">
+          <a:fillRef idx="1">
             <a:schemeClr val="accent1"/>
           </a:fillRef>
           <a:effectRef idx="0">
             <a:schemeClr val="accent1"/>
           </a:effectRef>
           <a:fontRef idx="minor">
-            <a:schemeClr val="tx1"/>
+            <a:schemeClr val="lt1"/>
           </a:fontRef>
         </p:style>
-      </p:cxnSp>
+      </p:sp>
+      <p:sp>
+        <p:nvSpPr>
+          <p:cNvPr id="2" name="Title Placeholder 1"/>
+          <p:cNvSpPr>
+            <a:spLocks noGrp="1"/>
+          </p:cNvSpPr>
+          <p:nvPr>
+            <p:ph type="title"/>
+          </p:nvPr>
+        </p:nvSpPr>
+        <p:spPr>
+          <a:xfrm>
+            <a:off x="1261872" y="365760"/>
+            <a:ext cx="9692640" cy="1325562"/>
+          </a:xfrm>
+          <a:prstGeom prst="rect">
+            <a:avLst/>
+          </a:prstGeom>
+        </p:spPr>
+        <p:txBody>
+          <a:bodyPr vert="horz" lIns="91440" tIns="45720" rIns="91440" bIns="45720" rtlCol="0" anchor="b">
+            <a:normAutofit/>
+          </a:bodyPr>
+          <a:lstStyle/>
+          <a:p>
+            <a:r>
+              <a:rPr lang="ru-RU"/>
+              <a:t>Образец заголовка</a:t>
+            </a:r>
+            <a:endParaRPr lang="en-US" dirty="0"/>
+          </a:p>
+        </p:txBody>
+      </p:sp>
+      <p:sp>
+        <p:nvSpPr>
+          <p:cNvPr id="3" name="Text Placeholder 2"/>
+          <p:cNvSpPr>
+            <a:spLocks noGrp="1"/>
+          </p:cNvSpPr>
+          <p:nvPr>
+            <p:ph type="body" idx="1"/>
+          </p:nvPr>
+        </p:nvSpPr>
+        <p:spPr>
+          <a:xfrm>
+            <a:off x="1261872" y="1828800"/>
+            <a:ext cx="8595360" cy="4351337"/>
+          </a:xfrm>
+          <a:prstGeom prst="rect">
+            <a:avLst/>
+          </a:prstGeom>
+        </p:spPr>
+        <p:txBody>
+          <a:bodyPr vert="horz" lIns="91440" tIns="45720" rIns="91440" bIns="45720" rtlCol="0">
+            <a:normAutofit/>
+          </a:bodyPr>
+          <a:lstStyle/>
+          <a:p>
+            <a:pPr lvl="0"/>
+            <a:r>
+              <a:rPr lang="ru-RU"/>
+              <a:t>Образец текста</a:t>
+            </a:r>
+          </a:p>
+          <a:p>
+            <a:pPr lvl="1"/>
+            <a:r>
+              <a:rPr lang="ru-RU"/>
+              <a:t>Второй уровень</a:t>
+            </a:r>
+          </a:p>
+          <a:p>
+            <a:pPr lvl="2"/>
+            <a:r>
+              <a:rPr lang="ru-RU"/>
+              <a:t>Третий уровень</a:t>
+            </a:r>
+          </a:p>
+          <a:p>
+            <a:pPr lvl="3"/>
+            <a:r>
+              <a:rPr lang="ru-RU"/>
+              <a:t>Четвертый уровень</a:t>
+            </a:r>
+          </a:p>
+          <a:p>
+            <a:pPr lvl="4"/>
+            <a:r>
+              <a:rPr lang="ru-RU"/>
+              <a:t>Пятый уровень</a:t>
+            </a:r>
+            <a:endParaRPr lang="en-US" dirty="0"/>
+          </a:p>
+        </p:txBody>
+      </p:sp>
+      <p:sp>
+        <p:nvSpPr>
+          <p:cNvPr id="4" name="Date Placeholder 3"/>
+          <p:cNvSpPr>
+            <a:spLocks noGrp="1"/>
+          </p:cNvSpPr>
+          <p:nvPr>
+            <p:ph type="dt" sz="half" idx="2"/>
+          </p:nvPr>
+        </p:nvSpPr>
+        <p:spPr>
+          <a:xfrm rot="16200000">
+            <a:off x="10797542" y="998537"/>
+            <a:ext cx="1904999" cy="365125"/>
+          </a:xfrm>
+          <a:prstGeom prst="rect">
+            <a:avLst/>
+          </a:prstGeom>
+        </p:spPr>
+        <p:txBody>
+          <a:bodyPr vert="horz" lIns="91440" tIns="45720" rIns="91440" bIns="45720" rtlCol="0" anchor="ctr"/>
+          <a:lstStyle>
+            <a:lvl1pPr algn="r">
+              <a:defRPr sz="1050" b="0">
+                <a:solidFill>
+                  <a:schemeClr val="tx2">
+                    <a:lumMod val="20000"/>
+                    <a:lumOff val="80000"/>
+                  </a:schemeClr>
+                </a:solidFill>
+              </a:defRPr>
+            </a:lvl1pPr>
+          </a:lstStyle>
+          <a:p>
+            <a:fld id="{48A87A34-81AB-432B-8DAE-1953F412C126}" type="datetimeFigureOut">
+              <a:rPr lang="en-US" smtClean="0"/>
+              <a:pPr/>
+              <a:t>10/18/2021</a:t>
+            </a:fld>
+            <a:endParaRPr lang="en-US" dirty="0"/>
+          </a:p>
+        </p:txBody>
+      </p:sp>
+      <p:sp>
+        <p:nvSpPr>
+          <p:cNvPr id="5" name="Footer Placeholder 4"/>
+          <p:cNvSpPr>
+            <a:spLocks noGrp="1"/>
+          </p:cNvSpPr>
+          <p:nvPr>
+            <p:ph type="ftr" sz="quarter" idx="3"/>
+          </p:nvPr>
+        </p:nvSpPr>
+        <p:spPr>
+          <a:xfrm rot="16200000">
+            <a:off x="9959341" y="4046537"/>
+            <a:ext cx="3581400" cy="365125"/>
+          </a:xfrm>
+          <a:prstGeom prst="rect">
+            <a:avLst/>
+          </a:prstGeom>
+        </p:spPr>
+        <p:txBody>
+          <a:bodyPr vert="horz" lIns="91440" tIns="45720" rIns="91440" bIns="45720" rtlCol="0" anchor="ctr"/>
+          <a:lstStyle>
+            <a:lvl1pPr algn="l">
+              <a:defRPr sz="1050">
+                <a:solidFill>
+                  <a:schemeClr val="tx2">
+                    <a:lumMod val="20000"/>
+                    <a:lumOff val="80000"/>
+                  </a:schemeClr>
+                </a:solidFill>
+              </a:defRPr>
+            </a:lvl1pPr>
+          </a:lstStyle>
+          <a:p>
+            <a:endParaRPr lang="en-US" dirty="0"/>
+          </a:p>
+        </p:txBody>
+      </p:sp>
+      <p:sp>
+        <p:nvSpPr>
+          <p:cNvPr id="6" name="Slide Number Placeholder 5"/>
+          <p:cNvSpPr>
+            <a:spLocks noGrp="1"/>
+          </p:cNvSpPr>
+          <p:nvPr>
+            <p:ph type="sldNum" sz="quarter" idx="4"/>
+          </p:nvPr>
+        </p:nvSpPr>
+        <p:spPr>
+          <a:xfrm>
+            <a:off x="11292840" y="6172200"/>
+            <a:ext cx="914400" cy="593725"/>
+          </a:xfrm>
+          <a:prstGeom prst="rect">
+            <a:avLst/>
+          </a:prstGeom>
+        </p:spPr>
+        <p:txBody>
+          <a:bodyPr vert="horz" lIns="45720" tIns="45720" rIns="45720" bIns="45720" rtlCol="0" anchor="ctr">
+            <a:normAutofit/>
+          </a:bodyPr>
+          <a:lstStyle>
+            <a:lvl1pPr algn="ctr">
+              <a:defRPr sz="3600">
+                <a:solidFill>
+                  <a:schemeClr val="tx2">
+                    <a:lumMod val="60000"/>
+                    <a:lumOff val="40000"/>
+                  </a:schemeClr>
+                </a:solidFill>
+              </a:defRPr>
+            </a:lvl1pPr>
+          </a:lstStyle>
+          <a:p>
+            <a:fld id="{6D22F896-40B5-4ADD-8801-0D06FADFA095}" type="slidenum">
+              <a:rPr lang="en-US" smtClean="0"/>
+              <a:pPr/>
+              <a:t>‹#›</a:t>
+            </a:fld>
+            <a:endParaRPr lang="en-US" dirty="0"/>
+          </a:p>
+        </p:txBody>
+      </p:sp>
     </p:spTree>
     <p:extLst>
       <p:ext uri="{BB962C8B-B14F-4D97-AF65-F5344CB8AC3E}">
-        <p14:creationId xmlns:p14="http://schemas.microsoft.com/office/powerpoint/2010/main" val="1113851009"/>
+        <p14:creationId xmlns:p14="http://schemas.microsoft.com/office/powerpoint/2010/main" val="3955081793"/>
       </p:ext>
     </p:extLst>
   </p:cSld>
   <p:clrMap bg1="lt1" tx1="dk1" bg2="lt2" tx2="dk2" accent1="accent1" accent2="accent2" accent3="accent3" accent4="accent4" accent5="accent5" accent6="accent6" hlink="hlink" folHlink="folHlink"/>
   <p:sldLayoutIdLst>
-    <p:sldLayoutId id="2147483661" r:id="rId1"/>
-    <p:sldLayoutId id="2147483662" r:id="rId2"/>
-    <p:sldLayoutId id="2147483663" r:id="rId3"/>
-    <p:sldLayoutId id="2147483664" r:id="rId4"/>
-    <p:sldLayoutId id="2147483665" r:id="rId5"/>
-    <p:sldLayoutId id="2147483666" r:id="rId6"/>
-    <p:sldLayoutId id="2147483667" r:id="rId7"/>
-    <p:sldLayoutId id="2147483668" r:id="rId8"/>
-    <p:sldLayoutId id="2147483669" r:id="rId9"/>
-    <p:sldLayoutId id="2147483670" r:id="rId10"/>
-    <p:sldLayoutId id="2147483671" r:id="rId11"/>
+    <p:sldLayoutId id="2147483869" r:id="rId1"/>
+    <p:sldLayoutId id="2147483870" r:id="rId2"/>
+    <p:sldLayoutId id="2147483871" r:id="rId3"/>
+    <p:sldLayoutId id="2147483872" r:id="rId4"/>
+    <p:sldLayoutId id="2147483873" r:id="rId5"/>
+    <p:sldLayoutId id="2147483874" r:id="rId6"/>
+    <p:sldLayoutId id="2147483875" r:id="rId7"/>
+    <p:sldLayoutId id="2147483876" r:id="rId8"/>
+    <p:sldLayoutId id="2147483877" r:id="rId9"/>
+    <p:sldLayoutId id="2147483878" r:id="rId10"/>
+    <p:sldLayoutId id="2147483879" r:id="rId11"/>
   </p:sldLayoutIdLst>
   <p:txStyles>
     <p:titleStyle>
@@ -3320,11 +3120,10 @@
           <a:spcPct val="0"/>
         </a:spcBef>
         <a:buNone/>
-        <a:defRPr sz="3200" b="0" i="0" kern="1200" cap="all">
+        <a:defRPr sz="4400" kern="1200" spc="-50" baseline="0">
           <a:solidFill>
             <a:schemeClr val="tx1"/>
           </a:solidFill>
-          <a:effectLst/>
           <a:latin typeface="+mj-lt"/>
           <a:ea typeface="+mj-ea"/>
           <a:cs typeface="+mj-cs"/>
@@ -3332,208 +3131,242 @@
       </a:lvl1pPr>
     </p:titleStyle>
     <p:bodyStyle>
-      <a:lvl1pPr marL="228600" indent="-228600" algn="l" defTabSz="914400" rtl="0" eaLnBrk="1" latinLnBrk="0" hangingPunct="1">
+      <a:lvl1pPr marL="182880" indent="-182880" algn="l" defTabSz="914400" rtl="0" eaLnBrk="1" latinLnBrk="0" hangingPunct="1">
         <a:lnSpc>
-          <a:spcPct val="120000"/>
+          <a:spcPct val="95000"/>
         </a:lnSpc>
         <a:spcBef>
-          <a:spcPts val="1000"/>
+          <a:spcPts val="1400"/>
         </a:spcBef>
+        <a:spcAft>
+          <a:spcPts val="200"/>
+        </a:spcAft>
         <a:buClr>
           <a:schemeClr val="accent1"/>
         </a:buClr>
-        <a:buSzPct val="100000"/>
-        <a:buFont typeface="Arial" panose="020B0604020202020204" pitchFamily="34" charset="0"/>
+        <a:buSzPct val="80000"/>
+        <a:buFont typeface="Arial" pitchFamily="34" charset="0"/>
         <a:buChar char="•"/>
-        <a:defRPr sz="2000" kern="1200">
+        <a:defRPr sz="1800" kern="1200" spc="10" baseline="0">
           <a:solidFill>
             <a:schemeClr val="tx1"/>
           </a:solidFill>
-          <a:effectLst/>
           <a:latin typeface="+mn-lt"/>
           <a:ea typeface="+mn-ea"/>
           <a:cs typeface="+mn-cs"/>
         </a:defRPr>
       </a:lvl1pPr>
-      <a:lvl2pPr marL="685800" indent="-228600" algn="l" defTabSz="914400" rtl="0" eaLnBrk="1" latinLnBrk="0" hangingPunct="1">
+      <a:lvl2pPr marL="457200" indent="-182880" algn="l" defTabSz="914400" rtl="0" eaLnBrk="1" latinLnBrk="0" hangingPunct="1">
         <a:lnSpc>
-          <a:spcPct val="120000"/>
+          <a:spcPct val="90000"/>
         </a:lnSpc>
         <a:spcBef>
-          <a:spcPts val="500"/>
+          <a:spcPts val="300"/>
         </a:spcBef>
+        <a:spcAft>
+          <a:spcPts val="300"/>
+        </a:spcAft>
         <a:buClr>
           <a:schemeClr val="accent1"/>
         </a:buClr>
-        <a:buSzPct val="100000"/>
-        <a:buFont typeface="Arial" panose="020B0604020202020204" pitchFamily="34" charset="0"/>
-        <a:buChar char="•"/>
-        <a:defRPr sz="1800" kern="1200" cap="none" baseline="0">
+        <a:buFont typeface="Wingdings 2" pitchFamily="18" charset="2"/>
+        <a:buChar char=""/>
+        <a:defRPr sz="1600" kern="1200">
           <a:solidFill>
-            <a:schemeClr val="tx1"/>
+            <a:schemeClr val="tx1">
+              <a:lumMod val="85000"/>
+              <a:lumOff val="15000"/>
+            </a:schemeClr>
           </a:solidFill>
-          <a:effectLst/>
           <a:latin typeface="+mn-lt"/>
           <a:ea typeface="+mn-ea"/>
           <a:cs typeface="+mn-cs"/>
         </a:defRPr>
       </a:lvl2pPr>
-      <a:lvl3pPr marL="1143000" indent="-228600" algn="l" defTabSz="914400" rtl="0" eaLnBrk="1" latinLnBrk="0" hangingPunct="1">
+      <a:lvl3pPr marL="731520" indent="-182880" algn="l" defTabSz="914400" rtl="0" eaLnBrk="1" latinLnBrk="0" hangingPunct="1">
         <a:lnSpc>
-          <a:spcPct val="120000"/>
+          <a:spcPct val="90000"/>
         </a:lnSpc>
         <a:spcBef>
-          <a:spcPts val="500"/>
+          <a:spcPts val="300"/>
         </a:spcBef>
+        <a:spcAft>
+          <a:spcPts val="300"/>
+        </a:spcAft>
         <a:buClr>
           <a:schemeClr val="accent1"/>
         </a:buClr>
-        <a:buSzPct val="100000"/>
-        <a:buFont typeface="Arial" panose="020B0604020202020204" pitchFamily="34" charset="0"/>
-        <a:buChar char="•"/>
-        <a:defRPr sz="1600" kern="1200">
+        <a:buFont typeface="Wingdings 2" pitchFamily="18" charset="2"/>
+        <a:buChar char=""/>
+        <a:defRPr sz="1400" kern="1200">
           <a:solidFill>
-            <a:schemeClr val="tx1"/>
+            <a:schemeClr val="tx1">
+              <a:lumMod val="85000"/>
+              <a:lumOff val="15000"/>
+            </a:schemeClr>
           </a:solidFill>
-          <a:effectLst/>
           <a:latin typeface="+mn-lt"/>
           <a:ea typeface="+mn-ea"/>
           <a:cs typeface="+mn-cs"/>
         </a:defRPr>
       </a:lvl3pPr>
-      <a:lvl4pPr marL="1600200" indent="-228600" algn="l" defTabSz="914400" rtl="0" eaLnBrk="1" latinLnBrk="0" hangingPunct="1">
+      <a:lvl4pPr marL="1005840" indent="-182880" algn="l" defTabSz="914400" rtl="0" eaLnBrk="1" latinLnBrk="0" hangingPunct="1">
         <a:lnSpc>
-          <a:spcPct val="120000"/>
+          <a:spcPct val="90000"/>
         </a:lnSpc>
         <a:spcBef>
-          <a:spcPts val="500"/>
+          <a:spcPts val="300"/>
         </a:spcBef>
+        <a:spcAft>
+          <a:spcPts val="300"/>
+        </a:spcAft>
         <a:buClr>
           <a:schemeClr val="accent1"/>
         </a:buClr>
-        <a:buSzPct val="100000"/>
-        <a:buFont typeface="Arial" panose="020B0604020202020204" pitchFamily="34" charset="0"/>
-        <a:buChar char="•"/>
-        <a:defRPr sz="1400" kern="1200" cap="none" baseline="0">
+        <a:buFont typeface="Wingdings 2" pitchFamily="18" charset="2"/>
+        <a:buChar char=""/>
+        <a:defRPr sz="1400" kern="1200">
           <a:solidFill>
-            <a:schemeClr val="tx1"/>
+            <a:schemeClr val="tx1">
+              <a:lumMod val="85000"/>
+              <a:lumOff val="15000"/>
+            </a:schemeClr>
           </a:solidFill>
-          <a:effectLst/>
           <a:latin typeface="+mn-lt"/>
           <a:ea typeface="+mn-ea"/>
           <a:cs typeface="+mn-cs"/>
         </a:defRPr>
       </a:lvl4pPr>
-      <a:lvl5pPr marL="2057400" indent="-228600" algn="l" defTabSz="914400" rtl="0" eaLnBrk="1" latinLnBrk="0" hangingPunct="1">
+      <a:lvl5pPr marL="1280160" indent="-182880" algn="l" defTabSz="914400" rtl="0" eaLnBrk="1" latinLnBrk="0" hangingPunct="1">
         <a:lnSpc>
-          <a:spcPct val="120000"/>
+          <a:spcPct val="90000"/>
         </a:lnSpc>
         <a:spcBef>
-          <a:spcPts val="500"/>
+          <a:spcPts val="300"/>
         </a:spcBef>
+        <a:spcAft>
+          <a:spcPts val="300"/>
+        </a:spcAft>
         <a:buClr>
           <a:schemeClr val="accent1"/>
         </a:buClr>
-        <a:buSzPct val="100000"/>
-        <a:buFont typeface="Arial" panose="020B0604020202020204" pitchFamily="34" charset="0"/>
-        <a:buChar char="•"/>
-        <a:defRPr sz="1200" kern="1200">
+        <a:buFont typeface="Wingdings 2" pitchFamily="18" charset="2"/>
+        <a:buChar char=""/>
+        <a:defRPr sz="1400" kern="1200">
           <a:solidFill>
-            <a:schemeClr val="tx1"/>
+            <a:schemeClr val="tx1">
+              <a:lumMod val="85000"/>
+              <a:lumOff val="15000"/>
+            </a:schemeClr>
           </a:solidFill>
-          <a:effectLst/>
           <a:latin typeface="+mn-lt"/>
           <a:ea typeface="+mn-ea"/>
           <a:cs typeface="+mn-cs"/>
         </a:defRPr>
       </a:lvl5pPr>
-      <a:lvl6pPr marL="2514600" indent="-228600" algn="l" defTabSz="914400" rtl="0" eaLnBrk="1" latinLnBrk="0" hangingPunct="1">
+      <a:lvl6pPr marL="1600000" indent="-228600" algn="l" defTabSz="914400" rtl="0" eaLnBrk="1" latinLnBrk="0" hangingPunct="1">
         <a:lnSpc>
-          <a:spcPct val="120000"/>
+          <a:spcPct val="90000"/>
         </a:lnSpc>
         <a:spcBef>
-          <a:spcPts val="500"/>
+          <a:spcPts val="300"/>
         </a:spcBef>
+        <a:spcAft>
+          <a:spcPts val="300"/>
+        </a:spcAft>
         <a:buClr>
           <a:schemeClr val="accent1"/>
         </a:buClr>
-        <a:buSzPct val="100000"/>
-        <a:buFont typeface="Arial" panose="020B0604020202020204" pitchFamily="34" charset="0"/>
-        <a:buChar char="•"/>
-        <a:defRPr sz="1200" kern="1200">
+        <a:buFont typeface="Wingdings 2" pitchFamily="18" charset="2"/>
+        <a:buChar char=""/>
+        <a:defRPr sz="1400" kern="1200">
           <a:solidFill>
-            <a:schemeClr val="tx1"/>
+            <a:schemeClr val="tx1">
+              <a:lumMod val="85000"/>
+              <a:lumOff val="15000"/>
+            </a:schemeClr>
           </a:solidFill>
-          <a:effectLst/>
           <a:latin typeface="+mn-lt"/>
           <a:ea typeface="+mn-ea"/>
           <a:cs typeface="+mn-cs"/>
         </a:defRPr>
       </a:lvl6pPr>
-      <a:lvl7pPr marL="2971800" indent="-228600" algn="l" defTabSz="914400" rtl="0" eaLnBrk="1" latinLnBrk="0" hangingPunct="1">
+      <a:lvl7pPr marL="1900000" indent="-228600" algn="l" defTabSz="914400" rtl="0" eaLnBrk="1" latinLnBrk="0" hangingPunct="1">
         <a:lnSpc>
-          <a:spcPct val="120000"/>
+          <a:spcPct val="90000"/>
         </a:lnSpc>
         <a:spcBef>
-          <a:spcPts val="500"/>
+          <a:spcPts val="300"/>
         </a:spcBef>
+        <a:spcAft>
+          <a:spcPts val="300"/>
+        </a:spcAft>
         <a:buClr>
           <a:schemeClr val="accent1"/>
         </a:buClr>
-        <a:buSzPct val="100000"/>
-        <a:buFont typeface="Arial" panose="020B0604020202020204" pitchFamily="34" charset="0"/>
-        <a:buChar char="•"/>
-        <a:defRPr sz="1200" kern="1200">
+        <a:buFont typeface="Wingdings 2" pitchFamily="18" charset="2"/>
+        <a:buChar char=""/>
+        <a:defRPr sz="1400" kern="1200">
           <a:solidFill>
-            <a:schemeClr val="tx1"/>
+            <a:schemeClr val="tx1">
+              <a:lumMod val="85000"/>
+              <a:lumOff val="15000"/>
+            </a:schemeClr>
           </a:solidFill>
-          <a:effectLst/>
           <a:latin typeface="+mn-lt"/>
           <a:ea typeface="+mn-ea"/>
           <a:cs typeface="+mn-cs"/>
         </a:defRPr>
       </a:lvl7pPr>
-      <a:lvl8pPr marL="3429000" indent="-228600" algn="l" defTabSz="914400" rtl="0" eaLnBrk="1" latinLnBrk="0" hangingPunct="1">
+      <a:lvl8pPr marL="2200000" indent="-228600" algn="l" defTabSz="914400" rtl="0" eaLnBrk="1" latinLnBrk="0" hangingPunct="1">
         <a:lnSpc>
-          <a:spcPct val="120000"/>
+          <a:spcPct val="90000"/>
         </a:lnSpc>
         <a:spcBef>
-          <a:spcPts val="500"/>
+          <a:spcPts val="300"/>
         </a:spcBef>
+        <a:spcAft>
+          <a:spcPts val="300"/>
+        </a:spcAft>
         <a:buClr>
           <a:schemeClr val="accent1"/>
         </a:buClr>
-        <a:buSzPct val="100000"/>
-        <a:buFont typeface="Arial" panose="020B0604020202020204" pitchFamily="34" charset="0"/>
-        <a:buChar char="•"/>
-        <a:defRPr sz="1200" kern="1200" baseline="0">
+        <a:buFont typeface="Wingdings 2" pitchFamily="18" charset="2"/>
+        <a:buChar char=""/>
+        <a:defRPr sz="1400" kern="1200">
           <a:solidFill>
-            <a:schemeClr val="tx1"/>
+            <a:schemeClr val="tx1">
+              <a:lumMod val="85000"/>
+              <a:lumOff val="15000"/>
+            </a:schemeClr>
           </a:solidFill>
-          <a:effectLst/>
           <a:latin typeface="+mn-lt"/>
           <a:ea typeface="+mn-ea"/>
           <a:cs typeface="+mn-cs"/>
         </a:defRPr>
       </a:lvl8pPr>
-      <a:lvl9pPr marL="3886200" indent="-228600" algn="l" defTabSz="914400" rtl="0" eaLnBrk="1" latinLnBrk="0" hangingPunct="1">
+      <a:lvl9pPr marL="2500000" indent="-228600" algn="l" defTabSz="914400" rtl="0" eaLnBrk="1" latinLnBrk="0" hangingPunct="1">
         <a:lnSpc>
-          <a:spcPct val="120000"/>
+          <a:spcPct val="90000"/>
         </a:lnSpc>
         <a:spcBef>
-          <a:spcPts val="500"/>
+          <a:spcPts val="300"/>
         </a:spcBef>
+        <a:spcAft>
+          <a:spcPts val="300"/>
+        </a:spcAft>
         <a:buClr>
           <a:schemeClr val="accent1"/>
         </a:buClr>
-        <a:buSzPct val="100000"/>
-        <a:buFont typeface="Arial" panose="020B0604020202020204" pitchFamily="34" charset="0"/>
-        <a:buChar char="•"/>
-        <a:defRPr sz="1200" kern="1200" baseline="0">
+        <a:buFont typeface="Wingdings 2" pitchFamily="18" charset="2"/>
+        <a:buChar char=""/>
+        <a:defRPr sz="1400" kern="1200">
           <a:solidFill>
-            <a:schemeClr val="tx1"/>
+            <a:schemeClr val="tx1">
+              <a:lumMod val="85000"/>
+              <a:lumOff val="15000"/>
+            </a:schemeClr>
           </a:solidFill>
-          <a:effectLst/>
           <a:latin typeface="+mn-lt"/>
           <a:ea typeface="+mn-ea"/>
           <a:cs typeface="+mn-cs"/>
@@ -3725,6 +3558,700 @@
 </p:sld>
 </file>
 
+<file path=ppt/slides/slide10.xml><?xml version="1.0" encoding="utf-8"?>
+<p:sld xmlns:a="http://schemas.openxmlformats.org/drawingml/2006/main" xmlns:r="http://schemas.openxmlformats.org/officeDocument/2006/relationships" xmlns:p="http://schemas.openxmlformats.org/presentationml/2006/main">
+  <p:cSld>
+    <p:spTree>
+      <p:nvGrpSpPr>
+        <p:cNvPr id="1" name=""/>
+        <p:cNvGrpSpPr/>
+        <p:nvPr/>
+      </p:nvGrpSpPr>
+      <p:grpSpPr>
+        <a:xfrm>
+          <a:off x="0" y="0"/>
+          <a:ext cx="0" cy="0"/>
+          <a:chOff x="0" y="0"/>
+          <a:chExt cx="0" cy="0"/>
+        </a:xfrm>
+      </p:grpSpPr>
+      <p:sp>
+        <p:nvSpPr>
+          <p:cNvPr id="2" name="Заголовок 1">
+            <a:extLst>
+              <a:ext uri="{FF2B5EF4-FFF2-40B4-BE49-F238E27FC236}">
+                <a16:creationId xmlns:a16="http://schemas.microsoft.com/office/drawing/2014/main" id="{0D5EA629-7223-4F2D-94E2-B2A4C8643797}"/>
+              </a:ext>
+            </a:extLst>
+          </p:cNvPr>
+          <p:cNvSpPr>
+            <a:spLocks noGrp="1"/>
+          </p:cNvSpPr>
+          <p:nvPr>
+            <p:ph type="title"/>
+          </p:nvPr>
+        </p:nvSpPr>
+        <p:spPr>
+          <a:xfrm>
+            <a:off x="1664544" y="192946"/>
+            <a:ext cx="9418320" cy="1084277"/>
+          </a:xfrm>
+        </p:spPr>
+        <p:txBody>
+          <a:bodyPr/>
+          <a:lstStyle/>
+          <a:p>
+            <a:r>
+              <a:rPr lang="ru-RU" dirty="0"/>
+              <a:t>Домашнее задание</a:t>
+            </a:r>
+          </a:p>
+        </p:txBody>
+      </p:sp>
+      <p:sp>
+        <p:nvSpPr>
+          <p:cNvPr id="3" name="Текст 2">
+            <a:extLst>
+              <a:ext uri="{FF2B5EF4-FFF2-40B4-BE49-F238E27FC236}">
+                <a16:creationId xmlns:a16="http://schemas.microsoft.com/office/drawing/2014/main" id="{FC2F9D78-54F0-4102-8A88-25B59D9E40D8}"/>
+              </a:ext>
+            </a:extLst>
+          </p:cNvPr>
+          <p:cNvSpPr>
+            <a:spLocks noGrp="1"/>
+          </p:cNvSpPr>
+          <p:nvPr>
+            <p:ph type="body" idx="1"/>
+          </p:nvPr>
+        </p:nvSpPr>
+        <p:spPr>
+          <a:xfrm>
+            <a:off x="411062" y="1277222"/>
+            <a:ext cx="11165746" cy="5580777"/>
+          </a:xfrm>
+        </p:spPr>
+        <p:txBody>
+          <a:bodyPr>
+            <a:normAutofit fontScale="77500" lnSpcReduction="20000"/>
+          </a:bodyPr>
+          <a:lstStyle/>
+          <a:p>
+            <a:r>
+              <a:rPr lang="ru-RU" dirty="0"/>
+              <a:t>Написать конвертер валют.</a:t>
+            </a:r>
+          </a:p>
+          <a:p>
+            <a:r>
+              <a:rPr lang="ru-RU" dirty="0"/>
+              <a:t>В переменную а вводим сумму, которую введет пользователь.</a:t>
+            </a:r>
+          </a:p>
+          <a:p>
+            <a:r>
+              <a:rPr lang="en-US" dirty="0"/>
+              <a:t>var a = prompt(“</a:t>
+            </a:r>
+            <a:r>
+              <a:rPr lang="ru-RU" dirty="0"/>
+              <a:t>введите сумму в рублях</a:t>
+            </a:r>
+            <a:r>
+              <a:rPr lang="en-US" dirty="0"/>
+              <a:t>”);</a:t>
+            </a:r>
+          </a:p>
+          <a:p>
+            <a:r>
+              <a:rPr lang="ru-RU" dirty="0"/>
+              <a:t>Далее в </a:t>
+            </a:r>
+            <a:r>
+              <a:rPr lang="en-US" dirty="0"/>
+              <a:t>b</a:t>
+            </a:r>
+            <a:r>
+              <a:rPr lang="ru-RU" dirty="0"/>
+              <a:t> и </a:t>
+            </a:r>
+            <a:r>
+              <a:rPr lang="en-US" dirty="0"/>
+              <a:t>c </a:t>
+            </a:r>
+            <a:r>
+              <a:rPr lang="ru-RU" dirty="0"/>
+              <a:t>мы храним константные значения, текущий курс доллара и евро, затем производим вычисления</a:t>
+            </a:r>
+            <a:r>
+              <a:rPr lang="en-US" dirty="0"/>
+              <a:t>. </a:t>
+            </a:r>
+            <a:r>
+              <a:rPr lang="ru-RU" dirty="0"/>
+              <a:t>Чтобы было понятно пишем обозначения.</a:t>
+            </a:r>
+          </a:p>
+          <a:p>
+            <a:r>
+              <a:rPr lang="en-US" dirty="0"/>
+              <a:t>var (b) euro = 63.0;                                                                                   </a:t>
+            </a:r>
+            <a:r>
+              <a:rPr lang="ru-RU" dirty="0"/>
+              <a:t>чтобы в одной строке был</a:t>
+            </a:r>
+            <a:endParaRPr lang="en-US" dirty="0"/>
+          </a:p>
+          <a:p>
+            <a:r>
+              <a:rPr lang="en-US" dirty="0"/>
+              <a:t>var © dollar = 56.1;</a:t>
+            </a:r>
+            <a:r>
+              <a:rPr lang="ru-RU" dirty="0"/>
+              <a:t>                                                    </a:t>
+            </a:r>
+            <a:r>
+              <a:rPr lang="en-US" dirty="0"/>
+              <a:t>                             </a:t>
+            </a:r>
+            <a:r>
+              <a:rPr lang="ru-RU" dirty="0"/>
+              <a:t> доллар, а в другой евро мы       </a:t>
+            </a:r>
+            <a:endParaRPr lang="en-US" dirty="0"/>
+          </a:p>
+          <a:p>
+            <a:r>
+              <a:rPr lang="en-US" dirty="0"/>
+              <a:t>var </a:t>
+            </a:r>
+            <a:r>
+              <a:rPr lang="en-US" dirty="0" err="1"/>
+              <a:t>rubToEuro</a:t>
+            </a:r>
+            <a:r>
+              <a:rPr lang="en-US" dirty="0"/>
+              <a:t> = </a:t>
+            </a:r>
+            <a:r>
+              <a:rPr lang="en-US" dirty="0" err="1"/>
+              <a:t>roubles</a:t>
+            </a:r>
+            <a:r>
+              <a:rPr lang="en-US" dirty="0"/>
+              <a:t>/euro;</a:t>
+            </a:r>
+            <a:r>
+              <a:rPr lang="ru-RU" dirty="0"/>
+              <a:t>                                  </a:t>
+            </a:r>
+            <a:r>
+              <a:rPr lang="en-US" dirty="0"/>
+              <a:t>                             </a:t>
+            </a:r>
+            <a:r>
+              <a:rPr lang="ru-RU" dirty="0"/>
+              <a:t> добавляем </a:t>
+            </a:r>
+            <a:r>
+              <a:rPr lang="en-US" dirty="0"/>
+              <a:t>\n</a:t>
+            </a:r>
+          </a:p>
+          <a:p>
+            <a:r>
+              <a:rPr lang="en-US" dirty="0"/>
+              <a:t>var </a:t>
+            </a:r>
+            <a:r>
+              <a:rPr lang="en-US" dirty="0" err="1"/>
+              <a:t>rubToDollar</a:t>
+            </a:r>
+            <a:r>
+              <a:rPr lang="en-US" dirty="0"/>
+              <a:t> = </a:t>
+            </a:r>
+            <a:r>
+              <a:rPr lang="en-US" dirty="0" err="1"/>
+              <a:t>roubles</a:t>
+            </a:r>
+            <a:r>
+              <a:rPr lang="en-US" dirty="0"/>
+              <a:t>/dollar;                                     </a:t>
+            </a:r>
+            <a:r>
+              <a:rPr lang="ru-RU" dirty="0"/>
+              <a:t> </a:t>
+            </a:r>
+            <a:r>
+              <a:rPr lang="en-US" dirty="0"/>
+              <a:t>                             </a:t>
+            </a:r>
+          </a:p>
+          <a:p>
+            <a:r>
+              <a:rPr lang="en-US" dirty="0" err="1"/>
+              <a:t>roubles</a:t>
+            </a:r>
+            <a:r>
+              <a:rPr lang="en-US" dirty="0"/>
+              <a:t> + “</a:t>
+            </a:r>
+            <a:r>
+              <a:rPr lang="ru-RU" dirty="0"/>
+              <a:t> рублей </a:t>
+            </a:r>
+            <a:r>
+              <a:rPr lang="en-US" dirty="0"/>
+              <a:t>= “ + </a:t>
+            </a:r>
+            <a:r>
+              <a:rPr lang="en-US" dirty="0" err="1"/>
+              <a:t>rubToEuro.toFixed</a:t>
+            </a:r>
+            <a:r>
+              <a:rPr lang="en-US" dirty="0"/>
+              <a:t>(2) + “</a:t>
+            </a:r>
+            <a:r>
+              <a:rPr lang="ru-RU" dirty="0"/>
+              <a:t> евро.</a:t>
+            </a:r>
+            <a:r>
+              <a:rPr lang="en-US" dirty="0"/>
+              <a:t> \n</a:t>
+            </a:r>
+            <a:r>
+              <a:rPr lang="ru-RU" dirty="0"/>
+              <a:t> </a:t>
+            </a:r>
+            <a:r>
+              <a:rPr lang="en-US" dirty="0"/>
+              <a:t>“ +</a:t>
+            </a:r>
+            <a:r>
+              <a:rPr lang="ru-RU" dirty="0"/>
+              <a:t>     </a:t>
+            </a:r>
+            <a:endParaRPr lang="en-US" dirty="0"/>
+          </a:p>
+          <a:p>
+            <a:r>
+              <a:rPr lang="en-US" dirty="0" err="1"/>
+              <a:t>roubles</a:t>
+            </a:r>
+            <a:r>
+              <a:rPr lang="en-US" dirty="0"/>
+              <a:t> + “ </a:t>
+            </a:r>
+            <a:r>
+              <a:rPr lang="ru-RU" dirty="0"/>
+              <a:t>рублей = </a:t>
+            </a:r>
+            <a:r>
+              <a:rPr lang="en-US" dirty="0"/>
+              <a:t>“ + </a:t>
+            </a:r>
+            <a:r>
+              <a:rPr lang="en-US" dirty="0" err="1"/>
+              <a:t>rubToDollar.toFixed</a:t>
+            </a:r>
+            <a:r>
+              <a:rPr lang="en-US" dirty="0"/>
+              <a:t>(2) + “ </a:t>
+            </a:r>
+            <a:r>
+              <a:rPr lang="ru-RU" dirty="0"/>
+              <a:t>долларов </a:t>
+            </a:r>
+            <a:r>
+              <a:rPr lang="en-US" dirty="0"/>
+              <a:t>“</a:t>
+            </a:r>
+            <a:r>
+              <a:rPr lang="ru-RU" dirty="0"/>
+              <a:t>    </a:t>
+            </a:r>
+            <a:endParaRPr lang="en-US" dirty="0"/>
+          </a:p>
+          <a:p>
+            <a:r>
+              <a:rPr lang="ru-RU" dirty="0"/>
+              <a:t>чтобы убрать много чисел </a:t>
+            </a:r>
+            <a:endParaRPr lang="en-US" dirty="0"/>
+          </a:p>
+          <a:p>
+            <a:r>
+              <a:rPr lang="ru-RU" dirty="0"/>
+              <a:t>после запятой пишем спец </a:t>
+            </a:r>
+            <a:r>
+              <a:rPr lang="en-US" dirty="0"/>
+              <a:t> </a:t>
+            </a:r>
+          </a:p>
+          <a:p>
+            <a:r>
+              <a:rPr lang="ru-RU" dirty="0"/>
+              <a:t>команду </a:t>
+            </a:r>
+            <a:r>
+              <a:rPr lang="en-US" dirty="0" err="1"/>
+              <a:t>toFixed</a:t>
+            </a:r>
+            <a:r>
+              <a:rPr lang="en-US" dirty="0"/>
+              <a:t>(2)</a:t>
+            </a:r>
+          </a:p>
+          <a:p>
+            <a:endParaRPr lang="en-US" dirty="0"/>
+          </a:p>
+          <a:p>
+            <a:endParaRPr lang="en-US" dirty="0"/>
+          </a:p>
+          <a:p>
+            <a:endParaRPr lang="ru-RU" dirty="0"/>
+          </a:p>
+        </p:txBody>
+      </p:sp>
+    </p:spTree>
+    <p:extLst>
+      <p:ext uri="{BB962C8B-B14F-4D97-AF65-F5344CB8AC3E}">
+        <p14:creationId xmlns:p14="http://schemas.microsoft.com/office/powerpoint/2010/main" val="2353570022"/>
+      </p:ext>
+    </p:extLst>
+  </p:cSld>
+  <p:clrMapOvr>
+    <a:masterClrMapping/>
+  </p:clrMapOvr>
+</p:sld>
+</file>
+
+<file path=ppt/slides/slide11.xml><?xml version="1.0" encoding="utf-8"?>
+<p:sld xmlns:a="http://schemas.openxmlformats.org/drawingml/2006/main" xmlns:r="http://schemas.openxmlformats.org/officeDocument/2006/relationships" xmlns:p="http://schemas.openxmlformats.org/presentationml/2006/main">
+  <p:cSld>
+    <p:spTree>
+      <p:nvGrpSpPr>
+        <p:cNvPr id="1" name=""/>
+        <p:cNvGrpSpPr/>
+        <p:nvPr/>
+      </p:nvGrpSpPr>
+      <p:grpSpPr>
+        <a:xfrm>
+          <a:off x="0" y="0"/>
+          <a:ext cx="0" cy="0"/>
+          <a:chOff x="0" y="0"/>
+          <a:chExt cx="0" cy="0"/>
+        </a:xfrm>
+      </p:grpSpPr>
+      <p:sp>
+        <p:nvSpPr>
+          <p:cNvPr id="2" name="Заголовок 1">
+            <a:extLst>
+              <a:ext uri="{FF2B5EF4-FFF2-40B4-BE49-F238E27FC236}">
+                <a16:creationId xmlns:a16="http://schemas.microsoft.com/office/drawing/2014/main" id="{3460068B-EAF8-4515-846D-03DE78CFCC6A}"/>
+              </a:ext>
+            </a:extLst>
+          </p:cNvPr>
+          <p:cNvSpPr>
+            <a:spLocks noGrp="1"/>
+          </p:cNvSpPr>
+          <p:nvPr>
+            <p:ph type="title"/>
+          </p:nvPr>
+        </p:nvSpPr>
+        <p:spPr>
+          <a:xfrm>
+            <a:off x="630936" y="0"/>
+            <a:ext cx="10680191" cy="1691640"/>
+          </a:xfrm>
+        </p:spPr>
+        <p:txBody>
+          <a:bodyPr>
+            <a:normAutofit fontScale="90000"/>
+          </a:bodyPr>
+          <a:lstStyle/>
+          <a:p>
+            <a:r>
+              <a:rPr lang="ru-RU" dirty="0"/>
+              <a:t>В итоге получается такой </a:t>
+            </a:r>
+            <a:br>
+              <a:rPr lang="ru-RU" dirty="0"/>
+            </a:br>
+            <a:r>
+              <a:rPr lang="ru-RU" dirty="0"/>
+              <a:t>                     код </a:t>
+            </a:r>
+          </a:p>
+        </p:txBody>
+      </p:sp>
+      <p:sp>
+        <p:nvSpPr>
+          <p:cNvPr id="3" name="Текст 2">
+            <a:extLst>
+              <a:ext uri="{FF2B5EF4-FFF2-40B4-BE49-F238E27FC236}">
+                <a16:creationId xmlns:a16="http://schemas.microsoft.com/office/drawing/2014/main" id="{33474189-9A33-448D-A10F-D8EBB4672758}"/>
+              </a:ext>
+            </a:extLst>
+          </p:cNvPr>
+          <p:cNvSpPr>
+            <a:spLocks noGrp="1"/>
+          </p:cNvSpPr>
+          <p:nvPr>
+            <p:ph type="body" idx="1"/>
+          </p:nvPr>
+        </p:nvSpPr>
+        <p:spPr>
+          <a:xfrm>
+            <a:off x="486563" y="1691639"/>
+            <a:ext cx="10749064" cy="4985998"/>
+          </a:xfrm>
+        </p:spPr>
+        <p:txBody>
+          <a:bodyPr>
+            <a:normAutofit fontScale="85000" lnSpcReduction="20000"/>
+          </a:bodyPr>
+          <a:lstStyle/>
+          <a:p>
+            <a:r>
+              <a:rPr lang="en-US" dirty="0"/>
+              <a:t>&lt;meta charset=“utf-8”&gt;</a:t>
+            </a:r>
+          </a:p>
+          <a:p>
+            <a:r>
+              <a:rPr lang="en-US" dirty="0"/>
+              <a:t>&lt;script&gt;</a:t>
+            </a:r>
+          </a:p>
+          <a:p>
+            <a:r>
+              <a:rPr lang="en-US" dirty="0"/>
+              <a:t>var </a:t>
+            </a:r>
+            <a:r>
+              <a:rPr lang="en-US" dirty="0" err="1"/>
+              <a:t>roubles</a:t>
+            </a:r>
+            <a:r>
+              <a:rPr lang="en-US" dirty="0"/>
+              <a:t> = prompt(“</a:t>
+            </a:r>
+            <a:r>
+              <a:rPr lang="ru-RU" dirty="0"/>
+              <a:t>введите сумму в рублях</a:t>
+            </a:r>
+            <a:r>
+              <a:rPr lang="en-US" dirty="0"/>
+              <a:t>”);</a:t>
+            </a:r>
+          </a:p>
+          <a:p>
+            <a:r>
+              <a:rPr lang="en-US" dirty="0"/>
+              <a:t>var (b) euro = 63.0;                                              </a:t>
+            </a:r>
+          </a:p>
+          <a:p>
+            <a:r>
+              <a:rPr lang="en-US" dirty="0"/>
+              <a:t>var © dollar = 56.</a:t>
+            </a:r>
+          </a:p>
+          <a:p>
+            <a:r>
+              <a:rPr lang="en-US" dirty="0"/>
+              <a:t>var </a:t>
+            </a:r>
+            <a:r>
+              <a:rPr lang="en-US" dirty="0" err="1"/>
+              <a:t>rubToEuro</a:t>
+            </a:r>
+            <a:r>
+              <a:rPr lang="en-US" dirty="0"/>
+              <a:t> = </a:t>
+            </a:r>
+            <a:r>
+              <a:rPr lang="en-US" dirty="0" err="1"/>
+              <a:t>roubles</a:t>
+            </a:r>
+            <a:r>
+              <a:rPr lang="en-US" dirty="0"/>
+              <a:t>/euro;</a:t>
+            </a:r>
+            <a:r>
+              <a:rPr lang="ru-RU" dirty="0"/>
+              <a:t>                                  </a:t>
+            </a:r>
+            <a:r>
+              <a:rPr lang="en-US" dirty="0"/>
+              <a:t>              </a:t>
+            </a:r>
+            <a:r>
+              <a:rPr lang="ru-RU" dirty="0"/>
+              <a:t> </a:t>
+            </a:r>
+            <a:endParaRPr lang="en-US" dirty="0"/>
+          </a:p>
+          <a:p>
+            <a:r>
+              <a:rPr lang="en-US" dirty="0"/>
+              <a:t>var </a:t>
+            </a:r>
+            <a:r>
+              <a:rPr lang="en-US" dirty="0" err="1"/>
+              <a:t>rubToDollar</a:t>
+            </a:r>
+            <a:r>
+              <a:rPr lang="en-US" dirty="0"/>
+              <a:t> = </a:t>
+            </a:r>
+            <a:r>
+              <a:rPr lang="en-US" dirty="0" err="1"/>
+              <a:t>roubles</a:t>
+            </a:r>
+            <a:r>
+              <a:rPr lang="en-US" dirty="0"/>
+              <a:t>/dollar;</a:t>
+            </a:r>
+          </a:p>
+          <a:p>
+            <a:r>
+              <a:rPr lang="en-US" dirty="0"/>
+              <a:t>alert(     </a:t>
+            </a:r>
+          </a:p>
+          <a:p>
+            <a:r>
+              <a:rPr lang="en-US" dirty="0"/>
+              <a:t>             </a:t>
+            </a:r>
+            <a:r>
+              <a:rPr lang="en-US" dirty="0" err="1"/>
+              <a:t>roubles</a:t>
+            </a:r>
+            <a:r>
+              <a:rPr lang="en-US" dirty="0"/>
+              <a:t> + “</a:t>
+            </a:r>
+            <a:r>
+              <a:rPr lang="ru-RU" dirty="0"/>
+              <a:t> рублей </a:t>
+            </a:r>
+            <a:r>
+              <a:rPr lang="en-US" dirty="0"/>
+              <a:t>= “ + </a:t>
+            </a:r>
+            <a:r>
+              <a:rPr lang="en-US" dirty="0" err="1"/>
+              <a:t>rubToEuro.toFixed</a:t>
+            </a:r>
+            <a:r>
+              <a:rPr lang="en-US" dirty="0"/>
+              <a:t>(2) + “</a:t>
+            </a:r>
+            <a:r>
+              <a:rPr lang="ru-RU" dirty="0"/>
+              <a:t> евро.</a:t>
+            </a:r>
+            <a:r>
+              <a:rPr lang="en-US" dirty="0"/>
+              <a:t> \n</a:t>
+            </a:r>
+            <a:r>
+              <a:rPr lang="ru-RU" dirty="0"/>
+              <a:t> </a:t>
+            </a:r>
+            <a:r>
+              <a:rPr lang="en-US" dirty="0"/>
+              <a:t>“ +</a:t>
+            </a:r>
+            <a:r>
+              <a:rPr lang="ru-RU" dirty="0"/>
+              <a:t>     </a:t>
+            </a:r>
+            <a:endParaRPr lang="en-US" dirty="0"/>
+          </a:p>
+          <a:p>
+            <a:r>
+              <a:rPr lang="en-US" dirty="0"/>
+              <a:t>             </a:t>
+            </a:r>
+            <a:r>
+              <a:rPr lang="en-US" dirty="0" err="1"/>
+              <a:t>roubles</a:t>
+            </a:r>
+            <a:r>
+              <a:rPr lang="en-US" dirty="0"/>
+              <a:t> + “ </a:t>
+            </a:r>
+            <a:r>
+              <a:rPr lang="ru-RU" dirty="0"/>
+              <a:t>рублей = </a:t>
+            </a:r>
+            <a:r>
+              <a:rPr lang="en-US" dirty="0"/>
+              <a:t>“ + </a:t>
+            </a:r>
+            <a:r>
+              <a:rPr lang="en-US" dirty="0" err="1"/>
+              <a:t>rubToDollar.toFixed</a:t>
+            </a:r>
+            <a:r>
+              <a:rPr lang="en-US" dirty="0"/>
+              <a:t>(2) + “ </a:t>
+            </a:r>
+            <a:r>
+              <a:rPr lang="ru-RU" dirty="0"/>
+              <a:t>долларов </a:t>
+            </a:r>
+            <a:r>
+              <a:rPr lang="en-US" dirty="0"/>
+              <a:t>“</a:t>
+            </a:r>
+          </a:p>
+          <a:p>
+            <a:r>
+              <a:rPr lang="en-US" dirty="0"/>
+              <a:t>);</a:t>
+            </a:r>
+          </a:p>
+          <a:p>
+            <a:r>
+              <a:rPr lang="en-US" dirty="0"/>
+              <a:t>   &lt;/script&gt;           </a:t>
+            </a:r>
+            <a:r>
+              <a:rPr lang="ru-RU" dirty="0"/>
+              <a:t> </a:t>
+            </a:r>
+            <a:r>
+              <a:rPr lang="en-US" dirty="0"/>
+              <a:t>                             </a:t>
+            </a:r>
+          </a:p>
+          <a:p>
+            <a:endParaRPr lang="en-US" dirty="0"/>
+          </a:p>
+        </p:txBody>
+      </p:sp>
+    </p:spTree>
+    <p:extLst>
+      <p:ext uri="{BB962C8B-B14F-4D97-AF65-F5344CB8AC3E}">
+        <p14:creationId xmlns:p14="http://schemas.microsoft.com/office/powerpoint/2010/main" val="30926758"/>
+      </p:ext>
+    </p:extLst>
+  </p:cSld>
+  <p:clrMapOvr>
+    <a:masterClrMapping/>
+  </p:clrMapOvr>
+</p:sld>
+</file>
+
 <file path=ppt/slides/slide2.xml><?xml version="1.0" encoding="utf-8"?>
 <p:sld xmlns:a="http://schemas.openxmlformats.org/drawingml/2006/main" xmlns:r="http://schemas.openxmlformats.org/officeDocument/2006/relationships" xmlns:p="http://schemas.openxmlformats.org/presentationml/2006/main">
   <p:cSld>
@@ -3765,7 +4292,9 @@
           </a:xfrm>
         </p:spPr>
         <p:txBody>
-          <a:bodyPr/>
+          <a:bodyPr>
+            <a:normAutofit fontScale="90000"/>
+          </a:bodyPr>
           <a:lstStyle/>
           <a:p>
             <a:r>
@@ -3804,7 +4333,7 @@
         </p:spPr>
         <p:txBody>
           <a:bodyPr>
-            <a:normAutofit/>
+            <a:normAutofit fontScale="92500" lnSpcReduction="10000"/>
           </a:bodyPr>
           <a:lstStyle/>
           <a:p>
@@ -4057,7 +4586,7 @@
         <p:spPr/>
         <p:txBody>
           <a:bodyPr>
-            <a:normAutofit/>
+            <a:normAutofit fontScale="90000"/>
           </a:bodyPr>
           <a:lstStyle/>
           <a:p>
@@ -4115,7 +4644,7 @@
         <p:spPr/>
         <p:txBody>
           <a:bodyPr>
-            <a:normAutofit fontScale="92500" lnSpcReduction="10000"/>
+            <a:normAutofit/>
           </a:bodyPr>
           <a:lstStyle/>
           <a:p>
@@ -4200,7 +4729,7 @@
         <p:spPr/>
         <p:txBody>
           <a:bodyPr>
-            <a:normAutofit fontScale="92500" lnSpcReduction="10000"/>
+            <a:normAutofit/>
           </a:bodyPr>
           <a:lstStyle/>
           <a:p>
@@ -4550,7 +5079,9 @@
           </a:xfrm>
         </p:spPr>
         <p:txBody>
-          <a:bodyPr/>
+          <a:bodyPr>
+            <a:normAutofit fontScale="90000"/>
+          </a:bodyPr>
           <a:lstStyle/>
           <a:p>
             <a:r>
@@ -4584,7 +5115,7 @@
         </p:spPr>
         <p:txBody>
           <a:bodyPr>
-            <a:normAutofit/>
+            <a:normAutofit lnSpcReduction="10000"/>
           </a:bodyPr>
           <a:lstStyle/>
           <a:p>
@@ -4720,7 +5251,9 @@
           </a:xfrm>
         </p:spPr>
         <p:txBody>
-          <a:bodyPr/>
+          <a:bodyPr>
+            <a:normAutofit fontScale="90000"/>
+          </a:bodyPr>
           <a:lstStyle/>
           <a:p>
             <a:r>
@@ -5090,7 +5623,9 @@
           </a:xfrm>
         </p:spPr>
         <p:txBody>
-          <a:bodyPr/>
+          <a:bodyPr>
+            <a:normAutofit fontScale="90000"/>
+          </a:bodyPr>
           <a:lstStyle/>
           <a:p>
             <a:r>
@@ -5124,7 +5659,7 @@
         </p:spPr>
         <p:txBody>
           <a:bodyPr>
-            <a:normAutofit fontScale="85000" lnSpcReduction="10000"/>
+            <a:normAutofit fontScale="77500" lnSpcReduction="20000"/>
           </a:bodyPr>
           <a:lstStyle/>
           <a:p>
@@ -5328,7 +5863,9 @@
           </a:xfrm>
         </p:spPr>
         <p:txBody>
-          <a:bodyPr/>
+          <a:bodyPr>
+            <a:normAutofit fontScale="90000"/>
+          </a:bodyPr>
           <a:lstStyle/>
           <a:p>
             <a:r>
@@ -5362,7 +5899,7 @@
         </p:spPr>
         <p:txBody>
           <a:bodyPr>
-            <a:normAutofit lnSpcReduction="10000"/>
+            <a:normAutofit fontScale="92500" lnSpcReduction="20000"/>
           </a:bodyPr>
           <a:lstStyle/>
           <a:p>
@@ -5537,93 +6074,58 @@
 </file>
 
 <file path=ppt/theme/theme1.xml><?xml version="1.0" encoding="utf-8"?>
-<a:theme xmlns:a="http://schemas.openxmlformats.org/drawingml/2006/main" name="Галерея">
+<a:theme xmlns:a="http://schemas.openxmlformats.org/drawingml/2006/main" name="Вид">
   <a:themeElements>
-    <a:clrScheme name="Галерея">
+    <a:clrScheme name="Вид">
       <a:dk1>
-        <a:sysClr val="windowText" lastClr="000000"/>
+        <a:srgbClr val="000000"/>
       </a:dk1>
       <a:lt1>
-        <a:sysClr val="window" lastClr="FFFFFF"/>
+        <a:srgbClr val="FFFFFF"/>
       </a:lt1>
       <a:dk2>
-        <a:srgbClr val="454545"/>
+        <a:srgbClr val="46464A"/>
       </a:dk2>
       <a:lt2>
-        <a:srgbClr val="DFDBD5"/>
+        <a:srgbClr val="D6D3CC"/>
       </a:lt2>
       <a:accent1>
-        <a:srgbClr val="B71E42"/>
+        <a:srgbClr val="6F6F74"/>
       </a:accent1>
       <a:accent2>
-        <a:srgbClr val="DE478E"/>
+        <a:srgbClr val="92A9B9"/>
       </a:accent2>
       <a:accent3>
-        <a:srgbClr val="BC72F0"/>
+        <a:srgbClr val="A7B789"/>
       </a:accent3>
       <a:accent4>
-        <a:srgbClr val="795FAF"/>
+        <a:srgbClr val="B9A489"/>
       </a:accent4>
       <a:accent5>
-        <a:srgbClr val="586EA6"/>
+        <a:srgbClr val="8D6374"/>
       </a:accent5>
       <a:accent6>
-        <a:srgbClr val="6892A0"/>
+        <a:srgbClr val="9B7362"/>
       </a:accent6>
       <a:hlink>
-        <a:srgbClr val="FA2B5C"/>
+        <a:srgbClr val="67AABF"/>
       </a:hlink>
       <a:folHlink>
-        <a:srgbClr val="BC658E"/>
+        <a:srgbClr val="ABAFA5"/>
       </a:folHlink>
     </a:clrScheme>
-    <a:fontScheme name="Галерея">
+    <a:fontScheme name="Вид">
       <a:majorFont>
-        <a:latin typeface="Gill Sans MT" panose="020B0502020104020203"/>
+        <a:latin typeface="Century Schoolbook" panose="02040604050505020304"/>
         <a:ea typeface=""/>
         <a:cs typeface=""/>
-        <a:font script="Jpan" typeface="游ゴシック Light"/>
+        <a:font script="Jpan" typeface="ＭＳ ゴシック"/>
         <a:font script="Hang" typeface="맑은 고딕"/>
-        <a:font script="Hans" typeface="等线 Light"/>
+        <a:font script="Hans" typeface="宋体"/>
         <a:font script="Hant" typeface="新細明體"/>
-        <a:font script="Arab" typeface="Times New Roman"/>
-        <a:font script="Hebr" typeface="Times New Roman"/>
-        <a:font script="Thai" typeface="Angsana New"/>
-        <a:font script="Ethi" typeface="Nyala"/>
-        <a:font script="Beng" typeface="Vrinda"/>
-        <a:font script="Gujr" typeface="Shruti"/>
-        <a:font script="Khmr" typeface="MoolBoran"/>
-        <a:font script="Knda" typeface="Tunga"/>
-        <a:font script="Guru" typeface="Raavi"/>
-        <a:font script="Cans" typeface="Euphemia"/>
-        <a:font script="Cher" typeface="Plantagenet Cherokee"/>
-        <a:font script="Yiii" typeface="Microsoft Yi Baiti"/>
-        <a:font script="Tibt" typeface="Microsoft Himalaya"/>
-        <a:font script="Thaa" typeface="MV Boli"/>
-        <a:font script="Deva" typeface="Mangal"/>
-        <a:font script="Telu" typeface="Gautami"/>
-        <a:font script="Taml" typeface="Latha"/>
-        <a:font script="Syrc" typeface="Estrangelo Edessa"/>
-        <a:font script="Orya" typeface="Kalinga"/>
-        <a:font script="Mlym" typeface="Kartika"/>
-        <a:font script="Laoo" typeface="DokChampa"/>
-        <a:font script="Sinh" typeface="Iskoola Pota"/>
-        <a:font script="Mong" typeface="Mongolian Baiti"/>
-        <a:font script="Viet" typeface="Times New Roman"/>
-        <a:font script="Uigh" typeface="Microsoft Uighur"/>
-        <a:font script="Geor" typeface="Sylfaen"/>
-      </a:majorFont>
-      <a:minorFont>
-        <a:latin typeface="Gill Sans MT" panose="020B0502020104020203"/>
-        <a:ea typeface=""/>
-        <a:cs typeface=""/>
-        <a:font script="Jpan" typeface="游ゴシック"/>
-        <a:font script="Hang" typeface="맑은 고딕"/>
-        <a:font script="Hans" typeface="等线"/>
-        <a:font script="Hant" typeface="新細明體"/>
-        <a:font script="Arab" typeface="Arial"/>
-        <a:font script="Hebr" typeface="Arial"/>
-        <a:font script="Thai" typeface="Cordia New"/>
+        <a:font script="Arab" typeface="Tahoma"/>
+        <a:font script="Hebr" typeface="Gisha"/>
+        <a:font script="Thai" typeface="DilleniaUPC"/>
         <a:font script="Ethi" typeface="Nyala"/>
         <a:font script="Beng" typeface="Vrinda"/>
         <a:font script="Gujr" typeface="Shruti"/>
@@ -5644,63 +6146,63 @@
         <a:font script="Laoo" typeface="DokChampa"/>
         <a:font script="Sinh" typeface="Iskoola Pota"/>
         <a:font script="Mong" typeface="Mongolian Baiti"/>
-        <a:font script="Viet" typeface="Arial"/>
+        <a:font script="Viet" typeface="Tahoma"/>
+        <a:font script="Uigh" typeface="Microsoft Uighur"/>
+        <a:font script="Geor" typeface="Sylfaen"/>
+      </a:majorFont>
+      <a:minorFont>
+        <a:latin typeface="Century Schoolbook" panose="02040604050505020304"/>
+        <a:ea typeface=""/>
+        <a:cs typeface=""/>
+        <a:font script="Jpan" typeface="ＭＳ ゴシック"/>
+        <a:font script="Hang" typeface="맑은 고딕"/>
+        <a:font script="Hans" typeface="宋体"/>
+        <a:font script="Hant" typeface="新細明體"/>
+        <a:font script="Arab" typeface="Tahoma"/>
+        <a:font script="Hebr" typeface="Gisha"/>
+        <a:font script="Thai" typeface="DilleniaUPC"/>
+        <a:font script="Ethi" typeface="Nyala"/>
+        <a:font script="Beng" typeface="Vrinda"/>
+        <a:font script="Gujr" typeface="Shruti"/>
+        <a:font script="Khmr" typeface="DaunPenh"/>
+        <a:font script="Knda" typeface="Tunga"/>
+        <a:font script="Guru" typeface="Raavi"/>
+        <a:font script="Cans" typeface="Euphemia"/>
+        <a:font script="Cher" typeface="Plantagenet Cherokee"/>
+        <a:font script="Yiii" typeface="Microsoft Yi Baiti"/>
+        <a:font script="Tibt" typeface="Microsoft Himalaya"/>
+        <a:font script="Thaa" typeface="MV Boli"/>
+        <a:font script="Deva" typeface="Mangal"/>
+        <a:font script="Telu" typeface="Gautami"/>
+        <a:font script="Taml" typeface="Latha"/>
+        <a:font script="Syrc" typeface="Estrangelo Edessa"/>
+        <a:font script="Orya" typeface="Kalinga"/>
+        <a:font script="Mlym" typeface="Kartika"/>
+        <a:font script="Laoo" typeface="DokChampa"/>
+        <a:font script="Sinh" typeface="Iskoola Pota"/>
+        <a:font script="Mong" typeface="Mongolian Baiti"/>
+        <a:font script="Viet" typeface="Verdana"/>
         <a:font script="Uigh" typeface="Microsoft Uighur"/>
         <a:font script="Geor" typeface="Sylfaen"/>
       </a:minorFont>
     </a:fontScheme>
-    <a:fmtScheme name="Галерея">
+    <a:fmtScheme name="Вид">
       <a:fillStyleLst>
         <a:solidFill>
           <a:schemeClr val="phClr"/>
         </a:solidFill>
-        <a:gradFill rotWithShape="1">
-          <a:gsLst>
-            <a:gs pos="0">
-              <a:schemeClr val="phClr">
-                <a:tint val="54000"/>
-                <a:alpha val="100000"/>
-                <a:satMod val="105000"/>
-                <a:lumMod val="110000"/>
-              </a:schemeClr>
-            </a:gs>
-            <a:gs pos="100000">
-              <a:schemeClr val="phClr">
-                <a:tint val="78000"/>
-                <a:alpha val="92000"/>
-                <a:satMod val="109000"/>
-                <a:lumMod val="100000"/>
-              </a:schemeClr>
-            </a:gs>
-          </a:gsLst>
-          <a:lin ang="5400000" scaled="0"/>
-        </a:gradFill>
-        <a:gradFill rotWithShape="1">
-          <a:gsLst>
-            <a:gs pos="0">
-              <a:schemeClr val="phClr">
-                <a:tint val="98000"/>
-                <a:satMod val="110000"/>
-                <a:lumMod val="104000"/>
-              </a:schemeClr>
-            </a:gs>
-            <a:gs pos="69000">
-              <a:schemeClr val="phClr">
-                <a:shade val="88000"/>
-                <a:satMod val="130000"/>
-                <a:lumMod val="92000"/>
-              </a:schemeClr>
-            </a:gs>
-            <a:gs pos="100000">
-              <a:schemeClr val="phClr">
-                <a:shade val="78000"/>
-                <a:satMod val="130000"/>
-                <a:lumMod val="92000"/>
-              </a:schemeClr>
-            </a:gs>
-          </a:gsLst>
-          <a:lin ang="5400000" scaled="0"/>
-        </a:gradFill>
+        <a:solidFill>
+          <a:schemeClr val="phClr">
+            <a:tint val="60000"/>
+            <a:satMod val="120000"/>
+          </a:schemeClr>
+        </a:solidFill>
+        <a:solidFill>
+          <a:schemeClr val="phClr">
+            <a:shade val="75000"/>
+            <a:satMod val="160000"/>
+          </a:schemeClr>
+        </a:solidFill>
       </a:fillStyleLst>
       <a:lnStyleLst>
         <a:ln w="9525" cap="flat" cmpd="sng" algn="ctr">
@@ -5709,15 +6211,19 @@
           </a:solidFill>
           <a:prstDash val="solid"/>
         </a:ln>
-        <a:ln w="15875" cap="flat" cmpd="sng" algn="ctr">
+        <a:ln w="13970" cap="flat" cmpd="sng" algn="ctr">
           <a:solidFill>
             <a:schemeClr val="phClr"/>
           </a:solidFill>
           <a:prstDash val="solid"/>
         </a:ln>
-        <a:ln w="22225" cap="flat" cmpd="sng" algn="ctr">
+        <a:ln w="17145" cap="flat" cmpd="sng" algn="ctr">
           <a:solidFill>
-            <a:schemeClr val="phClr"/>
+            <a:schemeClr val="phClr">
+              <a:shade val="95000"/>
+              <a:alpha val="95000"/>
+              <a:satMod val="150000"/>
+            </a:schemeClr>
           </a:solidFill>
           <a:prstDash val="solid"/>
         </a:ln>
@@ -5727,13 +6233,10 @@
           <a:effectLst/>
         </a:effectStyle>
         <a:effectStyle>
-          <a:effectLst/>
-        </a:effectStyle>
-        <a:effectStyle>
           <a:effectLst>
-            <a:outerShdw blurRad="50800" dist="50800" dir="5400000" sx="96000" sy="96000" rotWithShape="0">
+            <a:outerShdw blurRad="50800" dist="15240" dir="5400000" algn="tl" rotWithShape="0">
               <a:srgbClr val="000000">
-                <a:alpha val="48000"/>
+                <a:alpha val="75000"/>
               </a:srgbClr>
             </a:outerShdw>
           </a:effectLst>
@@ -5741,12 +6244,40 @@
             <a:camera prst="orthographicFront">
               <a:rot lat="0" lon="0" rev="0"/>
             </a:camera>
-            <a:lightRig rig="balanced" dir="t">
-              <a:rot lat="0" lon="0" rev="1080000"/>
-            </a:lightRig>
+            <a:lightRig rig="brightRoom" dir="tl"/>
           </a:scene3d>
-          <a:sp3d>
-            <a:bevelT w="38100" h="12700" prst="softRound"/>
+          <a:sp3d contourW="9525" prstMaterial="flat">
+            <a:bevelT w="0" h="0" prst="coolSlant"/>
+            <a:contourClr>
+              <a:schemeClr val="phClr">
+                <a:shade val="35000"/>
+                <a:satMod val="130000"/>
+              </a:schemeClr>
+            </a:contourClr>
+          </a:sp3d>
+        </a:effectStyle>
+        <a:effectStyle>
+          <a:effectLst>
+            <a:outerShdw blurRad="76200" dist="25400" dir="5400000" algn="tl" rotWithShape="0">
+              <a:srgbClr val="000000">
+                <a:alpha val="55000"/>
+              </a:srgbClr>
+            </a:outerShdw>
+          </a:effectLst>
+          <a:scene3d>
+            <a:camera prst="orthographicFront">
+              <a:rot lat="0" lon="0" rev="0"/>
+            </a:camera>
+            <a:lightRig rig="brightRoom" dir="tl"/>
+          </a:scene3d>
+          <a:sp3d contourW="19050" prstMaterial="flat">
+            <a:bevelT w="0" h="0" prst="coolSlant"/>
+            <a:contourClr>
+              <a:schemeClr val="phClr">
+                <a:shade val="25000"/>
+                <a:satMod val="140000"/>
+              </a:schemeClr>
+            </a:contourClr>
           </a:sp3d>
         </a:effectStyle>
       </a:effectStyleLst>
@@ -5755,25 +6286,31 @@
           <a:schemeClr val="phClr"/>
         </a:solidFill>
         <a:solidFill>
-          <a:schemeClr val="phClr"/>
+          <a:schemeClr val="phClr">
+            <a:tint val="95000"/>
+            <a:satMod val="170000"/>
+          </a:schemeClr>
         </a:solidFill>
         <a:gradFill rotWithShape="1">
           <a:gsLst>
             <a:gs pos="0">
               <a:schemeClr val="phClr">
                 <a:tint val="94000"/>
-                <a:satMod val="80000"/>
-                <a:lumMod val="106000"/>
+                <a:shade val="98000"/>
+                <a:satMod val="130000"/>
+                <a:lumMod val="102000"/>
               </a:schemeClr>
             </a:gs>
             <a:gs pos="100000">
               <a:schemeClr val="phClr">
-                <a:shade val="80000"/>
+                <a:tint val="98000"/>
+                <a:shade val="78000"/>
+                <a:satMod val="140000"/>
               </a:schemeClr>
             </a:gs>
           </a:gsLst>
           <a:path path="circle">
-            <a:fillToRect l="43000" r="43000" b="100000"/>
+            <a:fillToRect l="100000" t="100000" r="100000" b="100000"/>
           </a:path>
         </a:gradFill>
       </a:bgFillStyleLst>
@@ -5783,7 +6320,7 @@
   <a:extraClrSchemeLst/>
   <a:extLst>
     <a:ext uri="{05A4C25C-085E-4340-85A3-A5531E510DB2}">
-      <thm15:themeFamily xmlns:thm15="http://schemas.microsoft.com/office/thememl/2012/main" name="Gallery" id="{BBFCD31E-59A1-489D-B089-A3EAD7CAE12E}" vid="{F5E91637-A7B6-4E27-B710-77DA7014EE1E}"/>
+      <thm15:themeFamily xmlns:thm15="http://schemas.microsoft.com/office/thememl/2012/main" name="View" id="{BA0EB5A6-F2D4-4F82-977B-64ADEE4A2A69}" vid="{3969A8A2-35DB-4E3B-8885-16FD20568674}"/>
     </a:ext>
   </a:extLst>
 </a:theme>

--- a/Вадим презентация.pptx
+++ b/Вадим презентация.pptx
@@ -16,6 +16,8 @@
     <p:sldId id="265" r:id="rId10"/>
     <p:sldId id="266" r:id="rId11"/>
     <p:sldId id="267" r:id="rId12"/>
+    <p:sldId id="268" r:id="rId13"/>
+    <p:sldId id="269" r:id="rId14"/>
   </p:sldIdLst>
   <p:sldSz cx="12192000" cy="6858000"/>
   <p:notesSz cx="6858000" cy="9144000"/>
@@ -134,6 +136,8 @@
             <p14:sldId id="265"/>
             <p14:sldId id="266"/>
             <p14:sldId id="267"/>
+            <p14:sldId id="268"/>
+            <p14:sldId id="269"/>
           </p14:sldIdLst>
         </p14:section>
       </p14:sectionLst>
@@ -313,7 +317,7 @@
           <a:p>
             <a:fld id="{48A87A34-81AB-432B-8DAE-1953F412C126}" type="datetimeFigureOut">
               <a:rPr lang="en-US" smtClean="0"/>
-              <a:t>10/18/2021</a:t>
+              <a:t>10/20/2021</a:t>
             </a:fld>
             <a:endParaRPr lang="en-US" dirty="0"/>
           </a:p>
@@ -541,7 +545,7 @@
           <a:p>
             <a:fld id="{48A87A34-81AB-432B-8DAE-1953F412C126}" type="datetimeFigureOut">
               <a:rPr lang="en-US" smtClean="0"/>
-              <a:t>10/18/2021</a:t>
+              <a:t>10/20/2021</a:t>
             </a:fld>
             <a:endParaRPr lang="en-US" dirty="0"/>
           </a:p>
@@ -721,7 +725,7 @@
           <a:p>
             <a:fld id="{48A87A34-81AB-432B-8DAE-1953F412C126}" type="datetimeFigureOut">
               <a:rPr lang="en-US" smtClean="0"/>
-              <a:t>10/18/2021</a:t>
+              <a:t>10/20/2021</a:t>
             </a:fld>
             <a:endParaRPr lang="en-US" dirty="0"/>
           </a:p>
@@ -891,7 +895,7 @@
           <a:p>
             <a:fld id="{48A87A34-81AB-432B-8DAE-1953F412C126}" type="datetimeFigureOut">
               <a:rPr lang="en-US" smtClean="0"/>
-              <a:t>10/18/2021</a:t>
+              <a:t>10/20/2021</a:t>
             </a:fld>
             <a:endParaRPr lang="en-US" dirty="0"/>
           </a:p>
@@ -1145,7 +1149,7 @@
           <a:p>
             <a:fld id="{48A87A34-81AB-432B-8DAE-1953F412C126}" type="datetimeFigureOut">
               <a:rPr lang="en-US" smtClean="0"/>
-              <a:t>10/18/2021</a:t>
+              <a:t>10/20/2021</a:t>
             </a:fld>
             <a:endParaRPr lang="en-US" dirty="0"/>
           </a:p>
@@ -1471,7 +1475,7 @@
           <a:p>
             <a:fld id="{48A87A34-81AB-432B-8DAE-1953F412C126}" type="datetimeFigureOut">
               <a:rPr lang="en-US" smtClean="0"/>
-              <a:t>10/18/2021</a:t>
+              <a:t>10/20/2021</a:t>
             </a:fld>
             <a:endParaRPr lang="en-US" dirty="0"/>
           </a:p>
@@ -1922,7 +1926,7 @@
           <a:p>
             <a:fld id="{48A87A34-81AB-432B-8DAE-1953F412C126}" type="datetimeFigureOut">
               <a:rPr lang="en-US" smtClean="0"/>
-              <a:t>10/18/2021</a:t>
+              <a:t>10/20/2021</a:t>
             </a:fld>
             <a:endParaRPr lang="en-US" dirty="0"/>
           </a:p>
@@ -2040,7 +2044,7 @@
           <a:p>
             <a:fld id="{48A87A34-81AB-432B-8DAE-1953F412C126}" type="datetimeFigureOut">
               <a:rPr lang="en-US" smtClean="0"/>
-              <a:t>10/18/2021</a:t>
+              <a:t>10/20/2021</a:t>
             </a:fld>
             <a:endParaRPr lang="en-US" dirty="0"/>
           </a:p>
@@ -2135,7 +2139,7 @@
           <a:p>
             <a:fld id="{48A87A34-81AB-432B-8DAE-1953F412C126}" type="datetimeFigureOut">
               <a:rPr lang="en-US" smtClean="0"/>
-              <a:t>10/18/2021</a:t>
+              <a:t>10/20/2021</a:t>
             </a:fld>
             <a:endParaRPr lang="en-US" dirty="0"/>
           </a:p>
@@ -2422,7 +2426,7 @@
           <a:p>
             <a:fld id="{48A87A34-81AB-432B-8DAE-1953F412C126}" type="datetimeFigureOut">
               <a:rPr lang="en-US" smtClean="0"/>
-              <a:t>10/18/2021</a:t>
+              <a:t>10/20/2021</a:t>
             </a:fld>
             <a:endParaRPr lang="en-US" dirty="0"/>
           </a:p>
@@ -2745,7 +2749,7 @@
             <a:fld id="{48A87A34-81AB-432B-8DAE-1953F412C126}" type="datetimeFigureOut">
               <a:rPr lang="en-US" smtClean="0"/>
               <a:pPr/>
-              <a:t>10/18/2021</a:t>
+              <a:t>10/20/2021</a:t>
             </a:fld>
             <a:endParaRPr lang="en-US" dirty="0"/>
           </a:p>
@@ -3000,7 +3004,7 @@
             <a:fld id="{48A87A34-81AB-432B-8DAE-1953F412C126}" type="datetimeFigureOut">
               <a:rPr lang="en-US" smtClean="0"/>
               <a:pPr/>
-              <a:t>10/18/2021</a:t>
+              <a:t>10/20/2021</a:t>
             </a:fld>
             <a:endParaRPr lang="en-US" dirty="0"/>
           </a:p>
@@ -4252,6 +4256,464 @@
 </p:sld>
 </file>
 
+<file path=ppt/slides/slide12.xml><?xml version="1.0" encoding="utf-8"?>
+<p:sld xmlns:a="http://schemas.openxmlformats.org/drawingml/2006/main" xmlns:r="http://schemas.openxmlformats.org/officeDocument/2006/relationships" xmlns:p="http://schemas.openxmlformats.org/presentationml/2006/main">
+  <p:cSld>
+    <p:spTree>
+      <p:nvGrpSpPr>
+        <p:cNvPr id="1" name=""/>
+        <p:cNvGrpSpPr/>
+        <p:nvPr/>
+      </p:nvGrpSpPr>
+      <p:grpSpPr>
+        <a:xfrm>
+          <a:off x="0" y="0"/>
+          <a:ext cx="0" cy="0"/>
+          <a:chOff x="0" y="0"/>
+          <a:chExt cx="0" cy="0"/>
+        </a:xfrm>
+      </p:grpSpPr>
+      <p:sp>
+        <p:nvSpPr>
+          <p:cNvPr id="2" name="Заголовок 1">
+            <a:extLst>
+              <a:ext uri="{FF2B5EF4-FFF2-40B4-BE49-F238E27FC236}">
+                <a16:creationId xmlns:a16="http://schemas.microsoft.com/office/drawing/2014/main" id="{F736836A-4A0A-4144-A5FB-689FA91F3CBC}"/>
+              </a:ext>
+            </a:extLst>
+          </p:cNvPr>
+          <p:cNvSpPr>
+            <a:spLocks noGrp="1"/>
+          </p:cNvSpPr>
+          <p:nvPr>
+            <p:ph type="title"/>
+          </p:nvPr>
+        </p:nvSpPr>
+        <p:spPr>
+          <a:xfrm>
+            <a:off x="-94350" y="46137"/>
+            <a:ext cx="12286350" cy="998290"/>
+          </a:xfrm>
+        </p:spPr>
+        <p:txBody>
+          <a:bodyPr>
+            <a:normAutofit fontScale="90000"/>
+          </a:bodyPr>
+          <a:lstStyle/>
+          <a:p>
+            <a:r>
+              <a:rPr lang="ru-RU" dirty="0"/>
+              <a:t>Вычислить площадь трапеции</a:t>
+            </a:r>
+          </a:p>
+        </p:txBody>
+      </p:sp>
+      <p:sp>
+        <p:nvSpPr>
+          <p:cNvPr id="3" name="Текст 2">
+            <a:extLst>
+              <a:ext uri="{FF2B5EF4-FFF2-40B4-BE49-F238E27FC236}">
+                <a16:creationId xmlns:a16="http://schemas.microsoft.com/office/drawing/2014/main" id="{CCFDD07E-ADD8-4156-ABCB-74D5548E6AAB}"/>
+              </a:ext>
+            </a:extLst>
+          </p:cNvPr>
+          <p:cNvSpPr>
+            <a:spLocks noGrp="1"/>
+          </p:cNvSpPr>
+          <p:nvPr>
+            <p:ph type="body" idx="1"/>
+          </p:nvPr>
+        </p:nvSpPr>
+        <p:spPr>
+          <a:xfrm>
+            <a:off x="456528" y="1042330"/>
+            <a:ext cx="10835053" cy="5660473"/>
+          </a:xfrm>
+        </p:spPr>
+        <p:txBody>
+          <a:bodyPr>
+            <a:normAutofit fontScale="92500" lnSpcReduction="10000"/>
+          </a:bodyPr>
+          <a:lstStyle/>
+          <a:p>
+            <a:r>
+              <a:rPr lang="ru-RU" dirty="0"/>
+              <a:t>Во первых выводим приветственное сообщение</a:t>
+            </a:r>
+            <a:r>
+              <a:rPr lang="en-US" dirty="0"/>
+              <a:t>:</a:t>
+            </a:r>
+          </a:p>
+          <a:p>
+            <a:r>
+              <a:rPr lang="en-US" dirty="0"/>
+              <a:t> alert(“</a:t>
+            </a:r>
+            <a:r>
+              <a:rPr lang="ru-RU" dirty="0"/>
+              <a:t>программа подсчета площади трапеции</a:t>
+            </a:r>
+            <a:r>
+              <a:rPr lang="en-US" dirty="0"/>
+              <a:t>”);</a:t>
+            </a:r>
+            <a:endParaRPr lang="ru-RU" dirty="0"/>
+          </a:p>
+          <a:p>
+            <a:r>
+              <a:rPr lang="ru-RU" dirty="0"/>
+              <a:t>Запрашиваем у пользователя 3 значения</a:t>
+            </a:r>
+            <a:r>
+              <a:rPr lang="en-US" dirty="0"/>
+              <a:t>:</a:t>
+            </a:r>
+          </a:p>
+          <a:p>
+            <a:r>
+              <a:rPr lang="en-US" dirty="0"/>
+              <a:t>var a = prompt(“</a:t>
+            </a:r>
+            <a:r>
+              <a:rPr lang="ru-RU" dirty="0"/>
+              <a:t>введите длину верхнего основания</a:t>
+            </a:r>
+            <a:r>
+              <a:rPr lang="en-US" dirty="0"/>
+              <a:t>”);</a:t>
+            </a:r>
+          </a:p>
+          <a:p>
+            <a:r>
+              <a:rPr lang="en-US" dirty="0"/>
+              <a:t>var b = prompt(“</a:t>
+            </a:r>
+            <a:r>
+              <a:rPr lang="ru-RU" dirty="0"/>
+              <a:t>введите длину нижнего основания</a:t>
+            </a:r>
+            <a:r>
+              <a:rPr lang="en-US" dirty="0"/>
+              <a:t>”);</a:t>
+            </a:r>
+          </a:p>
+          <a:p>
+            <a:r>
+              <a:rPr lang="en-US" dirty="0"/>
+              <a:t>var h = prompt(“</a:t>
+            </a:r>
+            <a:r>
+              <a:rPr lang="ru-RU" dirty="0"/>
+              <a:t>введите высоту</a:t>
+            </a:r>
+            <a:r>
+              <a:rPr lang="en-US" dirty="0"/>
+              <a:t>”);</a:t>
+            </a:r>
+            <a:endParaRPr lang="ru-RU" dirty="0"/>
+          </a:p>
+          <a:p>
+            <a:r>
+              <a:rPr lang="ru-RU" dirty="0"/>
+              <a:t> и применяем указанную формулу</a:t>
+            </a:r>
+            <a:r>
+              <a:rPr lang="en-US" dirty="0"/>
+              <a:t>:</a:t>
+            </a:r>
+          </a:p>
+          <a:p>
+            <a:r>
+              <a:rPr lang="en-US" dirty="0"/>
+              <a:t>var s = (a + b) / 2 * h;</a:t>
+            </a:r>
+          </a:p>
+          <a:p>
+            <a:r>
+              <a:rPr lang="ru-RU" dirty="0"/>
+              <a:t>И запускаем программу.</a:t>
+            </a:r>
+          </a:p>
+          <a:p>
+            <a:r>
+              <a:rPr lang="ru-RU" dirty="0"/>
+              <a:t>Значения </a:t>
+            </a:r>
+            <a:r>
+              <a:rPr lang="en-US" dirty="0"/>
+              <a:t>a </a:t>
+            </a:r>
+            <a:r>
+              <a:rPr lang="ru-RU" dirty="0"/>
+              <a:t>и </a:t>
+            </a:r>
+            <a:r>
+              <a:rPr lang="en-US" dirty="0"/>
+              <a:t>b </a:t>
+            </a:r>
+            <a:r>
+              <a:rPr lang="ru-RU" dirty="0"/>
+              <a:t>после работы команды </a:t>
+            </a:r>
+            <a:r>
+              <a:rPr lang="en-US" dirty="0"/>
+              <a:t>prompt</a:t>
+            </a:r>
+            <a:r>
+              <a:rPr lang="ru-RU" dirty="0"/>
+              <a:t> являются строковыми и когда мы их складываем мы получаем </a:t>
+            </a:r>
+            <a:r>
+              <a:rPr lang="ru-RU" dirty="0" err="1"/>
+              <a:t>склеинную</a:t>
+            </a:r>
+            <a:r>
+              <a:rPr lang="ru-RU" dirty="0"/>
+              <a:t> строку, чтобы это исправить нам нужно сконвертировать строковые представления </a:t>
+            </a:r>
+            <a:r>
+              <a:rPr lang="en-US" dirty="0"/>
+              <a:t>a b h</a:t>
+            </a:r>
+            <a:r>
+              <a:rPr lang="ru-RU" dirty="0"/>
+              <a:t> в числовые, сделать это можно через команду </a:t>
+            </a:r>
+            <a:r>
+              <a:rPr lang="en-US" dirty="0"/>
+              <a:t>a = </a:t>
+            </a:r>
+            <a:r>
+              <a:rPr lang="en-US" dirty="0" err="1"/>
+              <a:t>parseInt</a:t>
+            </a:r>
+            <a:r>
+              <a:rPr lang="en-US" dirty="0"/>
+              <a:t>(a) </a:t>
+            </a:r>
+            <a:r>
+              <a:rPr lang="ru-RU" dirty="0"/>
+              <a:t>или просто перед командой </a:t>
+            </a:r>
+            <a:r>
+              <a:rPr lang="en-US" dirty="0"/>
+              <a:t>prompt </a:t>
+            </a:r>
+            <a:r>
+              <a:rPr lang="ru-RU" dirty="0"/>
+              <a:t>поставить +</a:t>
+            </a:r>
+            <a:r>
+              <a:rPr lang="en-US" dirty="0"/>
+              <a:t> (+prompt)</a:t>
+            </a:r>
+            <a:endParaRPr lang="ru-RU" dirty="0"/>
+          </a:p>
+        </p:txBody>
+      </p:sp>
+    </p:spTree>
+    <p:extLst>
+      <p:ext uri="{BB962C8B-B14F-4D97-AF65-F5344CB8AC3E}">
+        <p14:creationId xmlns:p14="http://schemas.microsoft.com/office/powerpoint/2010/main" val="505879172"/>
+      </p:ext>
+    </p:extLst>
+  </p:cSld>
+  <p:clrMapOvr>
+    <a:masterClrMapping/>
+  </p:clrMapOvr>
+</p:sld>
+</file>
+
+<file path=ppt/slides/slide13.xml><?xml version="1.0" encoding="utf-8"?>
+<p:sld xmlns:a="http://schemas.openxmlformats.org/drawingml/2006/main" xmlns:r="http://schemas.openxmlformats.org/officeDocument/2006/relationships" xmlns:p="http://schemas.openxmlformats.org/presentationml/2006/main">
+  <p:cSld>
+    <p:spTree>
+      <p:nvGrpSpPr>
+        <p:cNvPr id="1" name=""/>
+        <p:cNvGrpSpPr/>
+        <p:nvPr/>
+      </p:nvGrpSpPr>
+      <p:grpSpPr>
+        <a:xfrm>
+          <a:off x="0" y="0"/>
+          <a:ext cx="0" cy="0"/>
+          <a:chOff x="0" y="0"/>
+          <a:chExt cx="0" cy="0"/>
+        </a:xfrm>
+      </p:grpSpPr>
+      <p:sp>
+        <p:nvSpPr>
+          <p:cNvPr id="2" name="Заголовок 1">
+            <a:extLst>
+              <a:ext uri="{FF2B5EF4-FFF2-40B4-BE49-F238E27FC236}">
+                <a16:creationId xmlns:a16="http://schemas.microsoft.com/office/drawing/2014/main" id="{54B66E2E-6627-456F-AC0B-282C99517753}"/>
+              </a:ext>
+            </a:extLst>
+          </p:cNvPr>
+          <p:cNvSpPr>
+            <a:spLocks noGrp="1"/>
+          </p:cNvSpPr>
+          <p:nvPr>
+            <p:ph type="title"/>
+          </p:nvPr>
+        </p:nvSpPr>
+        <p:spPr>
+          <a:xfrm>
+            <a:off x="639827" y="0"/>
+            <a:ext cx="10618199" cy="1772174"/>
+          </a:xfrm>
+        </p:spPr>
+        <p:txBody>
+          <a:bodyPr>
+            <a:normAutofit fontScale="90000"/>
+          </a:bodyPr>
+          <a:lstStyle/>
+          <a:p>
+            <a:r>
+              <a:rPr lang="ru-RU" dirty="0"/>
+              <a:t>В итоге получается такой </a:t>
+            </a:r>
+            <a:br>
+              <a:rPr lang="ru-RU" dirty="0"/>
+            </a:br>
+            <a:r>
+              <a:rPr lang="ru-RU" dirty="0"/>
+              <a:t>                   код   </a:t>
+            </a:r>
+          </a:p>
+        </p:txBody>
+      </p:sp>
+      <p:sp>
+        <p:nvSpPr>
+          <p:cNvPr id="3" name="Текст 2">
+            <a:extLst>
+              <a:ext uri="{FF2B5EF4-FFF2-40B4-BE49-F238E27FC236}">
+                <a16:creationId xmlns:a16="http://schemas.microsoft.com/office/drawing/2014/main" id="{101CF0EB-3BF4-4790-AA46-F484CAC3C42D}"/>
+              </a:ext>
+            </a:extLst>
+          </p:cNvPr>
+          <p:cNvSpPr>
+            <a:spLocks noGrp="1"/>
+          </p:cNvSpPr>
+          <p:nvPr>
+            <p:ph type="body" idx="1"/>
+          </p:nvPr>
+        </p:nvSpPr>
+        <p:spPr>
+          <a:xfrm>
+            <a:off x="481696" y="1687446"/>
+            <a:ext cx="10776330" cy="4965024"/>
+          </a:xfrm>
+        </p:spPr>
+        <p:txBody>
+          <a:bodyPr/>
+          <a:lstStyle/>
+          <a:p>
+            <a:r>
+              <a:rPr lang="en-US" dirty="0"/>
+              <a:t>&lt;meta charset=“utf-8&gt;</a:t>
+            </a:r>
+          </a:p>
+          <a:p>
+            <a:r>
+              <a:rPr lang="en-US" dirty="0"/>
+              <a:t>&lt;script&gt;</a:t>
+            </a:r>
+          </a:p>
+          <a:p>
+            <a:r>
+              <a:rPr lang="en-US" dirty="0"/>
+              <a:t>      alert(“</a:t>
+            </a:r>
+            <a:r>
+              <a:rPr lang="ru-RU" dirty="0"/>
+              <a:t>программа подсчета площади трапеции</a:t>
+            </a:r>
+            <a:r>
+              <a:rPr lang="en-US" dirty="0"/>
+              <a:t>”);</a:t>
+            </a:r>
+          </a:p>
+          <a:p>
+            <a:r>
+              <a:rPr lang="en-US" dirty="0"/>
+              <a:t>      var a = +prompt(“</a:t>
+            </a:r>
+            <a:r>
+              <a:rPr lang="ru-RU" dirty="0"/>
+              <a:t>введите длину верхнего основания</a:t>
+            </a:r>
+            <a:r>
+              <a:rPr lang="en-US" dirty="0"/>
+              <a:t>”);</a:t>
+            </a:r>
+          </a:p>
+          <a:p>
+            <a:r>
+              <a:rPr lang="en-US" dirty="0"/>
+              <a:t>      var b = +prompt(“</a:t>
+            </a:r>
+            <a:r>
+              <a:rPr lang="ru-RU" dirty="0"/>
+              <a:t>введите длину нижнего основания</a:t>
+            </a:r>
+            <a:r>
+              <a:rPr lang="en-US" dirty="0"/>
+              <a:t>”);</a:t>
+            </a:r>
+          </a:p>
+          <a:p>
+            <a:r>
+              <a:rPr lang="en-US" dirty="0"/>
+              <a:t>      var h = +prompt(“</a:t>
+            </a:r>
+            <a:r>
+              <a:rPr lang="ru-RU" dirty="0"/>
+              <a:t>введите высоту</a:t>
+            </a:r>
+            <a:r>
+              <a:rPr lang="en-US" dirty="0"/>
+              <a:t>”);</a:t>
+            </a:r>
+          </a:p>
+          <a:p>
+            <a:r>
+              <a:rPr lang="en-US" dirty="0"/>
+              <a:t>var s = (a + b) / 2 * h;</a:t>
+            </a:r>
+          </a:p>
+          <a:p>
+            <a:r>
+              <a:rPr lang="en-US" dirty="0"/>
+              <a:t>alert(s);</a:t>
+            </a:r>
+          </a:p>
+          <a:p>
+            <a:r>
+              <a:rPr lang="en-US" dirty="0"/>
+              <a:t>&lt;/script&gt;</a:t>
+            </a:r>
+            <a:endParaRPr lang="ru-RU" dirty="0"/>
+          </a:p>
+          <a:p>
+            <a:endParaRPr lang="ru-RU" dirty="0"/>
+          </a:p>
+        </p:txBody>
+      </p:sp>
+    </p:spTree>
+    <p:extLst>
+      <p:ext uri="{BB962C8B-B14F-4D97-AF65-F5344CB8AC3E}">
+        <p14:creationId xmlns:p14="http://schemas.microsoft.com/office/powerpoint/2010/main" val="1014280259"/>
+      </p:ext>
+    </p:extLst>
+  </p:cSld>
+  <p:clrMapOvr>
+    <a:masterClrMapping/>
+  </p:clrMapOvr>
+</p:sld>
+</file>
+
 <file path=ppt/slides/slide2.xml><?xml version="1.0" encoding="utf-8"?>
 <p:sld xmlns:a="http://schemas.openxmlformats.org/drawingml/2006/main" xmlns:r="http://schemas.openxmlformats.org/officeDocument/2006/relationships" xmlns:p="http://schemas.openxmlformats.org/presentationml/2006/main">
   <p:cSld>

--- a/Вадим презентация.pptx
+++ b/Вадим презентация.pptx
@@ -18,6 +18,12 @@
     <p:sldId id="267" r:id="rId12"/>
     <p:sldId id="268" r:id="rId13"/>
     <p:sldId id="269" r:id="rId14"/>
+    <p:sldId id="270" r:id="rId15"/>
+    <p:sldId id="271" r:id="rId16"/>
+    <p:sldId id="272" r:id="rId17"/>
+    <p:sldId id="273" r:id="rId18"/>
+    <p:sldId id="274" r:id="rId19"/>
+    <p:sldId id="275" r:id="rId20"/>
   </p:sldIdLst>
   <p:sldSz cx="12192000" cy="6858000"/>
   <p:notesSz cx="6858000" cy="9144000"/>
@@ -138,6 +144,12 @@
             <p14:sldId id="267"/>
             <p14:sldId id="268"/>
             <p14:sldId id="269"/>
+            <p14:sldId id="270"/>
+            <p14:sldId id="271"/>
+            <p14:sldId id="272"/>
+            <p14:sldId id="273"/>
+            <p14:sldId id="274"/>
+            <p14:sldId id="275"/>
           </p14:sldIdLst>
         </p14:section>
       </p14:sectionLst>
@@ -317,7 +329,7 @@
           <a:p>
             <a:fld id="{48A87A34-81AB-432B-8DAE-1953F412C126}" type="datetimeFigureOut">
               <a:rPr lang="en-US" smtClean="0"/>
-              <a:t>10/20/2021</a:t>
+              <a:t>10/21/2021</a:t>
             </a:fld>
             <a:endParaRPr lang="en-US" dirty="0"/>
           </a:p>
@@ -545,7 +557,7 @@
           <a:p>
             <a:fld id="{48A87A34-81AB-432B-8DAE-1953F412C126}" type="datetimeFigureOut">
               <a:rPr lang="en-US" smtClean="0"/>
-              <a:t>10/20/2021</a:t>
+              <a:t>10/21/2021</a:t>
             </a:fld>
             <a:endParaRPr lang="en-US" dirty="0"/>
           </a:p>
@@ -725,7 +737,7 @@
           <a:p>
             <a:fld id="{48A87A34-81AB-432B-8DAE-1953F412C126}" type="datetimeFigureOut">
               <a:rPr lang="en-US" smtClean="0"/>
-              <a:t>10/20/2021</a:t>
+              <a:t>10/21/2021</a:t>
             </a:fld>
             <a:endParaRPr lang="en-US" dirty="0"/>
           </a:p>
@@ -895,7 +907,7 @@
           <a:p>
             <a:fld id="{48A87A34-81AB-432B-8DAE-1953F412C126}" type="datetimeFigureOut">
               <a:rPr lang="en-US" smtClean="0"/>
-              <a:t>10/20/2021</a:t>
+              <a:t>10/21/2021</a:t>
             </a:fld>
             <a:endParaRPr lang="en-US" dirty="0"/>
           </a:p>
@@ -1149,7 +1161,7 @@
           <a:p>
             <a:fld id="{48A87A34-81AB-432B-8DAE-1953F412C126}" type="datetimeFigureOut">
               <a:rPr lang="en-US" smtClean="0"/>
-              <a:t>10/20/2021</a:t>
+              <a:t>10/21/2021</a:t>
             </a:fld>
             <a:endParaRPr lang="en-US" dirty="0"/>
           </a:p>
@@ -1475,7 +1487,7 @@
           <a:p>
             <a:fld id="{48A87A34-81AB-432B-8DAE-1953F412C126}" type="datetimeFigureOut">
               <a:rPr lang="en-US" smtClean="0"/>
-              <a:t>10/20/2021</a:t>
+              <a:t>10/21/2021</a:t>
             </a:fld>
             <a:endParaRPr lang="en-US" dirty="0"/>
           </a:p>
@@ -1926,7 +1938,7 @@
           <a:p>
             <a:fld id="{48A87A34-81AB-432B-8DAE-1953F412C126}" type="datetimeFigureOut">
               <a:rPr lang="en-US" smtClean="0"/>
-              <a:t>10/20/2021</a:t>
+              <a:t>10/21/2021</a:t>
             </a:fld>
             <a:endParaRPr lang="en-US" dirty="0"/>
           </a:p>
@@ -2044,7 +2056,7 @@
           <a:p>
             <a:fld id="{48A87A34-81AB-432B-8DAE-1953F412C126}" type="datetimeFigureOut">
               <a:rPr lang="en-US" smtClean="0"/>
-              <a:t>10/20/2021</a:t>
+              <a:t>10/21/2021</a:t>
             </a:fld>
             <a:endParaRPr lang="en-US" dirty="0"/>
           </a:p>
@@ -2139,7 +2151,7 @@
           <a:p>
             <a:fld id="{48A87A34-81AB-432B-8DAE-1953F412C126}" type="datetimeFigureOut">
               <a:rPr lang="en-US" smtClean="0"/>
-              <a:t>10/20/2021</a:t>
+              <a:t>10/21/2021</a:t>
             </a:fld>
             <a:endParaRPr lang="en-US" dirty="0"/>
           </a:p>
@@ -2426,7 +2438,7 @@
           <a:p>
             <a:fld id="{48A87A34-81AB-432B-8DAE-1953F412C126}" type="datetimeFigureOut">
               <a:rPr lang="en-US" smtClean="0"/>
-              <a:t>10/20/2021</a:t>
+              <a:t>10/21/2021</a:t>
             </a:fld>
             <a:endParaRPr lang="en-US" dirty="0"/>
           </a:p>
@@ -2749,7 +2761,7 @@
             <a:fld id="{48A87A34-81AB-432B-8DAE-1953F412C126}" type="datetimeFigureOut">
               <a:rPr lang="en-US" smtClean="0"/>
               <a:pPr/>
-              <a:t>10/20/2021</a:t>
+              <a:t>10/21/2021</a:t>
             </a:fld>
             <a:endParaRPr lang="en-US" dirty="0"/>
           </a:p>
@@ -3004,7 +3016,7 @@
             <a:fld id="{48A87A34-81AB-432B-8DAE-1953F412C126}" type="datetimeFigureOut">
               <a:rPr lang="en-US" smtClean="0"/>
               <a:pPr/>
-              <a:t>10/20/2021</a:t>
+              <a:t>10/21/2021</a:t>
             </a:fld>
             <a:endParaRPr lang="en-US" dirty="0"/>
           </a:p>
@@ -4057,13 +4069,13 @@
           <a:p>
             <a:r>
               <a:rPr lang="en-US" dirty="0"/>
-              <a:t>var (b) euro = 63.0;                                              </a:t>
-            </a:r>
-          </a:p>
-          <a:p>
-            <a:r>
-              <a:rPr lang="en-US" dirty="0"/>
-              <a:t>var © dollar = 56.</a:t>
+              <a:t>var euro = 63.0;                                              </a:t>
+            </a:r>
+          </a:p>
+          <a:p>
+            <a:r>
+              <a:rPr lang="en-US" dirty="0"/>
+              <a:t>var dollar = 56;</a:t>
             </a:r>
           </a:p>
           <a:p>
@@ -4172,7 +4184,7 @@
             </a:r>
             <a:r>
               <a:rPr lang="en-US" dirty="0"/>
-              <a:t>“ +</a:t>
+              <a:t> +”</a:t>
             </a:r>
             <a:r>
               <a:rPr lang="ru-RU" dirty="0"/>
@@ -4705,6 +4717,2035 @@
     <p:extLst>
       <p:ext uri="{BB962C8B-B14F-4D97-AF65-F5344CB8AC3E}">
         <p14:creationId xmlns:p14="http://schemas.microsoft.com/office/powerpoint/2010/main" val="1014280259"/>
+      </p:ext>
+    </p:extLst>
+  </p:cSld>
+  <p:clrMapOvr>
+    <a:masterClrMapping/>
+  </p:clrMapOvr>
+</p:sld>
+</file>
+
+<file path=ppt/slides/slide14.xml><?xml version="1.0" encoding="utf-8"?>
+<p:sld xmlns:a="http://schemas.openxmlformats.org/drawingml/2006/main" xmlns:r="http://schemas.openxmlformats.org/officeDocument/2006/relationships" xmlns:p="http://schemas.openxmlformats.org/presentationml/2006/main">
+  <p:cSld>
+    <p:spTree>
+      <p:nvGrpSpPr>
+        <p:cNvPr id="1" name=""/>
+        <p:cNvGrpSpPr/>
+        <p:nvPr/>
+      </p:nvGrpSpPr>
+      <p:grpSpPr>
+        <a:xfrm>
+          <a:off x="0" y="0"/>
+          <a:ext cx="0" cy="0"/>
+          <a:chOff x="0" y="0"/>
+          <a:chExt cx="0" cy="0"/>
+        </a:xfrm>
+      </p:grpSpPr>
+      <p:sp>
+        <p:nvSpPr>
+          <p:cNvPr id="2" name="Заголовок 1">
+            <a:extLst>
+              <a:ext uri="{FF2B5EF4-FFF2-40B4-BE49-F238E27FC236}">
+                <a16:creationId xmlns:a16="http://schemas.microsoft.com/office/drawing/2014/main" id="{4E5C5202-A4C4-4D01-B24E-F4E484327F19}"/>
+              </a:ext>
+            </a:extLst>
+          </p:cNvPr>
+          <p:cNvSpPr>
+            <a:spLocks noGrp="1"/>
+          </p:cNvSpPr>
+          <p:nvPr>
+            <p:ph type="title"/>
+          </p:nvPr>
+        </p:nvSpPr>
+        <p:spPr>
+          <a:xfrm>
+            <a:off x="1386840" y="0"/>
+            <a:ext cx="9418320" cy="1193334"/>
+          </a:xfrm>
+        </p:spPr>
+        <p:txBody>
+          <a:bodyPr/>
+          <a:lstStyle/>
+          <a:p>
+            <a:r>
+              <a:rPr lang="ru-RU" dirty="0"/>
+              <a:t>       ветвления</a:t>
+            </a:r>
+          </a:p>
+        </p:txBody>
+      </p:sp>
+      <p:sp>
+        <p:nvSpPr>
+          <p:cNvPr id="3" name="Текст 2">
+            <a:extLst>
+              <a:ext uri="{FF2B5EF4-FFF2-40B4-BE49-F238E27FC236}">
+                <a16:creationId xmlns:a16="http://schemas.microsoft.com/office/drawing/2014/main" id="{65E2BA3B-B711-4518-B54B-0FF502181CF8}"/>
+              </a:ext>
+            </a:extLst>
+          </p:cNvPr>
+          <p:cNvSpPr>
+            <a:spLocks noGrp="1"/>
+          </p:cNvSpPr>
+          <p:nvPr>
+            <p:ph type="body" idx="1"/>
+          </p:nvPr>
+        </p:nvSpPr>
+        <p:spPr>
+          <a:xfrm>
+            <a:off x="473307" y="1193333"/>
+            <a:ext cx="10793108" cy="5601749"/>
+          </a:xfrm>
+        </p:spPr>
+        <p:txBody>
+          <a:bodyPr/>
+          <a:lstStyle/>
+          <a:p>
+            <a:r>
+              <a:rPr lang="ru-RU" dirty="0"/>
+              <a:t>                                              Рисуем блок схемы</a:t>
+            </a:r>
+          </a:p>
+          <a:p>
+            <a:endParaRPr lang="ru-RU" dirty="0"/>
+          </a:p>
+          <a:p>
+            <a:endParaRPr lang="ru-RU" dirty="0"/>
+          </a:p>
+          <a:p>
+            <a:r>
+              <a:rPr lang="ru-RU" dirty="0"/>
+              <a:t>                                       да                        нет</a:t>
+            </a:r>
+          </a:p>
+        </p:txBody>
+      </p:sp>
+      <p:sp>
+        <p:nvSpPr>
+          <p:cNvPr id="4" name="Овал 3">
+            <a:extLst>
+              <a:ext uri="{FF2B5EF4-FFF2-40B4-BE49-F238E27FC236}">
+                <a16:creationId xmlns:a16="http://schemas.microsoft.com/office/drawing/2014/main" id="{4D46B24F-D22A-4DA1-98E4-5470A9FF3A72}"/>
+              </a:ext>
+            </a:extLst>
+          </p:cNvPr>
+          <p:cNvSpPr/>
+          <p:nvPr/>
+        </p:nvSpPr>
+        <p:spPr>
+          <a:xfrm>
+            <a:off x="3749879" y="1753296"/>
+            <a:ext cx="2298584" cy="308297"/>
+          </a:xfrm>
+          <a:prstGeom prst="ellipse">
+            <a:avLst/>
+          </a:prstGeom>
+        </p:spPr>
+        <p:style>
+          <a:lnRef idx="2">
+            <a:schemeClr val="accent1">
+              <a:shade val="50000"/>
+            </a:schemeClr>
+          </a:lnRef>
+          <a:fillRef idx="1">
+            <a:schemeClr val="accent1"/>
+          </a:fillRef>
+          <a:effectRef idx="0">
+            <a:schemeClr val="accent1"/>
+          </a:effectRef>
+          <a:fontRef idx="minor">
+            <a:schemeClr val="lt1"/>
+          </a:fontRef>
+        </p:style>
+        <p:txBody>
+          <a:bodyPr rtlCol="0" anchor="ctr"/>
+          <a:lstStyle/>
+          <a:p>
+            <a:pPr algn="ctr"/>
+            <a:r>
+              <a:rPr lang="ru-RU" dirty="0"/>
+              <a:t>  начало</a:t>
+            </a:r>
+          </a:p>
+        </p:txBody>
+      </p:sp>
+      <p:sp>
+        <p:nvSpPr>
+          <p:cNvPr id="5" name="Параллелограмм 4">
+            <a:extLst>
+              <a:ext uri="{FF2B5EF4-FFF2-40B4-BE49-F238E27FC236}">
+                <a16:creationId xmlns:a16="http://schemas.microsoft.com/office/drawing/2014/main" id="{0523AC54-E120-4F51-94F1-795416D996D1}"/>
+              </a:ext>
+            </a:extLst>
+          </p:cNvPr>
+          <p:cNvSpPr/>
+          <p:nvPr/>
+        </p:nvSpPr>
+        <p:spPr>
+          <a:xfrm>
+            <a:off x="3882885" y="2319555"/>
+            <a:ext cx="2021747" cy="308297"/>
+          </a:xfrm>
+          <a:prstGeom prst="parallelogram">
+            <a:avLst/>
+          </a:prstGeom>
+        </p:spPr>
+        <p:style>
+          <a:lnRef idx="2">
+            <a:schemeClr val="accent1">
+              <a:shade val="50000"/>
+            </a:schemeClr>
+          </a:lnRef>
+          <a:fillRef idx="1">
+            <a:schemeClr val="accent1"/>
+          </a:fillRef>
+          <a:effectRef idx="0">
+            <a:schemeClr val="accent1"/>
+          </a:effectRef>
+          <a:fontRef idx="minor">
+            <a:schemeClr val="lt1"/>
+          </a:fontRef>
+        </p:style>
+        <p:txBody>
+          <a:bodyPr rtlCol="0" anchor="ctr"/>
+          <a:lstStyle/>
+          <a:p>
+            <a:pPr algn="ctr"/>
+            <a:r>
+              <a:rPr lang="ru-RU" dirty="0"/>
+              <a:t> ввод </a:t>
+            </a:r>
+            <a:r>
+              <a:rPr lang="en-US" dirty="0" err="1"/>
+              <a:t>a,b</a:t>
+            </a:r>
+            <a:endParaRPr lang="ru-RU" dirty="0"/>
+          </a:p>
+        </p:txBody>
+      </p:sp>
+      <p:sp>
+        <p:nvSpPr>
+          <p:cNvPr id="7" name="Блок-схема: решение 6">
+            <a:extLst>
+              <a:ext uri="{FF2B5EF4-FFF2-40B4-BE49-F238E27FC236}">
+                <a16:creationId xmlns:a16="http://schemas.microsoft.com/office/drawing/2014/main" id="{8E93191A-549B-4D2F-A296-8FD7FE435B80}"/>
+              </a:ext>
+            </a:extLst>
+          </p:cNvPr>
+          <p:cNvSpPr/>
+          <p:nvPr/>
+        </p:nvSpPr>
+        <p:spPr>
+          <a:xfrm>
+            <a:off x="3917659" y="2898396"/>
+            <a:ext cx="1952202" cy="442519"/>
+          </a:xfrm>
+          <a:prstGeom prst="flowChartDecision">
+            <a:avLst/>
+          </a:prstGeom>
+        </p:spPr>
+        <p:style>
+          <a:lnRef idx="2">
+            <a:schemeClr val="accent1">
+              <a:shade val="50000"/>
+            </a:schemeClr>
+          </a:lnRef>
+          <a:fillRef idx="1">
+            <a:schemeClr val="accent1"/>
+          </a:fillRef>
+          <a:effectRef idx="0">
+            <a:schemeClr val="accent1"/>
+          </a:effectRef>
+          <a:fontRef idx="minor">
+            <a:schemeClr val="lt1"/>
+          </a:fontRef>
+        </p:style>
+        <p:txBody>
+          <a:bodyPr rtlCol="0" anchor="ctr"/>
+          <a:lstStyle/>
+          <a:p>
+            <a:pPr algn="ctr"/>
+            <a:r>
+              <a:rPr lang="en-US" dirty="0"/>
+              <a:t> a&gt;b</a:t>
+            </a:r>
+            <a:endParaRPr lang="ru-RU" dirty="0"/>
+          </a:p>
+        </p:txBody>
+      </p:sp>
+      <p:sp>
+        <p:nvSpPr>
+          <p:cNvPr id="9" name="Блок-схема: процесс 8">
+            <a:extLst>
+              <a:ext uri="{FF2B5EF4-FFF2-40B4-BE49-F238E27FC236}">
+                <a16:creationId xmlns:a16="http://schemas.microsoft.com/office/drawing/2014/main" id="{1684EBAF-8396-49E6-867E-4EFB36E8866F}"/>
+              </a:ext>
+            </a:extLst>
+          </p:cNvPr>
+          <p:cNvSpPr/>
+          <p:nvPr/>
+        </p:nvSpPr>
+        <p:spPr>
+          <a:xfrm>
+            <a:off x="3154261" y="3598877"/>
+            <a:ext cx="1157680" cy="308297"/>
+          </a:xfrm>
+          <a:prstGeom prst="flowChartProcess">
+            <a:avLst/>
+          </a:prstGeom>
+        </p:spPr>
+        <p:style>
+          <a:lnRef idx="2">
+            <a:schemeClr val="accent1">
+              <a:shade val="50000"/>
+            </a:schemeClr>
+          </a:lnRef>
+          <a:fillRef idx="1">
+            <a:schemeClr val="accent1"/>
+          </a:fillRef>
+          <a:effectRef idx="0">
+            <a:schemeClr val="accent1"/>
+          </a:effectRef>
+          <a:fontRef idx="minor">
+            <a:schemeClr val="lt1"/>
+          </a:fontRef>
+        </p:style>
+        <p:txBody>
+          <a:bodyPr rtlCol="0" anchor="ctr"/>
+          <a:lstStyle/>
+          <a:p>
+            <a:pPr algn="ctr"/>
+            <a:r>
+              <a:rPr lang="en-US" dirty="0"/>
+              <a:t> max=a</a:t>
+            </a:r>
+            <a:endParaRPr lang="ru-RU" dirty="0"/>
+          </a:p>
+        </p:txBody>
+      </p:sp>
+      <p:sp>
+        <p:nvSpPr>
+          <p:cNvPr id="10" name="Блок-схема: процесс 9">
+            <a:extLst>
+              <a:ext uri="{FF2B5EF4-FFF2-40B4-BE49-F238E27FC236}">
+                <a16:creationId xmlns:a16="http://schemas.microsoft.com/office/drawing/2014/main" id="{5A88DCDE-59BA-4945-AFEE-04FF833CA1BF}"/>
+              </a:ext>
+            </a:extLst>
+          </p:cNvPr>
+          <p:cNvSpPr/>
+          <p:nvPr/>
+        </p:nvSpPr>
+        <p:spPr>
+          <a:xfrm>
+            <a:off x="5622022" y="3597128"/>
+            <a:ext cx="1157680" cy="308297"/>
+          </a:xfrm>
+          <a:prstGeom prst="flowChartProcess">
+            <a:avLst/>
+          </a:prstGeom>
+        </p:spPr>
+        <p:style>
+          <a:lnRef idx="2">
+            <a:schemeClr val="accent1">
+              <a:shade val="50000"/>
+            </a:schemeClr>
+          </a:lnRef>
+          <a:fillRef idx="1">
+            <a:schemeClr val="accent1"/>
+          </a:fillRef>
+          <a:effectRef idx="0">
+            <a:schemeClr val="accent1"/>
+          </a:effectRef>
+          <a:fontRef idx="minor">
+            <a:schemeClr val="lt1"/>
+          </a:fontRef>
+        </p:style>
+        <p:txBody>
+          <a:bodyPr rtlCol="0" anchor="ctr"/>
+          <a:lstStyle/>
+          <a:p>
+            <a:pPr algn="ctr"/>
+            <a:r>
+              <a:rPr lang="en-US" dirty="0"/>
+              <a:t>max=b</a:t>
+            </a:r>
+            <a:endParaRPr lang="ru-RU" dirty="0"/>
+          </a:p>
+        </p:txBody>
+      </p:sp>
+      <p:sp>
+        <p:nvSpPr>
+          <p:cNvPr id="11" name="Блок-схема: документ 10">
+            <a:extLst>
+              <a:ext uri="{FF2B5EF4-FFF2-40B4-BE49-F238E27FC236}">
+                <a16:creationId xmlns:a16="http://schemas.microsoft.com/office/drawing/2014/main" id="{47B8771F-8024-4452-9F8A-EADC8EFCD62F}"/>
+              </a:ext>
+            </a:extLst>
+          </p:cNvPr>
+          <p:cNvSpPr/>
+          <p:nvPr/>
+        </p:nvSpPr>
+        <p:spPr>
+          <a:xfrm>
+            <a:off x="3949998" y="4181562"/>
+            <a:ext cx="1887523" cy="442519"/>
+          </a:xfrm>
+          <a:prstGeom prst="flowChartDocument">
+            <a:avLst/>
+          </a:prstGeom>
+        </p:spPr>
+        <p:style>
+          <a:lnRef idx="2">
+            <a:schemeClr val="accent1">
+              <a:shade val="50000"/>
+            </a:schemeClr>
+          </a:lnRef>
+          <a:fillRef idx="1">
+            <a:schemeClr val="accent1"/>
+          </a:fillRef>
+          <a:effectRef idx="0">
+            <a:schemeClr val="accent1"/>
+          </a:effectRef>
+          <a:fontRef idx="minor">
+            <a:schemeClr val="lt1"/>
+          </a:fontRef>
+        </p:style>
+        <p:txBody>
+          <a:bodyPr rtlCol="0" anchor="ctr"/>
+          <a:lstStyle/>
+          <a:p>
+            <a:pPr algn="ctr"/>
+            <a:r>
+              <a:rPr lang="en-US" dirty="0"/>
+              <a:t> </a:t>
+            </a:r>
+            <a:r>
+              <a:rPr lang="ru-RU" dirty="0"/>
+              <a:t>вывод </a:t>
+            </a:r>
+            <a:r>
+              <a:rPr lang="en-US" dirty="0"/>
+              <a:t>max</a:t>
+            </a:r>
+            <a:endParaRPr lang="ru-RU" dirty="0"/>
+          </a:p>
+        </p:txBody>
+      </p:sp>
+      <p:sp>
+        <p:nvSpPr>
+          <p:cNvPr id="12" name="Овал 11">
+            <a:extLst>
+              <a:ext uri="{FF2B5EF4-FFF2-40B4-BE49-F238E27FC236}">
+                <a16:creationId xmlns:a16="http://schemas.microsoft.com/office/drawing/2014/main" id="{AFFDDC89-91CD-482C-B170-7C1ABEDB7775}"/>
+              </a:ext>
+            </a:extLst>
+          </p:cNvPr>
+          <p:cNvSpPr/>
+          <p:nvPr/>
+        </p:nvSpPr>
+        <p:spPr>
+          <a:xfrm>
+            <a:off x="3819788" y="4811784"/>
+            <a:ext cx="2178341" cy="308297"/>
+          </a:xfrm>
+          <a:prstGeom prst="ellipse">
+            <a:avLst/>
+          </a:prstGeom>
+        </p:spPr>
+        <p:style>
+          <a:lnRef idx="2">
+            <a:schemeClr val="accent1">
+              <a:shade val="50000"/>
+            </a:schemeClr>
+          </a:lnRef>
+          <a:fillRef idx="1">
+            <a:schemeClr val="accent1"/>
+          </a:fillRef>
+          <a:effectRef idx="0">
+            <a:schemeClr val="accent1"/>
+          </a:effectRef>
+          <a:fontRef idx="minor">
+            <a:schemeClr val="lt1"/>
+          </a:fontRef>
+        </p:style>
+        <p:txBody>
+          <a:bodyPr rtlCol="0" anchor="ctr"/>
+          <a:lstStyle/>
+          <a:p>
+            <a:pPr algn="ctr"/>
+            <a:r>
+              <a:rPr lang="en-US" dirty="0"/>
+              <a:t> </a:t>
+            </a:r>
+            <a:r>
+              <a:rPr lang="ru-RU" dirty="0"/>
+              <a:t>конец</a:t>
+            </a:r>
+          </a:p>
+        </p:txBody>
+      </p:sp>
+      <p:cxnSp>
+        <p:nvCxnSpPr>
+          <p:cNvPr id="16" name="Прямая соединительная линия 15">
+            <a:extLst>
+              <a:ext uri="{FF2B5EF4-FFF2-40B4-BE49-F238E27FC236}">
+                <a16:creationId xmlns:a16="http://schemas.microsoft.com/office/drawing/2014/main" id="{9131A3C9-061B-457C-B556-40359F7CD3BC}"/>
+              </a:ext>
+            </a:extLst>
+          </p:cNvPr>
+          <p:cNvCxnSpPr>
+            <a:stCxn id="7" idx="1"/>
+          </p:cNvCxnSpPr>
+          <p:nvPr/>
+        </p:nvCxnSpPr>
+        <p:spPr>
+          <a:xfrm flipH="1" flipV="1">
+            <a:off x="3582099" y="3119655"/>
+            <a:ext cx="335560" cy="1"/>
+          </a:xfrm>
+          <a:prstGeom prst="line">
+            <a:avLst/>
+          </a:prstGeom>
+          <a:ln w="19050"/>
+        </p:spPr>
+        <p:style>
+          <a:lnRef idx="1">
+            <a:schemeClr val="accent1"/>
+          </a:lnRef>
+          <a:fillRef idx="0">
+            <a:schemeClr val="accent1"/>
+          </a:fillRef>
+          <a:effectRef idx="0">
+            <a:schemeClr val="accent1"/>
+          </a:effectRef>
+          <a:fontRef idx="minor">
+            <a:schemeClr val="tx1"/>
+          </a:fontRef>
+        </p:style>
+      </p:cxnSp>
+      <p:cxnSp>
+        <p:nvCxnSpPr>
+          <p:cNvPr id="18" name="Прямая со стрелкой 17">
+            <a:extLst>
+              <a:ext uri="{FF2B5EF4-FFF2-40B4-BE49-F238E27FC236}">
+                <a16:creationId xmlns:a16="http://schemas.microsoft.com/office/drawing/2014/main" id="{DE2FC3DF-315B-4238-B8D3-CBA721B7F554}"/>
+              </a:ext>
+            </a:extLst>
+          </p:cNvPr>
+          <p:cNvCxnSpPr/>
+          <p:nvPr/>
+        </p:nvCxnSpPr>
+        <p:spPr>
+          <a:xfrm>
+            <a:off x="3582099" y="3119655"/>
+            <a:ext cx="0" cy="477473"/>
+          </a:xfrm>
+          <a:prstGeom prst="straightConnector1">
+            <a:avLst/>
+          </a:prstGeom>
+          <a:ln>
+            <a:tailEnd type="triangle"/>
+          </a:ln>
+        </p:spPr>
+        <p:style>
+          <a:lnRef idx="1">
+            <a:schemeClr val="accent1"/>
+          </a:lnRef>
+          <a:fillRef idx="0">
+            <a:schemeClr val="accent1"/>
+          </a:fillRef>
+          <a:effectRef idx="0">
+            <a:schemeClr val="accent1"/>
+          </a:effectRef>
+          <a:fontRef idx="minor">
+            <a:schemeClr val="tx1"/>
+          </a:fontRef>
+        </p:style>
+      </p:cxnSp>
+      <p:cxnSp>
+        <p:nvCxnSpPr>
+          <p:cNvPr id="22" name="Прямая соединительная линия 21">
+            <a:extLst>
+              <a:ext uri="{FF2B5EF4-FFF2-40B4-BE49-F238E27FC236}">
+                <a16:creationId xmlns:a16="http://schemas.microsoft.com/office/drawing/2014/main" id="{5FFE43DF-C5FA-4E75-8BE0-5AAD85B8F26E}"/>
+              </a:ext>
+            </a:extLst>
+          </p:cNvPr>
+          <p:cNvCxnSpPr>
+            <a:stCxn id="7" idx="3"/>
+          </p:cNvCxnSpPr>
+          <p:nvPr/>
+        </p:nvCxnSpPr>
+        <p:spPr>
+          <a:xfrm flipV="1">
+            <a:off x="5869861" y="3119655"/>
+            <a:ext cx="438660" cy="1"/>
+          </a:xfrm>
+          <a:prstGeom prst="line">
+            <a:avLst/>
+          </a:prstGeom>
+          <a:ln w="19050"/>
+        </p:spPr>
+        <p:style>
+          <a:lnRef idx="1">
+            <a:schemeClr val="accent1"/>
+          </a:lnRef>
+          <a:fillRef idx="0">
+            <a:schemeClr val="accent1"/>
+          </a:fillRef>
+          <a:effectRef idx="0">
+            <a:schemeClr val="accent1"/>
+          </a:effectRef>
+          <a:fontRef idx="minor">
+            <a:schemeClr val="tx1"/>
+          </a:fontRef>
+        </p:style>
+      </p:cxnSp>
+      <p:cxnSp>
+        <p:nvCxnSpPr>
+          <p:cNvPr id="24" name="Прямая со стрелкой 23">
+            <a:extLst>
+              <a:ext uri="{FF2B5EF4-FFF2-40B4-BE49-F238E27FC236}">
+                <a16:creationId xmlns:a16="http://schemas.microsoft.com/office/drawing/2014/main" id="{6329E9BC-8CE2-4F1A-A580-2513965FCF23}"/>
+              </a:ext>
+            </a:extLst>
+          </p:cNvPr>
+          <p:cNvCxnSpPr/>
+          <p:nvPr/>
+        </p:nvCxnSpPr>
+        <p:spPr>
+          <a:xfrm>
+            <a:off x="6322141" y="3117733"/>
+            <a:ext cx="0" cy="479394"/>
+          </a:xfrm>
+          <a:prstGeom prst="straightConnector1">
+            <a:avLst/>
+          </a:prstGeom>
+          <a:ln>
+            <a:tailEnd type="triangle"/>
+          </a:ln>
+        </p:spPr>
+        <p:style>
+          <a:lnRef idx="1">
+            <a:schemeClr val="accent1"/>
+          </a:lnRef>
+          <a:fillRef idx="0">
+            <a:schemeClr val="accent1"/>
+          </a:fillRef>
+          <a:effectRef idx="0">
+            <a:schemeClr val="accent1"/>
+          </a:effectRef>
+          <a:fontRef idx="minor">
+            <a:schemeClr val="tx1"/>
+          </a:fontRef>
+        </p:style>
+      </p:cxnSp>
+      <p:cxnSp>
+        <p:nvCxnSpPr>
+          <p:cNvPr id="26" name="Прямая соединительная линия 25">
+            <a:extLst>
+              <a:ext uri="{FF2B5EF4-FFF2-40B4-BE49-F238E27FC236}">
+                <a16:creationId xmlns:a16="http://schemas.microsoft.com/office/drawing/2014/main" id="{EBD89931-8789-4D66-B890-EC58173D948E}"/>
+              </a:ext>
+            </a:extLst>
+          </p:cNvPr>
+          <p:cNvCxnSpPr>
+            <a:stCxn id="9" idx="2"/>
+          </p:cNvCxnSpPr>
+          <p:nvPr/>
+        </p:nvCxnSpPr>
+        <p:spPr>
+          <a:xfrm>
+            <a:off x="3733101" y="3907174"/>
+            <a:ext cx="0" cy="87033"/>
+          </a:xfrm>
+          <a:prstGeom prst="line">
+            <a:avLst/>
+          </a:prstGeom>
+        </p:spPr>
+        <p:style>
+          <a:lnRef idx="1">
+            <a:schemeClr val="accent1"/>
+          </a:lnRef>
+          <a:fillRef idx="0">
+            <a:schemeClr val="accent1"/>
+          </a:fillRef>
+          <a:effectRef idx="0">
+            <a:schemeClr val="accent1"/>
+          </a:effectRef>
+          <a:fontRef idx="minor">
+            <a:schemeClr val="tx1"/>
+          </a:fontRef>
+        </p:style>
+      </p:cxnSp>
+      <p:cxnSp>
+        <p:nvCxnSpPr>
+          <p:cNvPr id="28" name="Прямая соединительная линия 27">
+            <a:extLst>
+              <a:ext uri="{FF2B5EF4-FFF2-40B4-BE49-F238E27FC236}">
+                <a16:creationId xmlns:a16="http://schemas.microsoft.com/office/drawing/2014/main" id="{C2CE2C9A-460D-4985-AED8-4FD33659B86E}"/>
+              </a:ext>
+            </a:extLst>
+          </p:cNvPr>
+          <p:cNvCxnSpPr>
+            <a:stCxn id="10" idx="2"/>
+          </p:cNvCxnSpPr>
+          <p:nvPr/>
+        </p:nvCxnSpPr>
+        <p:spPr>
+          <a:xfrm>
+            <a:off x="6200862" y="3905425"/>
+            <a:ext cx="0" cy="88782"/>
+          </a:xfrm>
+          <a:prstGeom prst="line">
+            <a:avLst/>
+          </a:prstGeom>
+        </p:spPr>
+        <p:style>
+          <a:lnRef idx="1">
+            <a:schemeClr val="accent1"/>
+          </a:lnRef>
+          <a:fillRef idx="0">
+            <a:schemeClr val="accent1"/>
+          </a:fillRef>
+          <a:effectRef idx="0">
+            <a:schemeClr val="accent1"/>
+          </a:effectRef>
+          <a:fontRef idx="minor">
+            <a:schemeClr val="tx1"/>
+          </a:fontRef>
+        </p:style>
+      </p:cxnSp>
+      <p:cxnSp>
+        <p:nvCxnSpPr>
+          <p:cNvPr id="30" name="Прямая соединительная линия 29">
+            <a:extLst>
+              <a:ext uri="{FF2B5EF4-FFF2-40B4-BE49-F238E27FC236}">
+                <a16:creationId xmlns:a16="http://schemas.microsoft.com/office/drawing/2014/main" id="{2AA2BBB1-0AF9-4D1B-8B9A-3793141E07E8}"/>
+              </a:ext>
+            </a:extLst>
+          </p:cNvPr>
+          <p:cNvCxnSpPr/>
+          <p:nvPr/>
+        </p:nvCxnSpPr>
+        <p:spPr>
+          <a:xfrm>
+            <a:off x="3733101" y="3994207"/>
+            <a:ext cx="2467761" cy="0"/>
+          </a:xfrm>
+          <a:prstGeom prst="line">
+            <a:avLst/>
+          </a:prstGeom>
+        </p:spPr>
+        <p:style>
+          <a:lnRef idx="1">
+            <a:schemeClr val="accent1"/>
+          </a:lnRef>
+          <a:fillRef idx="0">
+            <a:schemeClr val="accent1"/>
+          </a:fillRef>
+          <a:effectRef idx="0">
+            <a:schemeClr val="accent1"/>
+          </a:effectRef>
+          <a:fontRef idx="minor">
+            <a:schemeClr val="tx1"/>
+          </a:fontRef>
+        </p:style>
+      </p:cxnSp>
+      <p:cxnSp>
+        <p:nvCxnSpPr>
+          <p:cNvPr id="32" name="Прямая со стрелкой 31">
+            <a:extLst>
+              <a:ext uri="{FF2B5EF4-FFF2-40B4-BE49-F238E27FC236}">
+                <a16:creationId xmlns:a16="http://schemas.microsoft.com/office/drawing/2014/main" id="{002B4F5A-760F-480E-A85F-209D41B8FDE6}"/>
+              </a:ext>
+            </a:extLst>
+          </p:cNvPr>
+          <p:cNvCxnSpPr/>
+          <p:nvPr/>
+        </p:nvCxnSpPr>
+        <p:spPr>
+          <a:xfrm>
+            <a:off x="4937284" y="3994207"/>
+            <a:ext cx="0" cy="175121"/>
+          </a:xfrm>
+          <a:prstGeom prst="straightConnector1">
+            <a:avLst/>
+          </a:prstGeom>
+          <a:ln>
+            <a:tailEnd type="triangle"/>
+          </a:ln>
+        </p:spPr>
+        <p:style>
+          <a:lnRef idx="1">
+            <a:schemeClr val="accent1"/>
+          </a:lnRef>
+          <a:fillRef idx="0">
+            <a:schemeClr val="accent1"/>
+          </a:fillRef>
+          <a:effectRef idx="0">
+            <a:schemeClr val="accent1"/>
+          </a:effectRef>
+          <a:fontRef idx="minor">
+            <a:schemeClr val="tx1"/>
+          </a:fontRef>
+        </p:style>
+      </p:cxnSp>
+      <p:cxnSp>
+        <p:nvCxnSpPr>
+          <p:cNvPr id="34" name="Прямая со стрелкой 33">
+            <a:extLst>
+              <a:ext uri="{FF2B5EF4-FFF2-40B4-BE49-F238E27FC236}">
+                <a16:creationId xmlns:a16="http://schemas.microsoft.com/office/drawing/2014/main" id="{ABFBFC87-D73C-4B6A-BD27-0B832C667ABB}"/>
+              </a:ext>
+            </a:extLst>
+          </p:cNvPr>
+          <p:cNvCxnSpPr>
+            <a:stCxn id="11" idx="2"/>
+          </p:cNvCxnSpPr>
+          <p:nvPr/>
+        </p:nvCxnSpPr>
+        <p:spPr>
+          <a:xfrm flipH="1">
+            <a:off x="4893759" y="4594826"/>
+            <a:ext cx="1" cy="203677"/>
+          </a:xfrm>
+          <a:prstGeom prst="straightConnector1">
+            <a:avLst/>
+          </a:prstGeom>
+          <a:ln>
+            <a:tailEnd type="triangle"/>
+          </a:ln>
+        </p:spPr>
+        <p:style>
+          <a:lnRef idx="1">
+            <a:schemeClr val="accent1"/>
+          </a:lnRef>
+          <a:fillRef idx="0">
+            <a:schemeClr val="accent1"/>
+          </a:fillRef>
+          <a:effectRef idx="0">
+            <a:schemeClr val="accent1"/>
+          </a:effectRef>
+          <a:fontRef idx="minor">
+            <a:schemeClr val="tx1"/>
+          </a:fontRef>
+        </p:style>
+      </p:cxnSp>
+      <p:cxnSp>
+        <p:nvCxnSpPr>
+          <p:cNvPr id="36" name="Прямая со стрелкой 35">
+            <a:extLst>
+              <a:ext uri="{FF2B5EF4-FFF2-40B4-BE49-F238E27FC236}">
+                <a16:creationId xmlns:a16="http://schemas.microsoft.com/office/drawing/2014/main" id="{5D938A84-1816-4C52-A104-8C4D7AD7D07D}"/>
+              </a:ext>
+            </a:extLst>
+          </p:cNvPr>
+          <p:cNvCxnSpPr>
+            <a:stCxn id="4" idx="4"/>
+            <a:endCxn id="5" idx="0"/>
+          </p:cNvCxnSpPr>
+          <p:nvPr/>
+        </p:nvCxnSpPr>
+        <p:spPr>
+          <a:xfrm flipH="1">
+            <a:off x="4893759" y="2061593"/>
+            <a:ext cx="5412" cy="257962"/>
+          </a:xfrm>
+          <a:prstGeom prst="straightConnector1">
+            <a:avLst/>
+          </a:prstGeom>
+          <a:ln>
+            <a:tailEnd type="triangle"/>
+          </a:ln>
+        </p:spPr>
+        <p:style>
+          <a:lnRef idx="1">
+            <a:schemeClr val="accent1"/>
+          </a:lnRef>
+          <a:fillRef idx="0">
+            <a:schemeClr val="accent1"/>
+          </a:fillRef>
+          <a:effectRef idx="0">
+            <a:schemeClr val="accent1"/>
+          </a:effectRef>
+          <a:fontRef idx="minor">
+            <a:schemeClr val="tx1"/>
+          </a:fontRef>
+        </p:style>
+      </p:cxnSp>
+      <p:cxnSp>
+        <p:nvCxnSpPr>
+          <p:cNvPr id="38" name="Прямая со стрелкой 37">
+            <a:extLst>
+              <a:ext uri="{FF2B5EF4-FFF2-40B4-BE49-F238E27FC236}">
+                <a16:creationId xmlns:a16="http://schemas.microsoft.com/office/drawing/2014/main" id="{4F475DE0-97B4-48F3-95E4-C04052E10C12}"/>
+              </a:ext>
+            </a:extLst>
+          </p:cNvPr>
+          <p:cNvCxnSpPr>
+            <a:stCxn id="5" idx="4"/>
+            <a:endCxn id="7" idx="0"/>
+          </p:cNvCxnSpPr>
+          <p:nvPr/>
+        </p:nvCxnSpPr>
+        <p:spPr>
+          <a:xfrm>
+            <a:off x="4893759" y="2627852"/>
+            <a:ext cx="1" cy="270544"/>
+          </a:xfrm>
+          <a:prstGeom prst="straightConnector1">
+            <a:avLst/>
+          </a:prstGeom>
+          <a:ln>
+            <a:tailEnd type="triangle"/>
+          </a:ln>
+        </p:spPr>
+        <p:style>
+          <a:lnRef idx="1">
+            <a:schemeClr val="accent1"/>
+          </a:lnRef>
+          <a:fillRef idx="0">
+            <a:schemeClr val="accent1"/>
+          </a:fillRef>
+          <a:effectRef idx="0">
+            <a:schemeClr val="accent1"/>
+          </a:effectRef>
+          <a:fontRef idx="minor">
+            <a:schemeClr val="tx1"/>
+          </a:fontRef>
+        </p:style>
+      </p:cxnSp>
+      <p:sp>
+        <p:nvSpPr>
+          <p:cNvPr id="42" name="Блок-схема: процесс 41">
+            <a:extLst>
+              <a:ext uri="{FF2B5EF4-FFF2-40B4-BE49-F238E27FC236}">
+                <a16:creationId xmlns:a16="http://schemas.microsoft.com/office/drawing/2014/main" id="{7F464FF1-7A25-4814-97DA-431545613F6E}"/>
+              </a:ext>
+            </a:extLst>
+          </p:cNvPr>
+          <p:cNvSpPr/>
+          <p:nvPr/>
+        </p:nvSpPr>
+        <p:spPr>
+          <a:xfrm>
+            <a:off x="7919207" y="2061593"/>
+            <a:ext cx="2047998" cy="566259"/>
+          </a:xfrm>
+          <a:prstGeom prst="flowChartProcess">
+            <a:avLst/>
+          </a:prstGeom>
+        </p:spPr>
+        <p:style>
+          <a:lnRef idx="2">
+            <a:schemeClr val="accent1">
+              <a:shade val="50000"/>
+            </a:schemeClr>
+          </a:lnRef>
+          <a:fillRef idx="1">
+            <a:schemeClr val="accent1"/>
+          </a:fillRef>
+          <a:effectRef idx="0">
+            <a:schemeClr val="accent1"/>
+          </a:effectRef>
+          <a:fontRef idx="minor">
+            <a:schemeClr val="lt1"/>
+          </a:fontRef>
+        </p:style>
+        <p:txBody>
+          <a:bodyPr rtlCol="0" anchor="ctr"/>
+          <a:lstStyle/>
+          <a:p>
+            <a:pPr algn="ctr"/>
+            <a:r>
+              <a:rPr lang="ru-RU" dirty="0"/>
+              <a:t> блок </a:t>
+            </a:r>
+            <a:r>
+              <a:rPr lang="en-US" dirty="0"/>
+              <a:t>“</a:t>
+            </a:r>
+            <a:r>
+              <a:rPr lang="ru-RU" dirty="0"/>
+              <a:t>условие</a:t>
+            </a:r>
+            <a:r>
+              <a:rPr lang="en-US" dirty="0"/>
+              <a:t>”</a:t>
+            </a:r>
+            <a:endParaRPr lang="ru-RU" dirty="0"/>
+          </a:p>
+        </p:txBody>
+      </p:sp>
+      <p:sp>
+        <p:nvSpPr>
+          <p:cNvPr id="44" name="Блок-схема: процесс 43">
+            <a:extLst>
+              <a:ext uri="{FF2B5EF4-FFF2-40B4-BE49-F238E27FC236}">
+                <a16:creationId xmlns:a16="http://schemas.microsoft.com/office/drawing/2014/main" id="{986F73DE-4A7F-4D63-81BC-4105E08A21D8}"/>
+              </a:ext>
+            </a:extLst>
+          </p:cNvPr>
+          <p:cNvSpPr/>
+          <p:nvPr/>
+        </p:nvSpPr>
+        <p:spPr>
+          <a:xfrm>
+            <a:off x="7909783" y="3173659"/>
+            <a:ext cx="2047998" cy="566259"/>
+          </a:xfrm>
+          <a:prstGeom prst="flowChartProcess">
+            <a:avLst/>
+          </a:prstGeom>
+        </p:spPr>
+        <p:style>
+          <a:lnRef idx="2">
+            <a:schemeClr val="accent1">
+              <a:shade val="50000"/>
+            </a:schemeClr>
+          </a:lnRef>
+          <a:fillRef idx="1">
+            <a:schemeClr val="accent1"/>
+          </a:fillRef>
+          <a:effectRef idx="0">
+            <a:schemeClr val="accent1"/>
+          </a:effectRef>
+          <a:fontRef idx="minor">
+            <a:schemeClr val="lt1"/>
+          </a:fontRef>
+        </p:style>
+        <p:txBody>
+          <a:bodyPr rtlCol="0" anchor="ctr"/>
+          <a:lstStyle/>
+          <a:p>
+            <a:pPr algn="ctr"/>
+            <a:r>
+              <a:rPr lang="ru-RU" dirty="0">
+                <a:solidFill>
+                  <a:srgbClr val="FF0000"/>
+                </a:solidFill>
+              </a:rPr>
+              <a:t> полная форма </a:t>
+            </a:r>
+            <a:r>
+              <a:rPr lang="ru-RU" dirty="0">
+                <a:solidFill>
+                  <a:schemeClr val="bg1"/>
+                </a:solidFill>
+              </a:rPr>
+              <a:t>ветвления</a:t>
+            </a:r>
+          </a:p>
+        </p:txBody>
+      </p:sp>
+    </p:spTree>
+    <p:extLst>
+      <p:ext uri="{BB962C8B-B14F-4D97-AF65-F5344CB8AC3E}">
+        <p14:creationId xmlns:p14="http://schemas.microsoft.com/office/powerpoint/2010/main" val="766689442"/>
+      </p:ext>
+    </p:extLst>
+  </p:cSld>
+  <p:clrMapOvr>
+    <a:masterClrMapping/>
+  </p:clrMapOvr>
+</p:sld>
+</file>
+
+<file path=ppt/slides/slide15.xml><?xml version="1.0" encoding="utf-8"?>
+<p:sld xmlns:a="http://schemas.openxmlformats.org/drawingml/2006/main" xmlns:r="http://schemas.openxmlformats.org/officeDocument/2006/relationships" xmlns:p="http://schemas.openxmlformats.org/presentationml/2006/main">
+  <p:cSld>
+    <p:spTree>
+      <p:nvGrpSpPr>
+        <p:cNvPr id="1" name=""/>
+        <p:cNvGrpSpPr/>
+        <p:nvPr/>
+      </p:nvGrpSpPr>
+      <p:grpSpPr>
+        <a:xfrm>
+          <a:off x="0" y="0"/>
+          <a:ext cx="0" cy="0"/>
+          <a:chOff x="0" y="0"/>
+          <a:chExt cx="0" cy="0"/>
+        </a:xfrm>
+      </p:grpSpPr>
+      <p:sp>
+        <p:nvSpPr>
+          <p:cNvPr id="2" name="Заголовок 1">
+            <a:extLst>
+              <a:ext uri="{FF2B5EF4-FFF2-40B4-BE49-F238E27FC236}">
+                <a16:creationId xmlns:a16="http://schemas.microsoft.com/office/drawing/2014/main" id="{D247BC94-2585-4D46-A564-047DE4E85EBC}"/>
+              </a:ext>
+            </a:extLst>
+          </p:cNvPr>
+          <p:cNvSpPr>
+            <a:spLocks noGrp="1"/>
+          </p:cNvSpPr>
+          <p:nvPr>
+            <p:ph type="title"/>
+          </p:nvPr>
+        </p:nvSpPr>
+        <p:spPr>
+          <a:xfrm>
+            <a:off x="397806" y="0"/>
+            <a:ext cx="11074475" cy="975220"/>
+          </a:xfrm>
+        </p:spPr>
+        <p:txBody>
+          <a:bodyPr>
+            <a:normAutofit fontScale="90000"/>
+          </a:bodyPr>
+          <a:lstStyle/>
+          <a:p>
+            <a:r>
+              <a:rPr lang="ru-RU" dirty="0"/>
+              <a:t>Теперь пишем код по схеме</a:t>
+            </a:r>
+          </a:p>
+        </p:txBody>
+      </p:sp>
+      <p:sp>
+        <p:nvSpPr>
+          <p:cNvPr id="3" name="Текст 2">
+            <a:extLst>
+              <a:ext uri="{FF2B5EF4-FFF2-40B4-BE49-F238E27FC236}">
+                <a16:creationId xmlns:a16="http://schemas.microsoft.com/office/drawing/2014/main" id="{D20DEF43-E404-4E73-859A-2D1FB43E226B}"/>
+              </a:ext>
+            </a:extLst>
+          </p:cNvPr>
+          <p:cNvSpPr>
+            <a:spLocks noGrp="1"/>
+          </p:cNvSpPr>
+          <p:nvPr>
+            <p:ph type="body" idx="1"/>
+          </p:nvPr>
+        </p:nvSpPr>
+        <p:spPr>
+          <a:xfrm>
+            <a:off x="456529" y="975219"/>
+            <a:ext cx="10826664" cy="5584971"/>
+          </a:xfrm>
+        </p:spPr>
+        <p:txBody>
+          <a:bodyPr>
+            <a:normAutofit fontScale="92500" lnSpcReduction="10000"/>
+          </a:bodyPr>
+          <a:lstStyle/>
+          <a:p>
+            <a:r>
+              <a:rPr lang="ru-RU" dirty="0"/>
+              <a:t>Запрашиваем у пользователя 2 числа</a:t>
+            </a:r>
+          </a:p>
+          <a:p>
+            <a:r>
+              <a:rPr lang="en-US" dirty="0"/>
+              <a:t>var a =</a:t>
+            </a:r>
+            <a:r>
+              <a:rPr lang="ru-RU" dirty="0"/>
+              <a:t> +</a:t>
+            </a:r>
+            <a:r>
+              <a:rPr lang="en-US" dirty="0"/>
+              <a:t>prompt(“</a:t>
+            </a:r>
+            <a:r>
+              <a:rPr lang="ru-RU" dirty="0"/>
+              <a:t>введите первое число</a:t>
+            </a:r>
+            <a:r>
+              <a:rPr lang="en-US" dirty="0"/>
+              <a:t>”);</a:t>
+            </a:r>
+          </a:p>
+          <a:p>
+            <a:r>
+              <a:rPr lang="en-US" dirty="0"/>
+              <a:t>var b = </a:t>
+            </a:r>
+            <a:r>
+              <a:rPr lang="ru-RU" dirty="0"/>
+              <a:t>+</a:t>
+            </a:r>
+            <a:r>
+              <a:rPr lang="en-US" dirty="0"/>
+              <a:t>prompt(“</a:t>
+            </a:r>
+            <a:r>
+              <a:rPr lang="ru-RU" dirty="0"/>
+              <a:t>введите второе число</a:t>
+            </a:r>
+            <a:r>
+              <a:rPr lang="en-US" dirty="0"/>
+              <a:t>”);</a:t>
+            </a:r>
+          </a:p>
+          <a:p>
+            <a:r>
+              <a:rPr lang="ru-RU" dirty="0"/>
+              <a:t>Чтобы перевести их из строкового представление в числовое мы добавим +</a:t>
+            </a:r>
+          </a:p>
+          <a:p>
+            <a:r>
+              <a:rPr lang="ru-RU" dirty="0"/>
+              <a:t>Теперь мы должны сравнить эти 2 числа и в зависимости от того, кто из них больше предпринять разные действия, мы будем использовать ключевое слово  </a:t>
+            </a:r>
+            <a:r>
+              <a:rPr lang="en-US" dirty="0"/>
+              <a:t>if</a:t>
+            </a:r>
+            <a:r>
+              <a:rPr lang="ru-RU" dirty="0"/>
+              <a:t> (если)</a:t>
+            </a:r>
+          </a:p>
+          <a:p>
+            <a:r>
+              <a:rPr lang="en-US" dirty="0"/>
+              <a:t>If(a&gt;b){}</a:t>
+            </a:r>
+            <a:r>
+              <a:rPr lang="ru-RU" dirty="0"/>
+              <a:t> потом пишем что нужно делать в случае выполнения данного условия, мы в переменную </a:t>
+            </a:r>
+            <a:r>
+              <a:rPr lang="en-US" dirty="0"/>
+              <a:t>max </a:t>
+            </a:r>
+            <a:r>
+              <a:rPr lang="ru-RU" dirty="0"/>
+              <a:t>записываем значение</a:t>
+            </a:r>
+            <a:r>
+              <a:rPr lang="en-US" dirty="0"/>
+              <a:t> a </a:t>
+            </a:r>
+            <a:endParaRPr lang="ru-RU" dirty="0"/>
+          </a:p>
+          <a:p>
+            <a:r>
+              <a:rPr lang="en-US" dirty="0"/>
+              <a:t>var max = a;</a:t>
+            </a:r>
+            <a:endParaRPr lang="ru-RU" dirty="0"/>
+          </a:p>
+          <a:p>
+            <a:r>
+              <a:rPr lang="en-US" dirty="0"/>
+              <a:t>else{}</a:t>
+            </a:r>
+          </a:p>
+          <a:p>
+            <a:r>
+              <a:rPr lang="en-US" dirty="0"/>
+              <a:t>Max = b;</a:t>
+            </a:r>
+          </a:p>
+          <a:p>
+            <a:r>
+              <a:rPr lang="ru-RU" dirty="0"/>
+              <a:t>Осталось вывести на экран – </a:t>
+            </a:r>
+            <a:r>
+              <a:rPr lang="en-US" dirty="0"/>
+              <a:t>alert(max);</a:t>
+            </a:r>
+          </a:p>
+          <a:p>
+            <a:r>
+              <a:rPr lang="ru-RU" dirty="0"/>
+              <a:t>Потом проверяем</a:t>
+            </a:r>
+            <a:endParaRPr lang="en-US" dirty="0"/>
+          </a:p>
+        </p:txBody>
+      </p:sp>
+    </p:spTree>
+    <p:extLst>
+      <p:ext uri="{BB962C8B-B14F-4D97-AF65-F5344CB8AC3E}">
+        <p14:creationId xmlns:p14="http://schemas.microsoft.com/office/powerpoint/2010/main" val="1599758422"/>
+      </p:ext>
+    </p:extLst>
+  </p:cSld>
+  <p:clrMapOvr>
+    <a:masterClrMapping/>
+  </p:clrMapOvr>
+</p:sld>
+</file>
+
+<file path=ppt/slides/slide16.xml><?xml version="1.0" encoding="utf-8"?>
+<p:sld xmlns:a="http://schemas.openxmlformats.org/drawingml/2006/main" xmlns:r="http://schemas.openxmlformats.org/officeDocument/2006/relationships" xmlns:p="http://schemas.openxmlformats.org/presentationml/2006/main">
+  <p:cSld>
+    <p:spTree>
+      <p:nvGrpSpPr>
+        <p:cNvPr id="1" name=""/>
+        <p:cNvGrpSpPr/>
+        <p:nvPr/>
+      </p:nvGrpSpPr>
+      <p:grpSpPr>
+        <a:xfrm>
+          <a:off x="0" y="0"/>
+          <a:ext cx="0" cy="0"/>
+          <a:chOff x="0" y="0"/>
+          <a:chExt cx="0" cy="0"/>
+        </a:xfrm>
+      </p:grpSpPr>
+      <p:sp>
+        <p:nvSpPr>
+          <p:cNvPr id="2" name="Заголовок 1">
+            <a:extLst>
+              <a:ext uri="{FF2B5EF4-FFF2-40B4-BE49-F238E27FC236}">
+                <a16:creationId xmlns:a16="http://schemas.microsoft.com/office/drawing/2014/main" id="{9BF33345-6121-48EA-A742-25B0A31E3180}"/>
+              </a:ext>
+            </a:extLst>
+          </p:cNvPr>
+          <p:cNvSpPr>
+            <a:spLocks noGrp="1"/>
+          </p:cNvSpPr>
+          <p:nvPr>
+            <p:ph type="title"/>
+          </p:nvPr>
+        </p:nvSpPr>
+        <p:spPr>
+          <a:xfrm>
+            <a:off x="1446429" y="0"/>
+            <a:ext cx="9418320" cy="1000386"/>
+          </a:xfrm>
+        </p:spPr>
+        <p:txBody>
+          <a:bodyPr>
+            <a:normAutofit fontScale="90000"/>
+          </a:bodyPr>
+          <a:lstStyle/>
+          <a:p>
+            <a:r>
+              <a:rPr lang="ru-RU" dirty="0"/>
+              <a:t>  В итоге код такой  </a:t>
+            </a:r>
+          </a:p>
+        </p:txBody>
+      </p:sp>
+      <p:sp>
+        <p:nvSpPr>
+          <p:cNvPr id="3" name="Текст 2">
+            <a:extLst>
+              <a:ext uri="{FF2B5EF4-FFF2-40B4-BE49-F238E27FC236}">
+                <a16:creationId xmlns:a16="http://schemas.microsoft.com/office/drawing/2014/main" id="{BDC18F57-963B-49A2-A8BE-B9A9B8527ECC}"/>
+              </a:ext>
+            </a:extLst>
+          </p:cNvPr>
+          <p:cNvSpPr>
+            <a:spLocks noGrp="1"/>
+          </p:cNvSpPr>
+          <p:nvPr>
+            <p:ph type="body" idx="1"/>
+          </p:nvPr>
+        </p:nvSpPr>
+        <p:spPr>
+          <a:xfrm>
+            <a:off x="473307" y="1000386"/>
+            <a:ext cx="10826664" cy="5400414"/>
+          </a:xfrm>
+        </p:spPr>
+        <p:txBody>
+          <a:bodyPr>
+            <a:normAutofit/>
+          </a:bodyPr>
+          <a:lstStyle/>
+          <a:p>
+            <a:r>
+              <a:rPr lang="en-US" dirty="0"/>
+              <a:t>&lt;meta charset=“utf-8”&gt;</a:t>
+            </a:r>
+          </a:p>
+          <a:p>
+            <a:r>
+              <a:rPr lang="en-US" dirty="0"/>
+              <a:t>&lt;script type=“text/</a:t>
+            </a:r>
+            <a:r>
+              <a:rPr lang="en-US" dirty="0" err="1"/>
+              <a:t>javascript</a:t>
+            </a:r>
+            <a:r>
+              <a:rPr lang="en-US" dirty="0"/>
+              <a:t>”&gt;</a:t>
+            </a:r>
+          </a:p>
+          <a:p>
+            <a:r>
+              <a:rPr lang="en-US" dirty="0"/>
+              <a:t>      var a = +prompt(“</a:t>
+            </a:r>
+            <a:r>
+              <a:rPr lang="ru-RU" dirty="0"/>
+              <a:t>введите первое число</a:t>
+            </a:r>
+            <a:r>
+              <a:rPr lang="en-US" dirty="0"/>
+              <a:t>”);</a:t>
+            </a:r>
+          </a:p>
+          <a:p>
+            <a:r>
+              <a:rPr lang="en-US" dirty="0"/>
+              <a:t>      var b = +prompt(“</a:t>
+            </a:r>
+            <a:r>
+              <a:rPr lang="ru-RU" dirty="0"/>
+              <a:t>введите втрое число</a:t>
+            </a:r>
+            <a:r>
+              <a:rPr lang="en-US" dirty="0"/>
+              <a:t>”);</a:t>
+            </a:r>
+          </a:p>
+          <a:p>
+            <a:r>
+              <a:rPr lang="en-US" dirty="0"/>
+              <a:t>      if(a&gt;b){</a:t>
+            </a:r>
+          </a:p>
+          <a:p>
+            <a:r>
+              <a:rPr lang="en-US" dirty="0"/>
+              <a:t>           var max = a;</a:t>
+            </a:r>
+          </a:p>
+          <a:p>
+            <a:r>
+              <a:rPr lang="en-US" dirty="0"/>
+              <a:t>      } else {</a:t>
+            </a:r>
+          </a:p>
+          <a:p>
+            <a:r>
+              <a:rPr lang="en-US" dirty="0"/>
+              <a:t>      max = b;</a:t>
+            </a:r>
+          </a:p>
+          <a:p>
+            <a:r>
+              <a:rPr lang="en-US" dirty="0"/>
+              <a:t>    }</a:t>
+            </a:r>
+          </a:p>
+          <a:p>
+            <a:r>
+              <a:rPr lang="en-US" dirty="0"/>
+              <a:t>&lt;/script&gt;</a:t>
+            </a:r>
+          </a:p>
+          <a:p>
+            <a:endParaRPr lang="en-US" dirty="0"/>
+          </a:p>
+        </p:txBody>
+      </p:sp>
+    </p:spTree>
+    <p:extLst>
+      <p:ext uri="{BB962C8B-B14F-4D97-AF65-F5344CB8AC3E}">
+        <p14:creationId xmlns:p14="http://schemas.microsoft.com/office/powerpoint/2010/main" val="956281103"/>
+      </p:ext>
+    </p:extLst>
+  </p:cSld>
+  <p:clrMapOvr>
+    <a:masterClrMapping/>
+  </p:clrMapOvr>
+</p:sld>
+</file>
+
+<file path=ppt/slides/slide17.xml><?xml version="1.0" encoding="utf-8"?>
+<p:sld xmlns:a="http://schemas.openxmlformats.org/drawingml/2006/main" xmlns:r="http://schemas.openxmlformats.org/officeDocument/2006/relationships" xmlns:p="http://schemas.openxmlformats.org/presentationml/2006/main">
+  <p:cSld>
+    <p:spTree>
+      <p:nvGrpSpPr>
+        <p:cNvPr id="1" name=""/>
+        <p:cNvGrpSpPr/>
+        <p:nvPr/>
+      </p:nvGrpSpPr>
+      <p:grpSpPr>
+        <a:xfrm>
+          <a:off x="0" y="0"/>
+          <a:ext cx="0" cy="0"/>
+          <a:chOff x="0" y="0"/>
+          <a:chExt cx="0" cy="0"/>
+        </a:xfrm>
+      </p:grpSpPr>
+      <p:sp>
+        <p:nvSpPr>
+          <p:cNvPr id="2" name="Заголовок 1">
+            <a:extLst>
+              <a:ext uri="{FF2B5EF4-FFF2-40B4-BE49-F238E27FC236}">
+                <a16:creationId xmlns:a16="http://schemas.microsoft.com/office/drawing/2014/main" id="{24F1A7FF-6F24-4975-A1EC-15CBBF1D7F11}"/>
+              </a:ext>
+            </a:extLst>
+          </p:cNvPr>
+          <p:cNvSpPr>
+            <a:spLocks noGrp="1"/>
+          </p:cNvSpPr>
+          <p:nvPr>
+            <p:ph type="title"/>
+          </p:nvPr>
+        </p:nvSpPr>
+        <p:spPr>
+          <a:xfrm>
+            <a:off x="1488375" y="0"/>
+            <a:ext cx="9418320" cy="1059109"/>
+          </a:xfrm>
+        </p:spPr>
+        <p:txBody>
+          <a:bodyPr>
+            <a:normAutofit fontScale="90000"/>
+          </a:bodyPr>
+          <a:lstStyle/>
+          <a:p>
+            <a:r>
+              <a:rPr lang="ru-RU" dirty="0"/>
+              <a:t>Операторы сравнения</a:t>
+            </a:r>
+          </a:p>
+        </p:txBody>
+      </p:sp>
+      <p:sp>
+        <p:nvSpPr>
+          <p:cNvPr id="3" name="Текст 2">
+            <a:extLst>
+              <a:ext uri="{FF2B5EF4-FFF2-40B4-BE49-F238E27FC236}">
+                <a16:creationId xmlns:a16="http://schemas.microsoft.com/office/drawing/2014/main" id="{60327C39-22F8-4D92-B9FF-8DC6F351222A}"/>
+              </a:ext>
+            </a:extLst>
+          </p:cNvPr>
+          <p:cNvSpPr>
+            <a:spLocks noGrp="1"/>
+          </p:cNvSpPr>
+          <p:nvPr>
+            <p:ph type="body" idx="1"/>
+          </p:nvPr>
+        </p:nvSpPr>
+        <p:spPr>
+          <a:xfrm>
+            <a:off x="456528" y="2376180"/>
+            <a:ext cx="10784719" cy="1784759"/>
+          </a:xfrm>
+        </p:spPr>
+        <p:txBody>
+          <a:bodyPr/>
+          <a:lstStyle/>
+          <a:p>
+            <a:r>
+              <a:rPr lang="ru-RU" dirty="0"/>
+              <a:t>-равно </a:t>
+            </a:r>
+            <a:r>
+              <a:rPr lang="en-US" dirty="0"/>
+              <a:t>a</a:t>
+            </a:r>
+            <a:r>
+              <a:rPr lang="ru-RU" dirty="0"/>
+              <a:t>==</a:t>
+            </a:r>
+            <a:r>
+              <a:rPr lang="en-US" dirty="0"/>
+              <a:t>b</a:t>
+            </a:r>
+            <a:r>
+              <a:rPr lang="ru-RU" dirty="0"/>
+              <a:t>                                       </a:t>
+            </a:r>
+            <a:r>
+              <a:rPr lang="en-US" dirty="0"/>
+              <a:t>       </a:t>
+            </a:r>
+            <a:r>
+              <a:rPr lang="ru-RU" dirty="0"/>
+              <a:t>больше или равно </a:t>
+            </a:r>
+            <a:r>
+              <a:rPr lang="en-US" dirty="0"/>
+              <a:t>a&gt;=b</a:t>
+            </a:r>
+          </a:p>
+          <a:p>
+            <a:r>
+              <a:rPr lang="ru-RU" dirty="0"/>
+              <a:t>-не равно</a:t>
+            </a:r>
+            <a:r>
+              <a:rPr lang="en-US" dirty="0"/>
+              <a:t> a!=b</a:t>
+            </a:r>
+            <a:r>
+              <a:rPr lang="ru-RU" dirty="0"/>
+              <a:t>                                          меньше</a:t>
+            </a:r>
+            <a:r>
+              <a:rPr lang="en-US" dirty="0"/>
+              <a:t> a&lt;b</a:t>
+            </a:r>
+            <a:endParaRPr lang="ru-RU" dirty="0"/>
+          </a:p>
+          <a:p>
+            <a:r>
+              <a:rPr lang="ru-RU" dirty="0"/>
+              <a:t>-больше </a:t>
+            </a:r>
+            <a:r>
+              <a:rPr lang="en-US" dirty="0"/>
+              <a:t>a&gt;b</a:t>
+            </a:r>
+            <a:r>
+              <a:rPr lang="ru-RU" dirty="0"/>
+              <a:t>                                            </a:t>
+            </a:r>
+            <a:r>
+              <a:rPr lang="en-US" dirty="0"/>
+              <a:t> </a:t>
+            </a:r>
+            <a:r>
+              <a:rPr lang="ru-RU" dirty="0"/>
+              <a:t>меньше или равно</a:t>
+            </a:r>
+            <a:r>
+              <a:rPr lang="en-US" dirty="0"/>
+              <a:t> a&lt;=b</a:t>
+            </a:r>
+            <a:endParaRPr lang="ru-RU" dirty="0"/>
+          </a:p>
+          <a:p>
+            <a:endParaRPr lang="ru-RU" dirty="0"/>
+          </a:p>
+        </p:txBody>
+      </p:sp>
+    </p:spTree>
+    <p:extLst>
+      <p:ext uri="{BB962C8B-B14F-4D97-AF65-F5344CB8AC3E}">
+        <p14:creationId xmlns:p14="http://schemas.microsoft.com/office/powerpoint/2010/main" val="1276750020"/>
+      </p:ext>
+    </p:extLst>
+  </p:cSld>
+  <p:clrMapOvr>
+    <a:masterClrMapping/>
+  </p:clrMapOvr>
+</p:sld>
+</file>
+
+<file path=ppt/slides/slide18.xml><?xml version="1.0" encoding="utf-8"?>
+<p:sld xmlns:a="http://schemas.openxmlformats.org/drawingml/2006/main" xmlns:r="http://schemas.openxmlformats.org/officeDocument/2006/relationships" xmlns:p="http://schemas.openxmlformats.org/presentationml/2006/main">
+  <p:cSld>
+    <p:spTree>
+      <p:nvGrpSpPr>
+        <p:cNvPr id="1" name=""/>
+        <p:cNvGrpSpPr/>
+        <p:nvPr/>
+      </p:nvGrpSpPr>
+      <p:grpSpPr>
+        <a:xfrm>
+          <a:off x="0" y="0"/>
+          <a:ext cx="0" cy="0"/>
+          <a:chOff x="0" y="0"/>
+          <a:chExt cx="0" cy="0"/>
+        </a:xfrm>
+      </p:grpSpPr>
+      <p:sp>
+        <p:nvSpPr>
+          <p:cNvPr id="2" name="Заголовок 1">
+            <a:extLst>
+              <a:ext uri="{FF2B5EF4-FFF2-40B4-BE49-F238E27FC236}">
+                <a16:creationId xmlns:a16="http://schemas.microsoft.com/office/drawing/2014/main" id="{F204C7B3-2E41-424F-8B42-3F7ABDF2B6FC}"/>
+              </a:ext>
+            </a:extLst>
+          </p:cNvPr>
+          <p:cNvSpPr>
+            <a:spLocks noGrp="1"/>
+          </p:cNvSpPr>
+          <p:nvPr>
+            <p:ph type="title"/>
+          </p:nvPr>
+        </p:nvSpPr>
+        <p:spPr>
+          <a:xfrm>
+            <a:off x="1538708" y="0"/>
+            <a:ext cx="9418320" cy="966831"/>
+          </a:xfrm>
+        </p:spPr>
+        <p:txBody>
+          <a:bodyPr>
+            <a:normAutofit fontScale="90000"/>
+          </a:bodyPr>
+          <a:lstStyle/>
+          <a:p>
+            <a:endParaRPr lang="ru-RU" dirty="0"/>
+          </a:p>
+        </p:txBody>
+      </p:sp>
+      <p:sp>
+        <p:nvSpPr>
+          <p:cNvPr id="3" name="Текст 2">
+            <a:extLst>
+              <a:ext uri="{FF2B5EF4-FFF2-40B4-BE49-F238E27FC236}">
+                <a16:creationId xmlns:a16="http://schemas.microsoft.com/office/drawing/2014/main" id="{632D8A45-C8DA-47D2-BAC7-56CB83DD2F4D}"/>
+              </a:ext>
+            </a:extLst>
+          </p:cNvPr>
+          <p:cNvSpPr>
+            <a:spLocks noGrp="1"/>
+          </p:cNvSpPr>
+          <p:nvPr>
+            <p:ph type="body" idx="1"/>
+          </p:nvPr>
+        </p:nvSpPr>
+        <p:spPr>
+          <a:xfrm>
+            <a:off x="473306" y="966830"/>
+            <a:ext cx="10801497" cy="4385345"/>
+          </a:xfrm>
+        </p:spPr>
+        <p:txBody>
+          <a:bodyPr>
+            <a:normAutofit lnSpcReduction="10000"/>
+          </a:bodyPr>
+          <a:lstStyle/>
+          <a:p>
+            <a:r>
+              <a:rPr lang="ru-RU" dirty="0"/>
+              <a:t>Теперь доработаем программу таким образом, чтобы в случае если переменные</a:t>
+            </a:r>
+            <a:r>
+              <a:rPr lang="en-US" dirty="0"/>
+              <a:t> a </a:t>
+            </a:r>
+            <a:r>
+              <a:rPr lang="ru-RU" dirty="0"/>
+              <a:t>и </a:t>
+            </a:r>
+            <a:r>
+              <a:rPr lang="en-US" dirty="0"/>
+              <a:t>b</a:t>
+            </a:r>
+            <a:r>
+              <a:rPr lang="ru-RU" dirty="0"/>
+              <a:t> были равны мы вводили сообщение, о том, что переменные равны, как это можно сделать</a:t>
+            </a:r>
+            <a:r>
+              <a:rPr lang="en-US" dirty="0"/>
+              <a:t>:</a:t>
+            </a:r>
+          </a:p>
+          <a:p>
+            <a:r>
+              <a:rPr lang="ru-RU" dirty="0"/>
+              <a:t>В случае равенства мы вводим следующее сообщение, добавляется слово </a:t>
+            </a:r>
+          </a:p>
+          <a:p>
+            <a:r>
+              <a:rPr lang="en-US" dirty="0"/>
+              <a:t>} else if(a ==b){      </a:t>
+            </a:r>
+            <a:r>
+              <a:rPr lang="ru-RU" dirty="0"/>
+              <a:t>выводим сообщение на экран</a:t>
+            </a:r>
+          </a:p>
+          <a:p>
+            <a:r>
+              <a:rPr lang="en-US" dirty="0"/>
+              <a:t>	alert(“</a:t>
+            </a:r>
+            <a:r>
+              <a:rPr lang="ru-RU" dirty="0"/>
+              <a:t>числа равны</a:t>
+            </a:r>
+            <a:r>
+              <a:rPr lang="en-US" dirty="0"/>
+              <a:t>”);</a:t>
+            </a:r>
+          </a:p>
+          <a:p>
+            <a:r>
+              <a:rPr lang="ru-RU" dirty="0"/>
+              <a:t>Если мы хотим чтобы какая </a:t>
+            </a:r>
+            <a:r>
+              <a:rPr lang="ru-RU" dirty="0" err="1"/>
+              <a:t>нибудь</a:t>
+            </a:r>
+            <a:r>
+              <a:rPr lang="ru-RU" dirty="0"/>
+              <a:t> из альтернатив выполняла сразу несколько команд нужно все их перечислить  между соответствующими скобками, например если </a:t>
+            </a:r>
+            <a:r>
+              <a:rPr lang="en-US" dirty="0"/>
+              <a:t>a </a:t>
+            </a:r>
+            <a:r>
+              <a:rPr lang="ru-RU" dirty="0"/>
+              <a:t>= </a:t>
+            </a:r>
+            <a:r>
+              <a:rPr lang="en-US" dirty="0"/>
+              <a:t>b</a:t>
+            </a:r>
+            <a:r>
+              <a:rPr lang="ru-RU" dirty="0"/>
+              <a:t>, нам нужно не только вывести сообщение на экран, но еще и в переменную </a:t>
+            </a:r>
+            <a:r>
+              <a:rPr lang="en-US" dirty="0"/>
+              <a:t>max</a:t>
+            </a:r>
+            <a:r>
+              <a:rPr lang="ru-RU" dirty="0"/>
+              <a:t>,</a:t>
+            </a:r>
+            <a:r>
+              <a:rPr lang="en-US" dirty="0"/>
+              <a:t> </a:t>
+            </a:r>
+            <a:r>
+              <a:rPr lang="ru-RU" dirty="0"/>
+              <a:t>записать одно из 2 значений, например </a:t>
+            </a:r>
+            <a:r>
+              <a:rPr lang="en-US" dirty="0"/>
+              <a:t>a </a:t>
+            </a:r>
+          </a:p>
+          <a:p>
+            <a:r>
+              <a:rPr lang="en-US" dirty="0"/>
+              <a:t>max = b;</a:t>
+            </a:r>
+          </a:p>
+          <a:p>
+            <a:endParaRPr lang="ru-RU" dirty="0"/>
+          </a:p>
+        </p:txBody>
+      </p:sp>
+    </p:spTree>
+    <p:extLst>
+      <p:ext uri="{BB962C8B-B14F-4D97-AF65-F5344CB8AC3E}">
+        <p14:creationId xmlns:p14="http://schemas.microsoft.com/office/powerpoint/2010/main" val="3898724686"/>
+      </p:ext>
+    </p:extLst>
+  </p:cSld>
+  <p:clrMapOvr>
+    <a:masterClrMapping/>
+  </p:clrMapOvr>
+</p:sld>
+</file>
+
+<file path=ppt/slides/slide19.xml><?xml version="1.0" encoding="utf-8"?>
+<p:sld xmlns:a="http://schemas.openxmlformats.org/drawingml/2006/main" xmlns:r="http://schemas.openxmlformats.org/officeDocument/2006/relationships" xmlns:p="http://schemas.openxmlformats.org/presentationml/2006/main">
+  <p:cSld>
+    <p:spTree>
+      <p:nvGrpSpPr>
+        <p:cNvPr id="1" name=""/>
+        <p:cNvGrpSpPr/>
+        <p:nvPr/>
+      </p:nvGrpSpPr>
+      <p:grpSpPr>
+        <a:xfrm>
+          <a:off x="0" y="0"/>
+          <a:ext cx="0" cy="0"/>
+          <a:chOff x="0" y="0"/>
+          <a:chExt cx="0" cy="0"/>
+        </a:xfrm>
+      </p:grpSpPr>
+      <p:sp>
+        <p:nvSpPr>
+          <p:cNvPr id="2" name="Заголовок 1">
+            <a:extLst>
+              <a:ext uri="{FF2B5EF4-FFF2-40B4-BE49-F238E27FC236}">
+                <a16:creationId xmlns:a16="http://schemas.microsoft.com/office/drawing/2014/main" id="{26C759BA-6A55-4ECC-9303-81C3C613BFBC}"/>
+              </a:ext>
+            </a:extLst>
+          </p:cNvPr>
+          <p:cNvSpPr>
+            <a:spLocks noGrp="1"/>
+          </p:cNvSpPr>
+          <p:nvPr>
+            <p:ph type="title"/>
+          </p:nvPr>
+        </p:nvSpPr>
+        <p:spPr>
+          <a:xfrm>
+            <a:off x="0" y="0"/>
+            <a:ext cx="12181821" cy="1033943"/>
+          </a:xfrm>
+        </p:spPr>
+        <p:txBody>
+          <a:bodyPr>
+            <a:normAutofit fontScale="90000"/>
+          </a:bodyPr>
+          <a:lstStyle/>
+          <a:p>
+            <a:r>
+              <a:rPr lang="ru-RU" dirty="0"/>
+              <a:t>Должен получиться такой код</a:t>
+            </a:r>
+          </a:p>
+        </p:txBody>
+      </p:sp>
+      <p:sp>
+        <p:nvSpPr>
+          <p:cNvPr id="3" name="Текст 2">
+            <a:extLst>
+              <a:ext uri="{FF2B5EF4-FFF2-40B4-BE49-F238E27FC236}">
+                <a16:creationId xmlns:a16="http://schemas.microsoft.com/office/drawing/2014/main" id="{FC6A6025-BBFA-4E8B-AE50-F27299A4C4EB}"/>
+              </a:ext>
+            </a:extLst>
+          </p:cNvPr>
+          <p:cNvSpPr>
+            <a:spLocks noGrp="1"/>
+          </p:cNvSpPr>
+          <p:nvPr>
+            <p:ph type="body" idx="1"/>
+          </p:nvPr>
+        </p:nvSpPr>
+        <p:spPr>
+          <a:xfrm>
+            <a:off x="481696" y="1033942"/>
+            <a:ext cx="10776330" cy="5824058"/>
+          </a:xfrm>
+        </p:spPr>
+        <p:txBody>
+          <a:bodyPr>
+            <a:normAutofit fontScale="85000" lnSpcReduction="20000"/>
+          </a:bodyPr>
+          <a:lstStyle/>
+          <a:p>
+            <a:r>
+              <a:rPr lang="en-US" dirty="0"/>
+              <a:t>&lt;meta charset=“utf-8”&gt;</a:t>
+            </a:r>
+          </a:p>
+          <a:p>
+            <a:r>
+              <a:rPr lang="en-US" dirty="0"/>
+              <a:t>&lt;script type=“text/</a:t>
+            </a:r>
+            <a:r>
+              <a:rPr lang="en-US" dirty="0" err="1"/>
+              <a:t>javascript</a:t>
+            </a:r>
+            <a:r>
+              <a:rPr lang="en-US" dirty="0"/>
+              <a:t>”&gt;</a:t>
+            </a:r>
+          </a:p>
+          <a:p>
+            <a:r>
+              <a:rPr lang="en-US" dirty="0"/>
+              <a:t>      	var a = +prompt(“</a:t>
+            </a:r>
+            <a:r>
+              <a:rPr lang="ru-RU" dirty="0"/>
+              <a:t>введите первое число</a:t>
+            </a:r>
+            <a:r>
+              <a:rPr lang="en-US" dirty="0"/>
+              <a:t>”);</a:t>
+            </a:r>
+          </a:p>
+          <a:p>
+            <a:r>
+              <a:rPr lang="en-US" dirty="0"/>
+              <a:t>      	var b = +prompt(“</a:t>
+            </a:r>
+            <a:r>
+              <a:rPr lang="ru-RU" dirty="0"/>
+              <a:t>введите втрое число</a:t>
+            </a:r>
+            <a:r>
+              <a:rPr lang="en-US" dirty="0"/>
+              <a:t>”);</a:t>
+            </a:r>
+          </a:p>
+          <a:p>
+            <a:r>
+              <a:rPr lang="en-US" dirty="0"/>
+              <a:t>      	if(a&gt;b){</a:t>
+            </a:r>
+          </a:p>
+          <a:p>
+            <a:r>
+              <a:rPr lang="en-US" dirty="0"/>
+              <a:t>           	var max = a;</a:t>
+            </a:r>
+          </a:p>
+          <a:p>
+            <a:r>
+              <a:rPr lang="en-US" dirty="0"/>
+              <a:t>    	} else if(a ==b){</a:t>
+            </a:r>
+          </a:p>
+          <a:p>
+            <a:r>
+              <a:rPr lang="en-US" dirty="0"/>
+              <a:t>	alert(“</a:t>
+            </a:r>
+            <a:r>
+              <a:rPr lang="ru-RU" dirty="0"/>
+              <a:t>числа равны</a:t>
+            </a:r>
+            <a:r>
+              <a:rPr lang="en-US" dirty="0"/>
+              <a:t>”);</a:t>
+            </a:r>
+          </a:p>
+          <a:p>
+            <a:r>
+              <a:rPr lang="en-US" dirty="0"/>
+              <a:t>	max =a;</a:t>
+            </a:r>
+          </a:p>
+          <a:p>
+            <a:r>
+              <a:rPr lang="en-US" dirty="0"/>
+              <a:t>	} else {</a:t>
+            </a:r>
+          </a:p>
+          <a:p>
+            <a:r>
+              <a:rPr lang="en-US" dirty="0"/>
+              <a:t>    	max = b;</a:t>
+            </a:r>
+          </a:p>
+          <a:p>
+            <a:r>
+              <a:rPr lang="en-US" dirty="0"/>
+              <a:t>   	}</a:t>
+            </a:r>
+          </a:p>
+          <a:p>
+            <a:r>
+              <a:rPr lang="en-US"/>
+              <a:t>	alert</a:t>
+            </a:r>
+            <a:r>
+              <a:rPr lang="en-US" dirty="0"/>
+              <a:t>(max);</a:t>
+            </a:r>
+          </a:p>
+          <a:p>
+            <a:r>
+              <a:rPr lang="en-US" dirty="0"/>
+              <a:t>&lt;/script&gt;</a:t>
+            </a:r>
+          </a:p>
+          <a:p>
+            <a:endParaRPr lang="ru-RU" dirty="0"/>
+          </a:p>
+        </p:txBody>
+      </p:sp>
+    </p:spTree>
+    <p:extLst>
+      <p:ext uri="{BB962C8B-B14F-4D97-AF65-F5344CB8AC3E}">
+        <p14:creationId xmlns:p14="http://schemas.microsoft.com/office/powerpoint/2010/main" val="3437410755"/>
       </p:ext>
     </p:extLst>
   </p:cSld>

--- a/Вадим презентация.pptx
+++ b/Вадим презентация.pptx
@@ -24,6 +24,9 @@
     <p:sldId id="273" r:id="rId18"/>
     <p:sldId id="274" r:id="rId19"/>
     <p:sldId id="275" r:id="rId20"/>
+    <p:sldId id="276" r:id="rId21"/>
+    <p:sldId id="277" r:id="rId22"/>
+    <p:sldId id="278" r:id="rId23"/>
   </p:sldIdLst>
   <p:sldSz cx="12192000" cy="6858000"/>
   <p:notesSz cx="6858000" cy="9144000"/>
@@ -150,6 +153,9 @@
             <p14:sldId id="273"/>
             <p14:sldId id="274"/>
             <p14:sldId id="275"/>
+            <p14:sldId id="276"/>
+            <p14:sldId id="277"/>
+            <p14:sldId id="278"/>
           </p14:sldIdLst>
         </p14:section>
       </p14:sectionLst>
@@ -329,7 +335,7 @@
           <a:p>
             <a:fld id="{48A87A34-81AB-432B-8DAE-1953F412C126}" type="datetimeFigureOut">
               <a:rPr lang="en-US" smtClean="0"/>
-              <a:t>10/21/2021</a:t>
+              <a:t>10/25/2021</a:t>
             </a:fld>
             <a:endParaRPr lang="en-US" dirty="0"/>
           </a:p>
@@ -557,7 +563,7 @@
           <a:p>
             <a:fld id="{48A87A34-81AB-432B-8DAE-1953F412C126}" type="datetimeFigureOut">
               <a:rPr lang="en-US" smtClean="0"/>
-              <a:t>10/21/2021</a:t>
+              <a:t>10/25/2021</a:t>
             </a:fld>
             <a:endParaRPr lang="en-US" dirty="0"/>
           </a:p>
@@ -737,7 +743,7 @@
           <a:p>
             <a:fld id="{48A87A34-81AB-432B-8DAE-1953F412C126}" type="datetimeFigureOut">
               <a:rPr lang="en-US" smtClean="0"/>
-              <a:t>10/21/2021</a:t>
+              <a:t>10/25/2021</a:t>
             </a:fld>
             <a:endParaRPr lang="en-US" dirty="0"/>
           </a:p>
@@ -907,7 +913,7 @@
           <a:p>
             <a:fld id="{48A87A34-81AB-432B-8DAE-1953F412C126}" type="datetimeFigureOut">
               <a:rPr lang="en-US" smtClean="0"/>
-              <a:t>10/21/2021</a:t>
+              <a:t>10/25/2021</a:t>
             </a:fld>
             <a:endParaRPr lang="en-US" dirty="0"/>
           </a:p>
@@ -1161,7 +1167,7 @@
           <a:p>
             <a:fld id="{48A87A34-81AB-432B-8DAE-1953F412C126}" type="datetimeFigureOut">
               <a:rPr lang="en-US" smtClean="0"/>
-              <a:t>10/21/2021</a:t>
+              <a:t>10/25/2021</a:t>
             </a:fld>
             <a:endParaRPr lang="en-US" dirty="0"/>
           </a:p>
@@ -1487,7 +1493,7 @@
           <a:p>
             <a:fld id="{48A87A34-81AB-432B-8DAE-1953F412C126}" type="datetimeFigureOut">
               <a:rPr lang="en-US" smtClean="0"/>
-              <a:t>10/21/2021</a:t>
+              <a:t>10/25/2021</a:t>
             </a:fld>
             <a:endParaRPr lang="en-US" dirty="0"/>
           </a:p>
@@ -1938,7 +1944,7 @@
           <a:p>
             <a:fld id="{48A87A34-81AB-432B-8DAE-1953F412C126}" type="datetimeFigureOut">
               <a:rPr lang="en-US" smtClean="0"/>
-              <a:t>10/21/2021</a:t>
+              <a:t>10/25/2021</a:t>
             </a:fld>
             <a:endParaRPr lang="en-US" dirty="0"/>
           </a:p>
@@ -2056,7 +2062,7 @@
           <a:p>
             <a:fld id="{48A87A34-81AB-432B-8DAE-1953F412C126}" type="datetimeFigureOut">
               <a:rPr lang="en-US" smtClean="0"/>
-              <a:t>10/21/2021</a:t>
+              <a:t>10/25/2021</a:t>
             </a:fld>
             <a:endParaRPr lang="en-US" dirty="0"/>
           </a:p>
@@ -2151,7 +2157,7 @@
           <a:p>
             <a:fld id="{48A87A34-81AB-432B-8DAE-1953F412C126}" type="datetimeFigureOut">
               <a:rPr lang="en-US" smtClean="0"/>
-              <a:t>10/21/2021</a:t>
+              <a:t>10/25/2021</a:t>
             </a:fld>
             <a:endParaRPr lang="en-US" dirty="0"/>
           </a:p>
@@ -2438,7 +2444,7 @@
           <a:p>
             <a:fld id="{48A87A34-81AB-432B-8DAE-1953F412C126}" type="datetimeFigureOut">
               <a:rPr lang="en-US" smtClean="0"/>
-              <a:t>10/21/2021</a:t>
+              <a:t>10/25/2021</a:t>
             </a:fld>
             <a:endParaRPr lang="en-US" dirty="0"/>
           </a:p>
@@ -2761,7 +2767,7 @@
             <a:fld id="{48A87A34-81AB-432B-8DAE-1953F412C126}" type="datetimeFigureOut">
               <a:rPr lang="en-US" smtClean="0"/>
               <a:pPr/>
-              <a:t>10/21/2021</a:t>
+              <a:t>10/25/2021</a:t>
             </a:fld>
             <a:endParaRPr lang="en-US" dirty="0"/>
           </a:p>
@@ -3016,7 +3022,7 @@
             <a:fld id="{48A87A34-81AB-432B-8DAE-1953F412C126}" type="datetimeFigureOut">
               <a:rPr lang="en-US" smtClean="0"/>
               <a:pPr/>
-              <a:t>10/21/2021</a:t>
+              <a:t>10/25/2021</a:t>
             </a:fld>
             <a:endParaRPr lang="en-US" dirty="0"/>
           </a:p>
@@ -7053,6 +7059,697 @@
 </p:sld>
 </file>
 
+<file path=ppt/slides/slide20.xml><?xml version="1.0" encoding="utf-8"?>
+<p:sld xmlns:a="http://schemas.openxmlformats.org/drawingml/2006/main" xmlns:r="http://schemas.openxmlformats.org/officeDocument/2006/relationships" xmlns:p="http://schemas.openxmlformats.org/presentationml/2006/main">
+  <p:cSld>
+    <p:spTree>
+      <p:nvGrpSpPr>
+        <p:cNvPr id="1" name=""/>
+        <p:cNvGrpSpPr/>
+        <p:nvPr/>
+      </p:nvGrpSpPr>
+      <p:grpSpPr>
+        <a:xfrm>
+          <a:off x="0" y="0"/>
+          <a:ext cx="0" cy="0"/>
+          <a:chOff x="0" y="0"/>
+          <a:chExt cx="0" cy="0"/>
+        </a:xfrm>
+      </p:grpSpPr>
+      <p:sp>
+        <p:nvSpPr>
+          <p:cNvPr id="2" name="Заголовок 1">
+            <a:extLst>
+              <a:ext uri="{FF2B5EF4-FFF2-40B4-BE49-F238E27FC236}">
+                <a16:creationId xmlns:a16="http://schemas.microsoft.com/office/drawing/2014/main" id="{A59ADFFC-C9A0-435F-BF1D-ABBE1F4C963B}"/>
+              </a:ext>
+            </a:extLst>
+          </p:cNvPr>
+          <p:cNvSpPr>
+            <a:spLocks noGrp="1"/>
+          </p:cNvSpPr>
+          <p:nvPr>
+            <p:ph type="title"/>
+          </p:nvPr>
+        </p:nvSpPr>
+        <p:spPr bwMode="gray">
+          <a:xfrm>
+            <a:off x="469781" y="0"/>
+            <a:ext cx="10805021" cy="1786853"/>
+          </a:xfrm>
+        </p:spPr>
+        <p:txBody>
+          <a:bodyPr>
+            <a:normAutofit fontScale="90000"/>
+          </a:bodyPr>
+          <a:lstStyle/>
+          <a:p>
+            <a:r>
+              <a:rPr lang="ru-RU" dirty="0"/>
+              <a:t> пробуем вывести       слово     1000 раз</a:t>
+            </a:r>
+          </a:p>
+        </p:txBody>
+      </p:sp>
+      <p:sp>
+        <p:nvSpPr>
+          <p:cNvPr id="3" name="Текст 2">
+            <a:extLst>
+              <a:ext uri="{FF2B5EF4-FFF2-40B4-BE49-F238E27FC236}">
+                <a16:creationId xmlns:a16="http://schemas.microsoft.com/office/drawing/2014/main" id="{C203C150-BF4E-4DA1-A03F-284D7C553AD5}"/>
+              </a:ext>
+            </a:extLst>
+          </p:cNvPr>
+          <p:cNvSpPr>
+            <a:spLocks noGrp="1"/>
+          </p:cNvSpPr>
+          <p:nvPr>
+            <p:ph type="body" idx="1"/>
+          </p:nvPr>
+        </p:nvSpPr>
+        <p:spPr bwMode="gray">
+          <a:xfrm>
+            <a:off x="469781" y="2407639"/>
+            <a:ext cx="10570129" cy="4706225"/>
+          </a:xfrm>
+        </p:spPr>
+        <p:txBody>
+          <a:bodyPr/>
+          <a:lstStyle/>
+          <a:p>
+            <a:r>
+              <a:rPr lang="ru-RU" dirty="0"/>
+              <a:t>Циклы – это многократное выполнение одинаковой последовательности действий.</a:t>
+            </a:r>
+            <a:endParaRPr lang="en-US" dirty="0"/>
+          </a:p>
+          <a:p>
+            <a:r>
+              <a:rPr lang="ru-RU" dirty="0"/>
+              <a:t>Пишем в новой программе много раз (Привет!), но сохраняем в файле ее теперь под названием </a:t>
+            </a:r>
+            <a:r>
+              <a:rPr lang="en-US" dirty="0"/>
+              <a:t>loops.html </a:t>
+            </a:r>
+            <a:r>
+              <a:rPr lang="ru-RU" dirty="0"/>
+              <a:t>открываем в браузере, и чтобы все слова были не в сточку, а в столбик дописываем тег </a:t>
+            </a:r>
+            <a:r>
+              <a:rPr lang="en-US" dirty="0"/>
+              <a:t>&lt;</a:t>
+            </a:r>
+            <a:r>
+              <a:rPr lang="en-US" dirty="0" err="1"/>
+              <a:t>br</a:t>
+            </a:r>
+            <a:r>
+              <a:rPr lang="en-US" dirty="0"/>
+              <a:t> /&gt; </a:t>
+            </a:r>
+            <a:r>
+              <a:rPr lang="ru-RU" dirty="0"/>
+              <a:t>это на языке </a:t>
+            </a:r>
+            <a:r>
+              <a:rPr lang="en-US" dirty="0"/>
+              <a:t>html </a:t>
+            </a:r>
+          </a:p>
+          <a:p>
+            <a:r>
+              <a:rPr lang="ru-RU" dirty="0"/>
+              <a:t>Теперь напишем тоже самое на языке</a:t>
+            </a:r>
+            <a:r>
+              <a:rPr lang="en-US" dirty="0"/>
+              <a:t> </a:t>
+            </a:r>
+            <a:r>
+              <a:rPr lang="en-US" dirty="0" err="1"/>
+              <a:t>javascript</a:t>
+            </a:r>
+            <a:endParaRPr lang="ru-RU" dirty="0"/>
+          </a:p>
+          <a:p>
+            <a:r>
+              <a:rPr lang="en-US" dirty="0"/>
+              <a:t>&lt;meta charset=“utf-8”&gt;</a:t>
+            </a:r>
+          </a:p>
+          <a:p>
+            <a:r>
+              <a:rPr lang="en-US" dirty="0"/>
+              <a:t>&lt;script type=“text/</a:t>
+            </a:r>
+            <a:r>
+              <a:rPr lang="en-US" dirty="0" err="1"/>
+              <a:t>javascript</a:t>
+            </a:r>
+            <a:r>
+              <a:rPr lang="en-US" dirty="0"/>
+              <a:t>”&gt;</a:t>
+            </a:r>
+          </a:p>
+          <a:p>
+            <a:r>
+              <a:rPr lang="ru-RU" dirty="0"/>
+              <a:t>	</a:t>
+            </a:r>
+            <a:r>
+              <a:rPr lang="en-US" dirty="0" err="1"/>
+              <a:t>document.write</a:t>
+            </a:r>
+            <a:r>
+              <a:rPr lang="en-US" dirty="0"/>
+              <a:t>(“</a:t>
+            </a:r>
+            <a:r>
+              <a:rPr lang="ru-RU" dirty="0" err="1"/>
+              <a:t>Првет</a:t>
+            </a:r>
+            <a:r>
+              <a:rPr lang="ru-RU" dirty="0"/>
+              <a:t>! </a:t>
+            </a:r>
+            <a:r>
+              <a:rPr lang="en-US" dirty="0"/>
+              <a:t>&lt;</a:t>
+            </a:r>
+            <a:r>
+              <a:rPr lang="en-US" dirty="0" err="1"/>
+              <a:t>br</a:t>
+            </a:r>
+            <a:r>
+              <a:rPr lang="en-US" dirty="0"/>
+              <a:t> /&gt;”);</a:t>
+            </a:r>
+          </a:p>
+          <a:p>
+            <a:r>
+              <a:rPr lang="en-US" dirty="0"/>
+              <a:t>&lt;/script&gt;</a:t>
+            </a:r>
+            <a:endParaRPr lang="ru-RU" dirty="0"/>
+          </a:p>
+          <a:p>
+            <a:endParaRPr lang="ru-RU" dirty="0"/>
+          </a:p>
+        </p:txBody>
+      </p:sp>
+    </p:spTree>
+    <p:extLst>
+      <p:ext uri="{BB962C8B-B14F-4D97-AF65-F5344CB8AC3E}">
+        <p14:creationId xmlns:p14="http://schemas.microsoft.com/office/powerpoint/2010/main" val="3332676122"/>
+      </p:ext>
+    </p:extLst>
+  </p:cSld>
+  <p:clrMapOvr>
+    <a:masterClrMapping/>
+  </p:clrMapOvr>
+</p:sld>
+</file>
+
+<file path=ppt/slides/slide21.xml><?xml version="1.0" encoding="utf-8"?>
+<p:sld xmlns:a="http://schemas.openxmlformats.org/drawingml/2006/main" xmlns:r="http://schemas.openxmlformats.org/officeDocument/2006/relationships" xmlns:p="http://schemas.openxmlformats.org/presentationml/2006/main">
+  <p:cSld>
+    <p:spTree>
+      <p:nvGrpSpPr>
+        <p:cNvPr id="1" name=""/>
+        <p:cNvGrpSpPr/>
+        <p:nvPr/>
+      </p:nvGrpSpPr>
+      <p:grpSpPr>
+        <a:xfrm>
+          <a:off x="0" y="0"/>
+          <a:ext cx="0" cy="0"/>
+          <a:chOff x="0" y="0"/>
+          <a:chExt cx="0" cy="0"/>
+        </a:xfrm>
+      </p:grpSpPr>
+      <p:sp>
+        <p:nvSpPr>
+          <p:cNvPr id="2" name="Заголовок 1">
+            <a:extLst>
+              <a:ext uri="{FF2B5EF4-FFF2-40B4-BE49-F238E27FC236}">
+                <a16:creationId xmlns:a16="http://schemas.microsoft.com/office/drawing/2014/main" id="{F16128B0-1F9A-41D2-A352-BF94EC807E84}"/>
+              </a:ext>
+            </a:extLst>
+          </p:cNvPr>
+          <p:cNvSpPr>
+            <a:spLocks noGrp="1"/>
+          </p:cNvSpPr>
+          <p:nvPr>
+            <p:ph type="title"/>
+          </p:nvPr>
+        </p:nvSpPr>
+        <p:spPr>
+          <a:xfrm>
+            <a:off x="1521931" y="0"/>
+            <a:ext cx="9418320" cy="826567"/>
+          </a:xfrm>
+        </p:spPr>
+        <p:txBody>
+          <a:bodyPr>
+            <a:normAutofit fontScale="90000"/>
+          </a:bodyPr>
+          <a:lstStyle/>
+          <a:p>
+            <a:r>
+              <a:rPr lang="ru-RU" dirty="0"/>
+              <a:t>          Циклы </a:t>
+            </a:r>
+          </a:p>
+        </p:txBody>
+      </p:sp>
+      <p:sp>
+        <p:nvSpPr>
+          <p:cNvPr id="3" name="Текст 2">
+            <a:extLst>
+              <a:ext uri="{FF2B5EF4-FFF2-40B4-BE49-F238E27FC236}">
+                <a16:creationId xmlns:a16="http://schemas.microsoft.com/office/drawing/2014/main" id="{F513AF03-0F1F-4F48-9456-18CBD2F009E1}"/>
+              </a:ext>
+            </a:extLst>
+          </p:cNvPr>
+          <p:cNvSpPr>
+            <a:spLocks noGrp="1"/>
+          </p:cNvSpPr>
+          <p:nvPr>
+            <p:ph type="body" idx="1"/>
+          </p:nvPr>
+        </p:nvSpPr>
+        <p:spPr>
+          <a:xfrm>
+            <a:off x="473307" y="826566"/>
+            <a:ext cx="10826664" cy="5507121"/>
+          </a:xfrm>
+        </p:spPr>
+        <p:txBody>
+          <a:bodyPr>
+            <a:normAutofit fontScale="92500" lnSpcReduction="10000"/>
+          </a:bodyPr>
+          <a:lstStyle/>
+          <a:p>
+            <a:r>
+              <a:rPr lang="ru-RU" dirty="0"/>
+              <a:t>Создаем новую переменную  </a:t>
+            </a:r>
+            <a:r>
+              <a:rPr lang="en-US" dirty="0"/>
+              <a:t>var I =0;</a:t>
+            </a:r>
+          </a:p>
+          <a:p>
+            <a:r>
+              <a:rPr lang="ru-RU" dirty="0"/>
+              <a:t>Далее пишем ключевое слово</a:t>
+            </a:r>
+            <a:r>
+              <a:rPr lang="en-US" dirty="0"/>
+              <a:t> while(</a:t>
+            </a:r>
+            <a:r>
+              <a:rPr lang="en-US" dirty="0" err="1"/>
+              <a:t>i</a:t>
+            </a:r>
+            <a:r>
+              <a:rPr lang="en-US" dirty="0"/>
+              <a:t>&lt;5){</a:t>
+            </a:r>
+            <a:r>
+              <a:rPr lang="en-US" dirty="0" err="1"/>
+              <a:t>document.write</a:t>
+            </a:r>
+            <a:r>
+              <a:rPr lang="en-US" dirty="0"/>
+              <a:t>(“</a:t>
+            </a:r>
+            <a:r>
+              <a:rPr lang="ru-RU" dirty="0" err="1"/>
+              <a:t>Првет</a:t>
+            </a:r>
+            <a:r>
+              <a:rPr lang="ru-RU" dirty="0"/>
+              <a:t>! </a:t>
+            </a:r>
+            <a:r>
+              <a:rPr lang="en-US" dirty="0"/>
+              <a:t>&lt;</a:t>
+            </a:r>
+            <a:r>
+              <a:rPr lang="en-US" dirty="0" err="1"/>
+              <a:t>br</a:t>
+            </a:r>
+            <a:r>
+              <a:rPr lang="en-US" dirty="0"/>
+              <a:t> /&gt;);}</a:t>
+            </a:r>
+          </a:p>
+          <a:p>
+            <a:r>
+              <a:rPr lang="ru-RU" dirty="0"/>
+              <a:t>После каждого вывода сообщения на экран мы будем увеличивать </a:t>
+            </a:r>
+            <a:r>
+              <a:rPr lang="en-US" dirty="0" err="1"/>
+              <a:t>i</a:t>
+            </a:r>
+            <a:r>
+              <a:rPr lang="ru-RU" dirty="0"/>
+              <a:t> на единицу </a:t>
+            </a:r>
+          </a:p>
+          <a:p>
+            <a:r>
+              <a:rPr lang="ru-RU" dirty="0"/>
+              <a:t>Получаем такой код </a:t>
+            </a:r>
+            <a:r>
+              <a:rPr lang="en-US" dirty="0"/>
+              <a:t>:</a:t>
+            </a:r>
+          </a:p>
+          <a:p>
+            <a:r>
+              <a:rPr lang="en-US" dirty="0"/>
+              <a:t>&lt;meta charset=“utf-8”&gt;</a:t>
+            </a:r>
+          </a:p>
+          <a:p>
+            <a:r>
+              <a:rPr lang="en-US" dirty="0"/>
+              <a:t>&lt;script type=“text/</a:t>
+            </a:r>
+            <a:r>
+              <a:rPr lang="en-US" dirty="0" err="1"/>
+              <a:t>javascript</a:t>
+            </a:r>
+            <a:r>
+              <a:rPr lang="en-US" dirty="0"/>
+              <a:t>”&gt;</a:t>
+            </a:r>
+          </a:p>
+          <a:p>
+            <a:r>
+              <a:rPr lang="en-US" dirty="0"/>
+              <a:t>	var i =0;</a:t>
+            </a:r>
+          </a:p>
+          <a:p>
+            <a:r>
+              <a:rPr lang="en-US" dirty="0"/>
+              <a:t>	 while(</a:t>
+            </a:r>
+            <a:r>
+              <a:rPr lang="en-US" dirty="0" err="1"/>
+              <a:t>i</a:t>
+            </a:r>
+            <a:r>
+              <a:rPr lang="en-US" dirty="0"/>
+              <a:t> &lt; 5){</a:t>
+            </a:r>
+          </a:p>
+          <a:p>
+            <a:r>
+              <a:rPr lang="ru-RU" dirty="0"/>
+              <a:t>	</a:t>
+            </a:r>
+            <a:r>
+              <a:rPr lang="en-US" dirty="0" err="1"/>
+              <a:t>document.write</a:t>
+            </a:r>
+            <a:r>
+              <a:rPr lang="en-US" dirty="0"/>
+              <a:t>(“</a:t>
+            </a:r>
+            <a:r>
+              <a:rPr lang="ru-RU" dirty="0" err="1"/>
+              <a:t>Првет</a:t>
+            </a:r>
+            <a:r>
+              <a:rPr lang="ru-RU" dirty="0"/>
+              <a:t>! </a:t>
+            </a:r>
+            <a:r>
+              <a:rPr lang="en-US" dirty="0"/>
+              <a:t>&lt;</a:t>
+            </a:r>
+            <a:r>
+              <a:rPr lang="en-US" dirty="0" err="1"/>
+              <a:t>br</a:t>
+            </a:r>
+            <a:r>
+              <a:rPr lang="en-US" dirty="0"/>
+              <a:t> /&gt;”);</a:t>
+            </a:r>
+          </a:p>
+          <a:p>
+            <a:r>
+              <a:rPr lang="en-US" dirty="0"/>
+              <a:t>	i = </a:t>
+            </a:r>
+            <a:r>
+              <a:rPr lang="en-US" dirty="0" err="1"/>
+              <a:t>i</a:t>
+            </a:r>
+            <a:r>
+              <a:rPr lang="en-US" dirty="0"/>
+              <a:t> + 1;</a:t>
+            </a:r>
+          </a:p>
+          <a:p>
+            <a:r>
+              <a:rPr lang="en-US" dirty="0"/>
+              <a:t>}</a:t>
+            </a:r>
+          </a:p>
+          <a:p>
+            <a:r>
+              <a:rPr lang="en-US" dirty="0"/>
+              <a:t>&lt;/script&gt;</a:t>
+            </a:r>
+            <a:endParaRPr lang="ru-RU" dirty="0"/>
+          </a:p>
+          <a:p>
+            <a:endParaRPr lang="ru-RU" dirty="0"/>
+          </a:p>
+        </p:txBody>
+      </p:sp>
+    </p:spTree>
+    <p:extLst>
+      <p:ext uri="{BB962C8B-B14F-4D97-AF65-F5344CB8AC3E}">
+        <p14:creationId xmlns:p14="http://schemas.microsoft.com/office/powerpoint/2010/main" val="2428639000"/>
+      </p:ext>
+    </p:extLst>
+  </p:cSld>
+  <p:clrMapOvr>
+    <a:masterClrMapping/>
+  </p:clrMapOvr>
+</p:sld>
+</file>
+
+<file path=ppt/slides/slide22.xml><?xml version="1.0" encoding="utf-8"?>
+<p:sld xmlns:a="http://schemas.openxmlformats.org/drawingml/2006/main" xmlns:r="http://schemas.openxmlformats.org/officeDocument/2006/relationships" xmlns:p="http://schemas.openxmlformats.org/presentationml/2006/main">
+  <p:cSld>
+    <p:spTree>
+      <p:nvGrpSpPr>
+        <p:cNvPr id="1" name=""/>
+        <p:cNvGrpSpPr/>
+        <p:nvPr/>
+      </p:nvGrpSpPr>
+      <p:grpSpPr>
+        <a:xfrm>
+          <a:off x="0" y="0"/>
+          <a:ext cx="0" cy="0"/>
+          <a:chOff x="0" y="0"/>
+          <a:chExt cx="0" cy="0"/>
+        </a:xfrm>
+      </p:grpSpPr>
+      <p:sp>
+        <p:nvSpPr>
+          <p:cNvPr id="2" name="Заголовок 1">
+            <a:extLst>
+              <a:ext uri="{FF2B5EF4-FFF2-40B4-BE49-F238E27FC236}">
+                <a16:creationId xmlns:a16="http://schemas.microsoft.com/office/drawing/2014/main" id="{9D195C5C-67C2-48C7-9A2B-1E91E4422B8D}"/>
+              </a:ext>
+            </a:extLst>
+          </p:cNvPr>
+          <p:cNvSpPr>
+            <a:spLocks noGrp="1"/>
+          </p:cNvSpPr>
+          <p:nvPr>
+            <p:ph type="title"/>
+          </p:nvPr>
+        </p:nvSpPr>
+        <p:spPr>
+          <a:xfrm>
+            <a:off x="562062" y="0"/>
+            <a:ext cx="10680192" cy="994347"/>
+          </a:xfrm>
+        </p:spPr>
+        <p:txBody>
+          <a:bodyPr>
+            <a:normAutofit fontScale="90000"/>
+          </a:bodyPr>
+          <a:lstStyle/>
+          <a:p>
+            <a:r>
+              <a:rPr lang="ru-RU" dirty="0"/>
+              <a:t>Более короткий тот же код</a:t>
+            </a:r>
+          </a:p>
+        </p:txBody>
+      </p:sp>
+      <p:sp>
+        <p:nvSpPr>
+          <p:cNvPr id="3" name="Текст 2">
+            <a:extLst>
+              <a:ext uri="{FF2B5EF4-FFF2-40B4-BE49-F238E27FC236}">
+                <a16:creationId xmlns:a16="http://schemas.microsoft.com/office/drawing/2014/main" id="{F47FD6DB-644C-4750-BBA8-DF59C3E9C138}"/>
+              </a:ext>
+            </a:extLst>
+          </p:cNvPr>
+          <p:cNvSpPr>
+            <a:spLocks noGrp="1"/>
+          </p:cNvSpPr>
+          <p:nvPr>
+            <p:ph type="body" idx="1"/>
+          </p:nvPr>
+        </p:nvSpPr>
+        <p:spPr>
+          <a:xfrm>
+            <a:off x="490084" y="994347"/>
+            <a:ext cx="10752169" cy="5112838"/>
+          </a:xfrm>
+        </p:spPr>
+        <p:txBody>
+          <a:bodyPr>
+            <a:normAutofit/>
+          </a:bodyPr>
+          <a:lstStyle/>
+          <a:p>
+            <a:r>
+              <a:rPr lang="en-US" dirty="0"/>
+              <a:t>&lt;meta charset=“utf-8”&gt;</a:t>
+            </a:r>
+          </a:p>
+          <a:p>
+            <a:r>
+              <a:rPr lang="en-US" dirty="0"/>
+              <a:t>&lt;script type=“text/</a:t>
+            </a:r>
+            <a:r>
+              <a:rPr lang="en-US" dirty="0" err="1"/>
+              <a:t>javascript</a:t>
+            </a:r>
+            <a:r>
+              <a:rPr lang="en-US" dirty="0"/>
+              <a:t>”&gt;</a:t>
+            </a:r>
+          </a:p>
+          <a:p>
+            <a:endParaRPr lang="en-US" dirty="0"/>
+          </a:p>
+          <a:p>
+            <a:r>
+              <a:rPr lang="en-US" dirty="0"/>
+              <a:t>	for(var </a:t>
+            </a:r>
+            <a:r>
+              <a:rPr lang="en-US" dirty="0" err="1"/>
+              <a:t>i</a:t>
+            </a:r>
+            <a:r>
+              <a:rPr lang="en-US" dirty="0"/>
+              <a:t> = 0; </a:t>
+            </a:r>
+            <a:r>
+              <a:rPr lang="en-US" dirty="0" err="1"/>
+              <a:t>i</a:t>
+            </a:r>
+            <a:r>
+              <a:rPr lang="en-US" dirty="0"/>
+              <a:t> &lt;1000; </a:t>
+            </a:r>
+            <a:r>
+              <a:rPr lang="en-US" dirty="0" err="1"/>
+              <a:t>i</a:t>
+            </a:r>
+            <a:r>
+              <a:rPr lang="en-US" dirty="0"/>
+              <a:t> ++;){</a:t>
+            </a:r>
+          </a:p>
+          <a:p>
+            <a:r>
+              <a:rPr lang="ru-RU" dirty="0"/>
+              <a:t>	</a:t>
+            </a:r>
+            <a:r>
+              <a:rPr lang="en-US" dirty="0"/>
+              <a:t>     </a:t>
+            </a:r>
+            <a:r>
+              <a:rPr lang="en-US" dirty="0" err="1"/>
+              <a:t>document.write</a:t>
+            </a:r>
+            <a:r>
+              <a:rPr lang="en-US" dirty="0"/>
+              <a:t>(“</a:t>
+            </a:r>
+            <a:r>
+              <a:rPr lang="ru-RU" dirty="0" err="1"/>
+              <a:t>Првет</a:t>
+            </a:r>
+            <a:r>
+              <a:rPr lang="ru-RU" dirty="0"/>
+              <a:t>! </a:t>
+            </a:r>
+            <a:r>
+              <a:rPr lang="en-US" dirty="0"/>
+              <a:t>&lt;</a:t>
+            </a:r>
+            <a:r>
+              <a:rPr lang="en-US" dirty="0" err="1"/>
+              <a:t>br</a:t>
+            </a:r>
+            <a:r>
+              <a:rPr lang="en-US" dirty="0"/>
+              <a:t> /&gt;”);</a:t>
+            </a:r>
+          </a:p>
+          <a:p>
+            <a:r>
+              <a:rPr lang="en-US" dirty="0"/>
+              <a:t>	}</a:t>
+            </a:r>
+          </a:p>
+          <a:p>
+            <a:r>
+              <a:rPr lang="en-US" dirty="0"/>
+              <a:t>&lt;/script&gt;</a:t>
+            </a:r>
+            <a:endParaRPr lang="ru-RU" dirty="0"/>
+          </a:p>
+          <a:p>
+            <a:endParaRPr lang="ru-RU" dirty="0"/>
+          </a:p>
+        </p:txBody>
+      </p:sp>
+    </p:spTree>
+    <p:extLst>
+      <p:ext uri="{BB962C8B-B14F-4D97-AF65-F5344CB8AC3E}">
+        <p14:creationId xmlns:p14="http://schemas.microsoft.com/office/powerpoint/2010/main" val="287710752"/>
+      </p:ext>
+    </p:extLst>
+  </p:cSld>
+  <p:clrMapOvr>
+    <a:masterClrMapping/>
+  </p:clrMapOvr>
+</p:sld>
+</file>
+
 <file path=ppt/slides/slide3.xml><?xml version="1.0" encoding="utf-8"?>
 <p:sld xmlns:a="http://schemas.openxmlformats.org/drawingml/2006/main" xmlns:r="http://schemas.openxmlformats.org/officeDocument/2006/relationships" xmlns:p="http://schemas.openxmlformats.org/presentationml/2006/main">
   <p:cSld>
